--- a/docs/apresentacao-powerpoint.pptx
+++ b/docs/apresentacao-powerpoint.pptx
@@ -3,17 +3,20 @@
 <p:presentation xmlns:a="http://schemas.openxmlformats.org/drawingml/2006/main" xmlns:p="http://schemas.openxmlformats.org/presentationml/2006/main" xmlns:r="http://schemas.openxmlformats.org/officeDocument/2006/relationships" xmlns:p14="http://schemas.microsoft.com/office/powerpoint/2010/main" xmlns:p15="http://schemas.microsoft.com/office/powerpoint/2012/main" xmlns:mc="http://schemas.openxmlformats.org/markup-compatibility/2006">
   <p:sldMasterIdLst>
     <p:sldMasterId id="2147483648" r:id="rId2"/>
+    <p:sldMasterId id="2147483661" r:id="rId3"/>
   </p:sldMasterIdLst>
   <p:sldIdLst>
-    <p:sldId id="256" r:id="rId3"/>
-    <p:sldId id="257" r:id="rId4"/>
-    <p:sldId id="258" r:id="rId5"/>
-    <p:sldId id="259" r:id="rId6"/>
-    <p:sldId id="260" r:id="rId7"/>
-    <p:sldId id="261" r:id="rId8"/>
-    <p:sldId id="262" r:id="rId9"/>
-    <p:sldId id="263" r:id="rId10"/>
-    <p:sldId id="264" r:id="rId11"/>
+    <p:sldId id="256" r:id="rId4"/>
+    <p:sldId id="257" r:id="rId5"/>
+    <p:sldId id="258" r:id="rId6"/>
+    <p:sldId id="259" r:id="rId7"/>
+    <p:sldId id="260" r:id="rId8"/>
+    <p:sldId id="261" r:id="rId9"/>
+    <p:sldId id="262" r:id="rId10"/>
+    <p:sldId id="263" r:id="rId11"/>
+    <p:sldId id="264" r:id="rId12"/>
+    <p:sldId id="265" r:id="rId13"/>
+    <p:sldId id="266" r:id="rId14"/>
   </p:sldIdLst>
   <p:sldSz cx="10080625" cy="5670550"/>
   <p:notesSz cx="7559675" cy="10691813"/>
@@ -44,7 +47,7 @@
             <a:spLocks noGrp="1"/>
           </p:cNvSpPr>
           <p:nvPr>
-            <p:ph type="ftr" idx="2"/>
+            <p:ph type="ftr" idx="1"/>
           </p:nvPr>
         </p:nvSpPr>
         <p:spPr/>
@@ -64,14 +67,14 @@
             <a:spLocks noGrp="1"/>
           </p:cNvSpPr>
           <p:nvPr>
-            <p:ph type="sldNum" idx="3"/>
+            <p:ph type="sldNum" idx="2"/>
           </p:nvPr>
         </p:nvSpPr>
         <p:spPr/>
         <p:txBody>
           <a:bodyPr/>
           <a:p>
-            <a:fld id="{EC828C25-2A3C-42CB-A6EF-C393AEB44DE3}" type="slidenum">
+            <a:fld id="{42BE462E-75F0-4E64-8B52-A2A18793D879}" type="slidenum">
               <a:t>&lt;#&gt;</a:t>
             </a:fld>
           </a:p>
@@ -84,7 +87,7 @@
             <a:spLocks noGrp="1"/>
           </p:cNvSpPr>
           <p:nvPr>
-            <p:ph type="dt" idx="1"/>
+            <p:ph type="dt" idx="3"/>
           </p:nvPr>
         </p:nvSpPr>
         <p:spPr/>
@@ -133,7 +136,7 @@
         <p:spPr>
           <a:xfrm>
             <a:off x="504000" y="226080"/>
-            <a:ext cx="9071640" cy="946440"/>
+            <a:ext cx="9071280" cy="946080"/>
           </a:xfrm>
           <a:prstGeom prst="rect">
             <a:avLst/>
@@ -170,7 +173,7 @@
         <p:spPr>
           <a:xfrm>
             <a:off x="504000" y="1326600"/>
-            <a:ext cx="9071640" cy="1568160"/>
+            <a:ext cx="9071280" cy="1568160"/>
           </a:xfrm>
           <a:prstGeom prst="rect">
             <a:avLst/>
@@ -204,7 +207,7 @@
         <p:spPr>
           <a:xfrm>
             <a:off x="504000" y="3044160"/>
-            <a:ext cx="9071640" cy="1568160"/>
+            <a:ext cx="9071280" cy="1568160"/>
           </a:xfrm>
           <a:prstGeom prst="rect">
             <a:avLst/>
@@ -232,7 +235,7 @@
             <a:spLocks noGrp="1"/>
           </p:cNvSpPr>
           <p:nvPr>
-            <p:ph type="ftr" idx="2"/>
+            <p:ph type="ftr" idx="1"/>
           </p:nvPr>
         </p:nvSpPr>
         <p:spPr/>
@@ -252,14 +255,14 @@
             <a:spLocks noGrp="1"/>
           </p:cNvSpPr>
           <p:nvPr>
-            <p:ph type="sldNum" idx="3"/>
+            <p:ph type="sldNum" idx="2"/>
           </p:nvPr>
         </p:nvSpPr>
         <p:spPr/>
         <p:txBody>
           <a:bodyPr/>
           <a:p>
-            <a:fld id="{B2926F25-11D9-4768-9425-BBF7830C0F8F}" type="slidenum">
+            <a:fld id="{EE126E41-9C09-47BF-8F79-CA853C082C9F}" type="slidenum">
               <a:t>&lt;#&gt;</a:t>
             </a:fld>
           </a:p>
@@ -272,7 +275,7 @@
             <a:spLocks noGrp="1"/>
           </p:cNvSpPr>
           <p:nvPr>
-            <p:ph type="dt" idx="1"/>
+            <p:ph type="dt" idx="3"/>
           </p:nvPr>
         </p:nvSpPr>
         <p:spPr/>
@@ -321,7 +324,7 @@
         <p:spPr>
           <a:xfrm>
             <a:off x="504000" y="226080"/>
-            <a:ext cx="9071640" cy="946440"/>
+            <a:ext cx="9071280" cy="946080"/>
           </a:xfrm>
           <a:prstGeom prst="rect">
             <a:avLst/>
@@ -358,7 +361,7 @@
         <p:spPr>
           <a:xfrm>
             <a:off x="504000" y="1326600"/>
-            <a:ext cx="4426920" cy="1568160"/>
+            <a:ext cx="4426560" cy="1568160"/>
           </a:xfrm>
           <a:prstGeom prst="rect">
             <a:avLst/>
@@ -391,8 +394,8 @@
         </p:nvSpPr>
         <p:spPr>
           <a:xfrm>
-            <a:off x="5152680" y="1326600"/>
-            <a:ext cx="4426920" cy="1568160"/>
+            <a:off x="5152320" y="1326600"/>
+            <a:ext cx="4426560" cy="1568160"/>
           </a:xfrm>
           <a:prstGeom prst="rect">
             <a:avLst/>
@@ -426,7 +429,7 @@
         <p:spPr>
           <a:xfrm>
             <a:off x="504000" y="3044160"/>
-            <a:ext cx="4426920" cy="1568160"/>
+            <a:ext cx="4426560" cy="1568160"/>
           </a:xfrm>
           <a:prstGeom prst="rect">
             <a:avLst/>
@@ -459,8 +462,8 @@
         </p:nvSpPr>
         <p:spPr>
           <a:xfrm>
-            <a:off x="5152680" y="3044160"/>
-            <a:ext cx="4426920" cy="1568160"/>
+            <a:off x="5152320" y="3044160"/>
+            <a:ext cx="4426560" cy="1568160"/>
           </a:xfrm>
           <a:prstGeom prst="rect">
             <a:avLst/>
@@ -488,7 +491,7 @@
             <a:spLocks noGrp="1"/>
           </p:cNvSpPr>
           <p:nvPr>
-            <p:ph type="ftr" idx="2"/>
+            <p:ph type="ftr" idx="1"/>
           </p:nvPr>
         </p:nvSpPr>
         <p:spPr/>
@@ -508,14 +511,14 @@
             <a:spLocks noGrp="1"/>
           </p:cNvSpPr>
           <p:nvPr>
-            <p:ph type="sldNum" idx="3"/>
+            <p:ph type="sldNum" idx="2"/>
           </p:nvPr>
         </p:nvSpPr>
         <p:spPr/>
         <p:txBody>
           <a:bodyPr/>
           <a:p>
-            <a:fld id="{9FFCE93D-9F3C-41E8-9339-3A967593F6A6}" type="slidenum">
+            <a:fld id="{5C90E47D-C380-4979-9125-C3BD5661C924}" type="slidenum">
               <a:t>&lt;#&gt;</a:t>
             </a:fld>
           </a:p>
@@ -528,7 +531,7 @@
             <a:spLocks noGrp="1"/>
           </p:cNvSpPr>
           <p:nvPr>
-            <p:ph type="dt" idx="1"/>
+            <p:ph type="dt" idx="3"/>
           </p:nvPr>
         </p:nvSpPr>
         <p:spPr/>
@@ -577,7 +580,7 @@
         <p:spPr>
           <a:xfrm>
             <a:off x="504000" y="226080"/>
-            <a:ext cx="9071640" cy="946440"/>
+            <a:ext cx="9071280" cy="946080"/>
           </a:xfrm>
           <a:prstGeom prst="rect">
             <a:avLst/>
@@ -812,7 +815,7 @@
             <a:spLocks noGrp="1"/>
           </p:cNvSpPr>
           <p:nvPr>
-            <p:ph type="ftr" idx="2"/>
+            <p:ph type="ftr" idx="1"/>
           </p:nvPr>
         </p:nvSpPr>
         <p:spPr/>
@@ -832,14 +835,14 @@
             <a:spLocks noGrp="1"/>
           </p:cNvSpPr>
           <p:nvPr>
-            <p:ph type="sldNum" idx="3"/>
+            <p:ph type="sldNum" idx="2"/>
           </p:nvPr>
         </p:nvSpPr>
         <p:spPr/>
         <p:txBody>
           <a:bodyPr/>
           <a:p>
-            <a:fld id="{23A7C679-FEE7-4001-8D69-F5177F33139B}" type="slidenum">
+            <a:fld id="{D0FC05A5-DEE4-4A3A-97D9-E7F1F7F43017}" type="slidenum">
               <a:t>&lt;#&gt;</a:t>
             </a:fld>
           </a:p>
@@ -852,7 +855,1051 @@
             <a:spLocks noGrp="1"/>
           </p:cNvSpPr>
           <p:nvPr>
-            <p:ph type="dt" idx="1"/>
+            <p:ph type="dt" idx="3"/>
+          </p:nvPr>
+        </p:nvSpPr>
+        <p:spPr/>
+        <p:txBody>
+          <a:bodyPr/>
+          <a:p>
+            <a:r>
+              <a:rPr lang="pt-BR"/>
+              <a:t/>
+            </a:r>
+          </a:p>
+        </p:txBody>
+      </p:sp>
+    </p:spTree>
+  </p:cSld>
+</p:sldLayout>
+</file>
+
+<file path=ppt/slideLayouts/slideLayout13.xml><?xml version="1.0" encoding="utf-8"?>
+<p:sldLayout xmlns:a="http://schemas.openxmlformats.org/drawingml/2006/main" xmlns:p="http://schemas.openxmlformats.org/presentationml/2006/main" xmlns:r="http://schemas.openxmlformats.org/officeDocument/2006/relationships" xmlns:p14="http://schemas.microsoft.com/office/powerpoint/2010/main" xmlns:p15="http://schemas.microsoft.com/office/powerpoint/2012/main" xmlns:mc="http://schemas.openxmlformats.org/markup-compatibility/2006" type="blank" preserve="1">
+  <p:cSld name="Blank Slide">
+    <p:spTree>
+      <p:nvGrpSpPr>
+        <p:cNvPr id="1" name=""/>
+        <p:cNvGrpSpPr/>
+        <p:nvPr/>
+      </p:nvGrpSpPr>
+      <p:grpSpPr>
+        <a:xfrm>
+          <a:off x="0" y="0"/>
+          <a:ext cx="0" cy="0"/>
+          <a:chOff x="0" y="0"/>
+          <a:chExt cx="0" cy="0"/>
+        </a:xfrm>
+      </p:grpSpPr>
+      <p:sp>
+        <p:nvSpPr>
+          <p:cNvPr id="2" name="PlaceHolder 1"/>
+          <p:cNvSpPr>
+            <a:spLocks noGrp="1"/>
+          </p:cNvSpPr>
+          <p:nvPr>
+            <p:ph type="ftr" idx="4"/>
+          </p:nvPr>
+        </p:nvSpPr>
+        <p:spPr/>
+        <p:txBody>
+          <a:bodyPr/>
+          <a:p>
+            <a:r>
+              <a:t>Footer</a:t>
+            </a:r>
+          </a:p>
+        </p:txBody>
+      </p:sp>
+      <p:sp>
+        <p:nvSpPr>
+          <p:cNvPr id="3" name="PlaceHolder 2"/>
+          <p:cNvSpPr>
+            <a:spLocks noGrp="1"/>
+          </p:cNvSpPr>
+          <p:nvPr>
+            <p:ph type="sldNum" idx="5"/>
+          </p:nvPr>
+        </p:nvSpPr>
+        <p:spPr/>
+        <p:txBody>
+          <a:bodyPr/>
+          <a:p>
+            <a:fld id="{7B159C25-2697-4435-81AE-53E6FA351B2F}" type="slidenum">
+              <a:t>&lt;#&gt;</a:t>
+            </a:fld>
+          </a:p>
+        </p:txBody>
+      </p:sp>
+      <p:sp>
+        <p:nvSpPr>
+          <p:cNvPr id="4" name="PlaceHolder 3"/>
+          <p:cNvSpPr>
+            <a:spLocks noGrp="1"/>
+          </p:cNvSpPr>
+          <p:nvPr>
+            <p:ph type="dt" idx="6"/>
+          </p:nvPr>
+        </p:nvSpPr>
+        <p:spPr/>
+        <p:txBody>
+          <a:bodyPr/>
+          <a:p>
+            <a:r>
+              <a:rPr lang="pt-BR"/>
+              <a:t/>
+            </a:r>
+          </a:p>
+        </p:txBody>
+      </p:sp>
+    </p:spTree>
+  </p:cSld>
+</p:sldLayout>
+</file>
+
+<file path=ppt/slideLayouts/slideLayout14.xml><?xml version="1.0" encoding="utf-8"?>
+<p:sldLayout xmlns:a="http://schemas.openxmlformats.org/drawingml/2006/main" xmlns:p="http://schemas.openxmlformats.org/presentationml/2006/main" xmlns:r="http://schemas.openxmlformats.org/officeDocument/2006/relationships" xmlns:p14="http://schemas.microsoft.com/office/powerpoint/2010/main" xmlns:p15="http://schemas.microsoft.com/office/powerpoint/2012/main" xmlns:mc="http://schemas.openxmlformats.org/markup-compatibility/2006" type="tx" preserve="1">
+  <p:cSld name="Title Slide">
+    <p:spTree>
+      <p:nvGrpSpPr>
+        <p:cNvPr id="1" name=""/>
+        <p:cNvGrpSpPr/>
+        <p:nvPr/>
+      </p:nvGrpSpPr>
+      <p:grpSpPr>
+        <a:xfrm>
+          <a:off x="0" y="0"/>
+          <a:ext cx="0" cy="0"/>
+          <a:chOff x="0" y="0"/>
+          <a:chExt cx="0" cy="0"/>
+        </a:xfrm>
+      </p:grpSpPr>
+      <p:sp>
+        <p:nvSpPr>
+          <p:cNvPr id="46" name="PlaceHolder 1"/>
+          <p:cNvSpPr>
+            <a:spLocks noGrp="1"/>
+          </p:cNvSpPr>
+          <p:nvPr>
+            <p:ph type="title"/>
+          </p:nvPr>
+        </p:nvSpPr>
+        <p:spPr>
+          <a:xfrm>
+            <a:off x="504000" y="226080"/>
+            <a:ext cx="9071280" cy="946080"/>
+          </a:xfrm>
+          <a:prstGeom prst="rect">
+            <a:avLst/>
+          </a:prstGeom>
+          <a:noFill/>
+          <a:ln w="0">
+            <a:noFill/>
+          </a:ln>
+        </p:spPr>
+        <p:txBody>
+          <a:bodyPr lIns="0" rIns="0" tIns="0" bIns="0" anchor="ctr">
+            <a:noAutofit/>
+          </a:bodyPr>
+          <a:p>
+            <a:pPr algn="ctr">
+              <a:buNone/>
+            </a:pPr>
+            <a:endParaRPr b="0" lang="pt-BR" sz="4400" spc="-1" strike="noStrike">
+              <a:latin typeface="Arial"/>
+            </a:endParaRPr>
+          </a:p>
+        </p:txBody>
+      </p:sp>
+      <p:sp>
+        <p:nvSpPr>
+          <p:cNvPr id="47" name="PlaceHolder 2"/>
+          <p:cNvSpPr>
+            <a:spLocks noGrp="1"/>
+          </p:cNvSpPr>
+          <p:nvPr>
+            <p:ph type="subTitle"/>
+          </p:nvPr>
+        </p:nvSpPr>
+        <p:spPr>
+          <a:xfrm>
+            <a:off x="504000" y="1326600"/>
+            <a:ext cx="9071280" cy="3287880"/>
+          </a:xfrm>
+          <a:prstGeom prst="rect">
+            <a:avLst/>
+          </a:prstGeom>
+          <a:noFill/>
+          <a:ln w="0">
+            <a:noFill/>
+          </a:ln>
+        </p:spPr>
+        <p:txBody>
+          <a:bodyPr lIns="0" rIns="0" tIns="0" bIns="0" anchor="ctr">
+            <a:noAutofit/>
+          </a:bodyPr>
+          <a:p>
+            <a:pPr algn="ctr">
+              <a:buNone/>
+            </a:pPr>
+            <a:endParaRPr b="0" lang="pt-BR" sz="3200" spc="-1" strike="noStrike">
+              <a:latin typeface="Arial"/>
+            </a:endParaRPr>
+          </a:p>
+        </p:txBody>
+      </p:sp>
+      <p:sp>
+        <p:nvSpPr>
+          <p:cNvPr id="4" name="PlaceHolder 3"/>
+          <p:cNvSpPr>
+            <a:spLocks noGrp="1"/>
+          </p:cNvSpPr>
+          <p:nvPr>
+            <p:ph type="ftr" idx="4"/>
+          </p:nvPr>
+        </p:nvSpPr>
+        <p:spPr/>
+        <p:txBody>
+          <a:bodyPr/>
+          <a:p>
+            <a:r>
+              <a:t>Footer</a:t>
+            </a:r>
+          </a:p>
+        </p:txBody>
+      </p:sp>
+      <p:sp>
+        <p:nvSpPr>
+          <p:cNvPr id="5" name="PlaceHolder 4"/>
+          <p:cNvSpPr>
+            <a:spLocks noGrp="1"/>
+          </p:cNvSpPr>
+          <p:nvPr>
+            <p:ph type="sldNum" idx="5"/>
+          </p:nvPr>
+        </p:nvSpPr>
+        <p:spPr/>
+        <p:txBody>
+          <a:bodyPr/>
+          <a:p>
+            <a:fld id="{5D7E37BE-C233-434E-ACDC-B71087EBEEF7}" type="slidenum">
+              <a:t>&lt;#&gt;</a:t>
+            </a:fld>
+          </a:p>
+        </p:txBody>
+      </p:sp>
+      <p:sp>
+        <p:nvSpPr>
+          <p:cNvPr id="6" name="PlaceHolder 5"/>
+          <p:cNvSpPr>
+            <a:spLocks noGrp="1"/>
+          </p:cNvSpPr>
+          <p:nvPr>
+            <p:ph type="dt" idx="6"/>
+          </p:nvPr>
+        </p:nvSpPr>
+        <p:spPr/>
+        <p:txBody>
+          <a:bodyPr/>
+          <a:p>
+            <a:r>
+              <a:rPr lang="pt-BR"/>
+              <a:t/>
+            </a:r>
+          </a:p>
+        </p:txBody>
+      </p:sp>
+    </p:spTree>
+  </p:cSld>
+</p:sldLayout>
+</file>
+
+<file path=ppt/slideLayouts/slideLayout15.xml><?xml version="1.0" encoding="utf-8"?>
+<p:sldLayout xmlns:a="http://schemas.openxmlformats.org/drawingml/2006/main" xmlns:p="http://schemas.openxmlformats.org/presentationml/2006/main" xmlns:r="http://schemas.openxmlformats.org/officeDocument/2006/relationships" xmlns:p14="http://schemas.microsoft.com/office/powerpoint/2010/main" xmlns:p15="http://schemas.microsoft.com/office/powerpoint/2012/main" xmlns:mc="http://schemas.openxmlformats.org/markup-compatibility/2006" type="obj" preserve="1">
+  <p:cSld name="Title, Content">
+    <p:spTree>
+      <p:nvGrpSpPr>
+        <p:cNvPr id="1" name=""/>
+        <p:cNvGrpSpPr/>
+        <p:nvPr/>
+      </p:nvGrpSpPr>
+      <p:grpSpPr>
+        <a:xfrm>
+          <a:off x="0" y="0"/>
+          <a:ext cx="0" cy="0"/>
+          <a:chOff x="0" y="0"/>
+          <a:chExt cx="0" cy="0"/>
+        </a:xfrm>
+      </p:grpSpPr>
+      <p:sp>
+        <p:nvSpPr>
+          <p:cNvPr id="48" name="PlaceHolder 1"/>
+          <p:cNvSpPr>
+            <a:spLocks noGrp="1"/>
+          </p:cNvSpPr>
+          <p:nvPr>
+            <p:ph type="title"/>
+          </p:nvPr>
+        </p:nvSpPr>
+        <p:spPr>
+          <a:xfrm>
+            <a:off x="504000" y="226080"/>
+            <a:ext cx="9071280" cy="946080"/>
+          </a:xfrm>
+          <a:prstGeom prst="rect">
+            <a:avLst/>
+          </a:prstGeom>
+          <a:noFill/>
+          <a:ln w="0">
+            <a:noFill/>
+          </a:ln>
+        </p:spPr>
+        <p:txBody>
+          <a:bodyPr lIns="0" rIns="0" tIns="0" bIns="0" anchor="ctr">
+            <a:noAutofit/>
+          </a:bodyPr>
+          <a:p>
+            <a:pPr algn="ctr">
+              <a:buNone/>
+            </a:pPr>
+            <a:endParaRPr b="0" lang="pt-BR" sz="4400" spc="-1" strike="noStrike">
+              <a:latin typeface="Arial"/>
+            </a:endParaRPr>
+          </a:p>
+        </p:txBody>
+      </p:sp>
+      <p:sp>
+        <p:nvSpPr>
+          <p:cNvPr id="49" name="PlaceHolder 2"/>
+          <p:cNvSpPr>
+            <a:spLocks noGrp="1"/>
+          </p:cNvSpPr>
+          <p:nvPr>
+            <p:ph/>
+          </p:nvPr>
+        </p:nvSpPr>
+        <p:spPr>
+          <a:xfrm>
+            <a:off x="504000" y="1326600"/>
+            <a:ext cx="9071280" cy="3287880"/>
+          </a:xfrm>
+          <a:prstGeom prst="rect">
+            <a:avLst/>
+          </a:prstGeom>
+          <a:noFill/>
+          <a:ln w="0">
+            <a:noFill/>
+          </a:ln>
+        </p:spPr>
+        <p:txBody>
+          <a:bodyPr lIns="0" rIns="0" tIns="0" bIns="0" anchor="t">
+            <a:normAutofit/>
+          </a:bodyPr>
+          <a:p>
+            <a:endParaRPr b="0" lang="pt-BR" sz="3200" spc="-1" strike="noStrike">
+              <a:latin typeface="Arial"/>
+            </a:endParaRPr>
+          </a:p>
+        </p:txBody>
+      </p:sp>
+      <p:sp>
+        <p:nvSpPr>
+          <p:cNvPr id="4" name="PlaceHolder 3"/>
+          <p:cNvSpPr>
+            <a:spLocks noGrp="1"/>
+          </p:cNvSpPr>
+          <p:nvPr>
+            <p:ph type="ftr" idx="4"/>
+          </p:nvPr>
+        </p:nvSpPr>
+        <p:spPr/>
+        <p:txBody>
+          <a:bodyPr/>
+          <a:p>
+            <a:r>
+              <a:t>Footer</a:t>
+            </a:r>
+          </a:p>
+        </p:txBody>
+      </p:sp>
+      <p:sp>
+        <p:nvSpPr>
+          <p:cNvPr id="5" name="PlaceHolder 4"/>
+          <p:cNvSpPr>
+            <a:spLocks noGrp="1"/>
+          </p:cNvSpPr>
+          <p:nvPr>
+            <p:ph type="sldNum" idx="5"/>
+          </p:nvPr>
+        </p:nvSpPr>
+        <p:spPr/>
+        <p:txBody>
+          <a:bodyPr/>
+          <a:p>
+            <a:fld id="{8E65529B-EDD9-4213-B9EB-1FFF20CDAEDB}" type="slidenum">
+              <a:t>&lt;#&gt;</a:t>
+            </a:fld>
+          </a:p>
+        </p:txBody>
+      </p:sp>
+      <p:sp>
+        <p:nvSpPr>
+          <p:cNvPr id="6" name="PlaceHolder 5"/>
+          <p:cNvSpPr>
+            <a:spLocks noGrp="1"/>
+          </p:cNvSpPr>
+          <p:nvPr>
+            <p:ph type="dt" idx="6"/>
+          </p:nvPr>
+        </p:nvSpPr>
+        <p:spPr/>
+        <p:txBody>
+          <a:bodyPr/>
+          <a:p>
+            <a:r>
+              <a:rPr lang="pt-BR"/>
+              <a:t/>
+            </a:r>
+          </a:p>
+        </p:txBody>
+      </p:sp>
+    </p:spTree>
+  </p:cSld>
+</p:sldLayout>
+</file>
+
+<file path=ppt/slideLayouts/slideLayout16.xml><?xml version="1.0" encoding="utf-8"?>
+<p:sldLayout xmlns:a="http://schemas.openxmlformats.org/drawingml/2006/main" xmlns:p="http://schemas.openxmlformats.org/presentationml/2006/main" xmlns:r="http://schemas.openxmlformats.org/officeDocument/2006/relationships" xmlns:p14="http://schemas.microsoft.com/office/powerpoint/2010/main" xmlns:p15="http://schemas.microsoft.com/office/powerpoint/2012/main" xmlns:mc="http://schemas.openxmlformats.org/markup-compatibility/2006" type="twoObj" preserve="1">
+  <p:cSld name="Title, 2 Content">
+    <p:spTree>
+      <p:nvGrpSpPr>
+        <p:cNvPr id="1" name=""/>
+        <p:cNvGrpSpPr/>
+        <p:nvPr/>
+      </p:nvGrpSpPr>
+      <p:grpSpPr>
+        <a:xfrm>
+          <a:off x="0" y="0"/>
+          <a:ext cx="0" cy="0"/>
+          <a:chOff x="0" y="0"/>
+          <a:chExt cx="0" cy="0"/>
+        </a:xfrm>
+      </p:grpSpPr>
+      <p:sp>
+        <p:nvSpPr>
+          <p:cNvPr id="50" name="PlaceHolder 1"/>
+          <p:cNvSpPr>
+            <a:spLocks noGrp="1"/>
+          </p:cNvSpPr>
+          <p:nvPr>
+            <p:ph type="title"/>
+          </p:nvPr>
+        </p:nvSpPr>
+        <p:spPr>
+          <a:xfrm>
+            <a:off x="504000" y="226080"/>
+            <a:ext cx="9071280" cy="946080"/>
+          </a:xfrm>
+          <a:prstGeom prst="rect">
+            <a:avLst/>
+          </a:prstGeom>
+          <a:noFill/>
+          <a:ln w="0">
+            <a:noFill/>
+          </a:ln>
+        </p:spPr>
+        <p:txBody>
+          <a:bodyPr lIns="0" rIns="0" tIns="0" bIns="0" anchor="ctr">
+            <a:noAutofit/>
+          </a:bodyPr>
+          <a:p>
+            <a:pPr algn="ctr">
+              <a:buNone/>
+            </a:pPr>
+            <a:endParaRPr b="0" lang="pt-BR" sz="4400" spc="-1" strike="noStrike">
+              <a:latin typeface="Arial"/>
+            </a:endParaRPr>
+          </a:p>
+        </p:txBody>
+      </p:sp>
+      <p:sp>
+        <p:nvSpPr>
+          <p:cNvPr id="51" name="PlaceHolder 2"/>
+          <p:cNvSpPr>
+            <a:spLocks noGrp="1"/>
+          </p:cNvSpPr>
+          <p:nvPr>
+            <p:ph/>
+          </p:nvPr>
+        </p:nvSpPr>
+        <p:spPr>
+          <a:xfrm>
+            <a:off x="504000" y="1326600"/>
+            <a:ext cx="4426560" cy="3287880"/>
+          </a:xfrm>
+          <a:prstGeom prst="rect">
+            <a:avLst/>
+          </a:prstGeom>
+          <a:noFill/>
+          <a:ln w="0">
+            <a:noFill/>
+          </a:ln>
+        </p:spPr>
+        <p:txBody>
+          <a:bodyPr lIns="0" rIns="0" tIns="0" bIns="0" anchor="t">
+            <a:normAutofit/>
+          </a:bodyPr>
+          <a:p>
+            <a:endParaRPr b="0" lang="pt-BR" sz="3200" spc="-1" strike="noStrike">
+              <a:latin typeface="Arial"/>
+            </a:endParaRPr>
+          </a:p>
+        </p:txBody>
+      </p:sp>
+      <p:sp>
+        <p:nvSpPr>
+          <p:cNvPr id="52" name="PlaceHolder 3"/>
+          <p:cNvSpPr>
+            <a:spLocks noGrp="1"/>
+          </p:cNvSpPr>
+          <p:nvPr>
+            <p:ph/>
+          </p:nvPr>
+        </p:nvSpPr>
+        <p:spPr>
+          <a:xfrm>
+            <a:off x="5152320" y="1326600"/>
+            <a:ext cx="4426560" cy="3287880"/>
+          </a:xfrm>
+          <a:prstGeom prst="rect">
+            <a:avLst/>
+          </a:prstGeom>
+          <a:noFill/>
+          <a:ln w="0">
+            <a:noFill/>
+          </a:ln>
+        </p:spPr>
+        <p:txBody>
+          <a:bodyPr lIns="0" rIns="0" tIns="0" bIns="0" anchor="t">
+            <a:normAutofit/>
+          </a:bodyPr>
+          <a:p>
+            <a:endParaRPr b="0" lang="pt-BR" sz="3200" spc="-1" strike="noStrike">
+              <a:latin typeface="Arial"/>
+            </a:endParaRPr>
+          </a:p>
+        </p:txBody>
+      </p:sp>
+      <p:sp>
+        <p:nvSpPr>
+          <p:cNvPr id="5" name="PlaceHolder 4"/>
+          <p:cNvSpPr>
+            <a:spLocks noGrp="1"/>
+          </p:cNvSpPr>
+          <p:nvPr>
+            <p:ph type="ftr" idx="4"/>
+          </p:nvPr>
+        </p:nvSpPr>
+        <p:spPr/>
+        <p:txBody>
+          <a:bodyPr/>
+          <a:p>
+            <a:r>
+              <a:t>Footer</a:t>
+            </a:r>
+          </a:p>
+        </p:txBody>
+      </p:sp>
+      <p:sp>
+        <p:nvSpPr>
+          <p:cNvPr id="6" name="PlaceHolder 5"/>
+          <p:cNvSpPr>
+            <a:spLocks noGrp="1"/>
+          </p:cNvSpPr>
+          <p:nvPr>
+            <p:ph type="sldNum" idx="5"/>
+          </p:nvPr>
+        </p:nvSpPr>
+        <p:spPr/>
+        <p:txBody>
+          <a:bodyPr/>
+          <a:p>
+            <a:fld id="{5BA73745-F677-446F-BD06-C231BF8DF68B}" type="slidenum">
+              <a:t>&lt;#&gt;</a:t>
+            </a:fld>
+          </a:p>
+        </p:txBody>
+      </p:sp>
+      <p:sp>
+        <p:nvSpPr>
+          <p:cNvPr id="7" name="PlaceHolder 6"/>
+          <p:cNvSpPr>
+            <a:spLocks noGrp="1"/>
+          </p:cNvSpPr>
+          <p:nvPr>
+            <p:ph type="dt" idx="6"/>
+          </p:nvPr>
+        </p:nvSpPr>
+        <p:spPr/>
+        <p:txBody>
+          <a:bodyPr/>
+          <a:p>
+            <a:r>
+              <a:rPr lang="pt-BR"/>
+              <a:t/>
+            </a:r>
+          </a:p>
+        </p:txBody>
+      </p:sp>
+    </p:spTree>
+  </p:cSld>
+</p:sldLayout>
+</file>
+
+<file path=ppt/slideLayouts/slideLayout17.xml><?xml version="1.0" encoding="utf-8"?>
+<p:sldLayout xmlns:a="http://schemas.openxmlformats.org/drawingml/2006/main" xmlns:p="http://schemas.openxmlformats.org/presentationml/2006/main" xmlns:r="http://schemas.openxmlformats.org/officeDocument/2006/relationships" xmlns:p14="http://schemas.microsoft.com/office/powerpoint/2010/main" xmlns:p15="http://schemas.microsoft.com/office/powerpoint/2012/main" xmlns:mc="http://schemas.openxmlformats.org/markup-compatibility/2006" type="titleOnly" preserve="1">
+  <p:cSld name="Title Only">
+    <p:spTree>
+      <p:nvGrpSpPr>
+        <p:cNvPr id="1" name=""/>
+        <p:cNvGrpSpPr/>
+        <p:nvPr/>
+      </p:nvGrpSpPr>
+      <p:grpSpPr>
+        <a:xfrm>
+          <a:off x="0" y="0"/>
+          <a:ext cx="0" cy="0"/>
+          <a:chOff x="0" y="0"/>
+          <a:chExt cx="0" cy="0"/>
+        </a:xfrm>
+      </p:grpSpPr>
+      <p:sp>
+        <p:nvSpPr>
+          <p:cNvPr id="53" name="PlaceHolder 1"/>
+          <p:cNvSpPr>
+            <a:spLocks noGrp="1"/>
+          </p:cNvSpPr>
+          <p:nvPr>
+            <p:ph type="title"/>
+          </p:nvPr>
+        </p:nvSpPr>
+        <p:spPr>
+          <a:xfrm>
+            <a:off x="504000" y="226080"/>
+            <a:ext cx="9071280" cy="946080"/>
+          </a:xfrm>
+          <a:prstGeom prst="rect">
+            <a:avLst/>
+          </a:prstGeom>
+          <a:noFill/>
+          <a:ln w="0">
+            <a:noFill/>
+          </a:ln>
+        </p:spPr>
+        <p:txBody>
+          <a:bodyPr lIns="0" rIns="0" tIns="0" bIns="0" anchor="ctr">
+            <a:noAutofit/>
+          </a:bodyPr>
+          <a:p>
+            <a:pPr algn="ctr">
+              <a:buNone/>
+            </a:pPr>
+            <a:endParaRPr b="0" lang="pt-BR" sz="4400" spc="-1" strike="noStrike">
+              <a:latin typeface="Arial"/>
+            </a:endParaRPr>
+          </a:p>
+        </p:txBody>
+      </p:sp>
+      <p:sp>
+        <p:nvSpPr>
+          <p:cNvPr id="3" name="PlaceHolder 2"/>
+          <p:cNvSpPr>
+            <a:spLocks noGrp="1"/>
+          </p:cNvSpPr>
+          <p:nvPr>
+            <p:ph type="ftr" idx="4"/>
+          </p:nvPr>
+        </p:nvSpPr>
+        <p:spPr/>
+        <p:txBody>
+          <a:bodyPr/>
+          <a:p>
+            <a:r>
+              <a:t>Footer</a:t>
+            </a:r>
+          </a:p>
+        </p:txBody>
+      </p:sp>
+      <p:sp>
+        <p:nvSpPr>
+          <p:cNvPr id="4" name="PlaceHolder 3"/>
+          <p:cNvSpPr>
+            <a:spLocks noGrp="1"/>
+          </p:cNvSpPr>
+          <p:nvPr>
+            <p:ph type="sldNum" idx="5"/>
+          </p:nvPr>
+        </p:nvSpPr>
+        <p:spPr/>
+        <p:txBody>
+          <a:bodyPr/>
+          <a:p>
+            <a:fld id="{A25243B7-73F0-43A5-8CFA-5A94F404323C}" type="slidenum">
+              <a:t>&lt;#&gt;</a:t>
+            </a:fld>
+          </a:p>
+        </p:txBody>
+      </p:sp>
+      <p:sp>
+        <p:nvSpPr>
+          <p:cNvPr id="5" name="PlaceHolder 4"/>
+          <p:cNvSpPr>
+            <a:spLocks noGrp="1"/>
+          </p:cNvSpPr>
+          <p:nvPr>
+            <p:ph type="dt" idx="6"/>
+          </p:nvPr>
+        </p:nvSpPr>
+        <p:spPr/>
+        <p:txBody>
+          <a:bodyPr/>
+          <a:p>
+            <a:r>
+              <a:rPr lang="pt-BR"/>
+              <a:t/>
+            </a:r>
+          </a:p>
+        </p:txBody>
+      </p:sp>
+    </p:spTree>
+  </p:cSld>
+</p:sldLayout>
+</file>
+
+<file path=ppt/slideLayouts/slideLayout18.xml><?xml version="1.0" encoding="utf-8"?>
+<p:sldLayout xmlns:a="http://schemas.openxmlformats.org/drawingml/2006/main" xmlns:p="http://schemas.openxmlformats.org/presentationml/2006/main" xmlns:r="http://schemas.openxmlformats.org/officeDocument/2006/relationships" xmlns:p14="http://schemas.microsoft.com/office/powerpoint/2010/main" xmlns:p15="http://schemas.microsoft.com/office/powerpoint/2012/main" xmlns:mc="http://schemas.openxmlformats.org/markup-compatibility/2006" type="objOnly" preserve="1">
+  <p:cSld name="Centered Text">
+    <p:spTree>
+      <p:nvGrpSpPr>
+        <p:cNvPr id="1" name=""/>
+        <p:cNvGrpSpPr/>
+        <p:nvPr/>
+      </p:nvGrpSpPr>
+      <p:grpSpPr>
+        <a:xfrm>
+          <a:off x="0" y="0"/>
+          <a:ext cx="0" cy="0"/>
+          <a:chOff x="0" y="0"/>
+          <a:chExt cx="0" cy="0"/>
+        </a:xfrm>
+      </p:grpSpPr>
+      <p:sp>
+        <p:nvSpPr>
+          <p:cNvPr id="54" name="PlaceHolder 1"/>
+          <p:cNvSpPr>
+            <a:spLocks noGrp="1"/>
+          </p:cNvSpPr>
+          <p:nvPr>
+            <p:ph type="subTitle"/>
+          </p:nvPr>
+        </p:nvSpPr>
+        <p:spPr>
+          <a:xfrm>
+            <a:off x="504000" y="226080"/>
+            <a:ext cx="9071280" cy="4386600"/>
+          </a:xfrm>
+          <a:prstGeom prst="rect">
+            <a:avLst/>
+          </a:prstGeom>
+          <a:noFill/>
+          <a:ln w="0">
+            <a:noFill/>
+          </a:ln>
+        </p:spPr>
+        <p:txBody>
+          <a:bodyPr lIns="0" rIns="0" tIns="0" bIns="0" anchor="ctr">
+            <a:noAutofit/>
+          </a:bodyPr>
+          <a:p>
+            <a:pPr algn="ctr">
+              <a:buNone/>
+            </a:pPr>
+            <a:endParaRPr b="0" lang="pt-BR" sz="3200" spc="-1" strike="noStrike">
+              <a:latin typeface="Arial"/>
+            </a:endParaRPr>
+          </a:p>
+        </p:txBody>
+      </p:sp>
+      <p:sp>
+        <p:nvSpPr>
+          <p:cNvPr id="3" name="PlaceHolder 2"/>
+          <p:cNvSpPr>
+            <a:spLocks noGrp="1"/>
+          </p:cNvSpPr>
+          <p:nvPr>
+            <p:ph type="ftr" idx="4"/>
+          </p:nvPr>
+        </p:nvSpPr>
+        <p:spPr/>
+        <p:txBody>
+          <a:bodyPr/>
+          <a:p>
+            <a:r>
+              <a:t>Footer</a:t>
+            </a:r>
+          </a:p>
+        </p:txBody>
+      </p:sp>
+      <p:sp>
+        <p:nvSpPr>
+          <p:cNvPr id="4" name="PlaceHolder 3"/>
+          <p:cNvSpPr>
+            <a:spLocks noGrp="1"/>
+          </p:cNvSpPr>
+          <p:nvPr>
+            <p:ph type="sldNum" idx="5"/>
+          </p:nvPr>
+        </p:nvSpPr>
+        <p:spPr/>
+        <p:txBody>
+          <a:bodyPr/>
+          <a:p>
+            <a:fld id="{1733207B-A5D5-4126-BE0D-4508E5505FF4}" type="slidenum">
+              <a:t>&lt;#&gt;</a:t>
+            </a:fld>
+          </a:p>
+        </p:txBody>
+      </p:sp>
+      <p:sp>
+        <p:nvSpPr>
+          <p:cNvPr id="5" name="PlaceHolder 4"/>
+          <p:cNvSpPr>
+            <a:spLocks noGrp="1"/>
+          </p:cNvSpPr>
+          <p:nvPr>
+            <p:ph type="dt" idx="6"/>
+          </p:nvPr>
+        </p:nvSpPr>
+        <p:spPr/>
+        <p:txBody>
+          <a:bodyPr/>
+          <a:p>
+            <a:r>
+              <a:rPr lang="pt-BR"/>
+              <a:t/>
+            </a:r>
+          </a:p>
+        </p:txBody>
+      </p:sp>
+    </p:spTree>
+  </p:cSld>
+</p:sldLayout>
+</file>
+
+<file path=ppt/slideLayouts/slideLayout19.xml><?xml version="1.0" encoding="utf-8"?>
+<p:sldLayout xmlns:a="http://schemas.openxmlformats.org/drawingml/2006/main" xmlns:p="http://schemas.openxmlformats.org/presentationml/2006/main" xmlns:r="http://schemas.openxmlformats.org/officeDocument/2006/relationships" xmlns:p14="http://schemas.microsoft.com/office/powerpoint/2010/main" xmlns:p15="http://schemas.microsoft.com/office/powerpoint/2012/main" xmlns:mc="http://schemas.openxmlformats.org/markup-compatibility/2006" type="twoObjAndObj" preserve="1">
+  <p:cSld name="Title, 2 Content and Content">
+    <p:spTree>
+      <p:nvGrpSpPr>
+        <p:cNvPr id="1" name=""/>
+        <p:cNvGrpSpPr/>
+        <p:nvPr/>
+      </p:nvGrpSpPr>
+      <p:grpSpPr>
+        <a:xfrm>
+          <a:off x="0" y="0"/>
+          <a:ext cx="0" cy="0"/>
+          <a:chOff x="0" y="0"/>
+          <a:chExt cx="0" cy="0"/>
+        </a:xfrm>
+      </p:grpSpPr>
+      <p:sp>
+        <p:nvSpPr>
+          <p:cNvPr id="55" name="PlaceHolder 1"/>
+          <p:cNvSpPr>
+            <a:spLocks noGrp="1"/>
+          </p:cNvSpPr>
+          <p:nvPr>
+            <p:ph type="title"/>
+          </p:nvPr>
+        </p:nvSpPr>
+        <p:spPr>
+          <a:xfrm>
+            <a:off x="504000" y="226080"/>
+            <a:ext cx="9071280" cy="946080"/>
+          </a:xfrm>
+          <a:prstGeom prst="rect">
+            <a:avLst/>
+          </a:prstGeom>
+          <a:noFill/>
+          <a:ln w="0">
+            <a:noFill/>
+          </a:ln>
+        </p:spPr>
+        <p:txBody>
+          <a:bodyPr lIns="0" rIns="0" tIns="0" bIns="0" anchor="ctr">
+            <a:noAutofit/>
+          </a:bodyPr>
+          <a:p>
+            <a:pPr algn="ctr">
+              <a:buNone/>
+            </a:pPr>
+            <a:endParaRPr b="0" lang="pt-BR" sz="4400" spc="-1" strike="noStrike">
+              <a:latin typeface="Arial"/>
+            </a:endParaRPr>
+          </a:p>
+        </p:txBody>
+      </p:sp>
+      <p:sp>
+        <p:nvSpPr>
+          <p:cNvPr id="56" name="PlaceHolder 2"/>
+          <p:cNvSpPr>
+            <a:spLocks noGrp="1"/>
+          </p:cNvSpPr>
+          <p:nvPr>
+            <p:ph/>
+          </p:nvPr>
+        </p:nvSpPr>
+        <p:spPr>
+          <a:xfrm>
+            <a:off x="504000" y="1326600"/>
+            <a:ext cx="4426560" cy="1568160"/>
+          </a:xfrm>
+          <a:prstGeom prst="rect">
+            <a:avLst/>
+          </a:prstGeom>
+          <a:noFill/>
+          <a:ln w="0">
+            <a:noFill/>
+          </a:ln>
+        </p:spPr>
+        <p:txBody>
+          <a:bodyPr lIns="0" rIns="0" tIns="0" bIns="0" anchor="t">
+            <a:normAutofit/>
+          </a:bodyPr>
+          <a:p>
+            <a:endParaRPr b="0" lang="pt-BR" sz="3200" spc="-1" strike="noStrike">
+              <a:latin typeface="Arial"/>
+            </a:endParaRPr>
+          </a:p>
+        </p:txBody>
+      </p:sp>
+      <p:sp>
+        <p:nvSpPr>
+          <p:cNvPr id="57" name="PlaceHolder 3"/>
+          <p:cNvSpPr>
+            <a:spLocks noGrp="1"/>
+          </p:cNvSpPr>
+          <p:nvPr>
+            <p:ph/>
+          </p:nvPr>
+        </p:nvSpPr>
+        <p:spPr>
+          <a:xfrm>
+            <a:off x="5152320" y="1326600"/>
+            <a:ext cx="4426560" cy="3287880"/>
+          </a:xfrm>
+          <a:prstGeom prst="rect">
+            <a:avLst/>
+          </a:prstGeom>
+          <a:noFill/>
+          <a:ln w="0">
+            <a:noFill/>
+          </a:ln>
+        </p:spPr>
+        <p:txBody>
+          <a:bodyPr lIns="0" rIns="0" tIns="0" bIns="0" anchor="t">
+            <a:normAutofit/>
+          </a:bodyPr>
+          <a:p>
+            <a:endParaRPr b="0" lang="pt-BR" sz="3200" spc="-1" strike="noStrike">
+              <a:latin typeface="Arial"/>
+            </a:endParaRPr>
+          </a:p>
+        </p:txBody>
+      </p:sp>
+      <p:sp>
+        <p:nvSpPr>
+          <p:cNvPr id="58" name="PlaceHolder 4"/>
+          <p:cNvSpPr>
+            <a:spLocks noGrp="1"/>
+          </p:cNvSpPr>
+          <p:nvPr>
+            <p:ph/>
+          </p:nvPr>
+        </p:nvSpPr>
+        <p:spPr>
+          <a:xfrm>
+            <a:off x="504000" y="3044160"/>
+            <a:ext cx="4426560" cy="1568160"/>
+          </a:xfrm>
+          <a:prstGeom prst="rect">
+            <a:avLst/>
+          </a:prstGeom>
+          <a:noFill/>
+          <a:ln w="0">
+            <a:noFill/>
+          </a:ln>
+        </p:spPr>
+        <p:txBody>
+          <a:bodyPr lIns="0" rIns="0" tIns="0" bIns="0" anchor="t">
+            <a:normAutofit/>
+          </a:bodyPr>
+          <a:p>
+            <a:endParaRPr b="0" lang="pt-BR" sz="3200" spc="-1" strike="noStrike">
+              <a:latin typeface="Arial"/>
+            </a:endParaRPr>
+          </a:p>
+        </p:txBody>
+      </p:sp>
+      <p:sp>
+        <p:nvSpPr>
+          <p:cNvPr id="6" name="PlaceHolder 5"/>
+          <p:cNvSpPr>
+            <a:spLocks noGrp="1"/>
+          </p:cNvSpPr>
+          <p:nvPr>
+            <p:ph type="ftr" idx="4"/>
+          </p:nvPr>
+        </p:nvSpPr>
+        <p:spPr/>
+        <p:txBody>
+          <a:bodyPr/>
+          <a:p>
+            <a:r>
+              <a:t>Footer</a:t>
+            </a:r>
+          </a:p>
+        </p:txBody>
+      </p:sp>
+      <p:sp>
+        <p:nvSpPr>
+          <p:cNvPr id="7" name="PlaceHolder 6"/>
+          <p:cNvSpPr>
+            <a:spLocks noGrp="1"/>
+          </p:cNvSpPr>
+          <p:nvPr>
+            <p:ph type="sldNum" idx="5"/>
+          </p:nvPr>
+        </p:nvSpPr>
+        <p:spPr/>
+        <p:txBody>
+          <a:bodyPr/>
+          <a:p>
+            <a:fld id="{E3DCC142-C15E-4E60-A6EE-48CF127C423D}" type="slidenum">
+              <a:t>&lt;#&gt;</a:t>
+            </a:fld>
+          </a:p>
+        </p:txBody>
+      </p:sp>
+      <p:sp>
+        <p:nvSpPr>
+          <p:cNvPr id="8" name="PlaceHolder 7"/>
+          <p:cNvSpPr>
+            <a:spLocks noGrp="1"/>
+          </p:cNvSpPr>
+          <p:nvPr>
+            <p:ph type="dt" idx="6"/>
           </p:nvPr>
         </p:nvSpPr>
         <p:spPr/>
@@ -901,7 +1948,7 @@
         <p:spPr>
           <a:xfrm>
             <a:off x="504000" y="226080"/>
-            <a:ext cx="9071640" cy="946440"/>
+            <a:ext cx="9071280" cy="946080"/>
           </a:xfrm>
           <a:prstGeom prst="rect">
             <a:avLst/>
@@ -938,7 +1985,7 @@
         <p:spPr>
           <a:xfrm>
             <a:off x="504000" y="1326600"/>
-            <a:ext cx="9071640" cy="3288240"/>
+            <a:ext cx="9071280" cy="3287880"/>
           </a:xfrm>
           <a:prstGeom prst="rect">
             <a:avLst/>
@@ -969,7 +2016,7 @@
             <a:spLocks noGrp="1"/>
           </p:cNvSpPr>
           <p:nvPr>
-            <p:ph type="ftr" idx="2"/>
+            <p:ph type="ftr" idx="1"/>
           </p:nvPr>
         </p:nvSpPr>
         <p:spPr/>
@@ -989,14 +2036,14 @@
             <a:spLocks noGrp="1"/>
           </p:cNvSpPr>
           <p:nvPr>
-            <p:ph type="sldNum" idx="3"/>
+            <p:ph type="sldNum" idx="2"/>
           </p:nvPr>
         </p:nvSpPr>
         <p:spPr/>
         <p:txBody>
           <a:bodyPr/>
           <a:p>
-            <a:fld id="{BF8AA884-01CC-4145-9E72-16C2F23D29C6}" type="slidenum">
+            <a:fld id="{51EA7B6E-A5A3-462C-8F91-DEC57CA896E4}" type="slidenum">
               <a:t>&lt;#&gt;</a:t>
             </a:fld>
           </a:p>
@@ -1009,7 +2056,1219 @@
             <a:spLocks noGrp="1"/>
           </p:cNvSpPr>
           <p:nvPr>
-            <p:ph type="dt" idx="1"/>
+            <p:ph type="dt" idx="3"/>
+          </p:nvPr>
+        </p:nvSpPr>
+        <p:spPr/>
+        <p:txBody>
+          <a:bodyPr/>
+          <a:p>
+            <a:r>
+              <a:rPr lang="pt-BR"/>
+              <a:t/>
+            </a:r>
+          </a:p>
+        </p:txBody>
+      </p:sp>
+    </p:spTree>
+  </p:cSld>
+</p:sldLayout>
+</file>
+
+<file path=ppt/slideLayouts/slideLayout20.xml><?xml version="1.0" encoding="utf-8"?>
+<p:sldLayout xmlns:a="http://schemas.openxmlformats.org/drawingml/2006/main" xmlns:p="http://schemas.openxmlformats.org/presentationml/2006/main" xmlns:r="http://schemas.openxmlformats.org/officeDocument/2006/relationships" xmlns:p14="http://schemas.microsoft.com/office/powerpoint/2010/main" xmlns:p15="http://schemas.microsoft.com/office/powerpoint/2012/main" xmlns:mc="http://schemas.openxmlformats.org/markup-compatibility/2006" type="objAndTwoObj" preserve="1">
+  <p:cSld name="Title Content and 2 Content">
+    <p:spTree>
+      <p:nvGrpSpPr>
+        <p:cNvPr id="1" name=""/>
+        <p:cNvGrpSpPr/>
+        <p:nvPr/>
+      </p:nvGrpSpPr>
+      <p:grpSpPr>
+        <a:xfrm>
+          <a:off x="0" y="0"/>
+          <a:ext cx="0" cy="0"/>
+          <a:chOff x="0" y="0"/>
+          <a:chExt cx="0" cy="0"/>
+        </a:xfrm>
+      </p:grpSpPr>
+      <p:sp>
+        <p:nvSpPr>
+          <p:cNvPr id="59" name="PlaceHolder 1"/>
+          <p:cNvSpPr>
+            <a:spLocks noGrp="1"/>
+          </p:cNvSpPr>
+          <p:nvPr>
+            <p:ph type="title"/>
+          </p:nvPr>
+        </p:nvSpPr>
+        <p:spPr>
+          <a:xfrm>
+            <a:off x="504000" y="226080"/>
+            <a:ext cx="9071280" cy="946080"/>
+          </a:xfrm>
+          <a:prstGeom prst="rect">
+            <a:avLst/>
+          </a:prstGeom>
+          <a:noFill/>
+          <a:ln w="0">
+            <a:noFill/>
+          </a:ln>
+        </p:spPr>
+        <p:txBody>
+          <a:bodyPr lIns="0" rIns="0" tIns="0" bIns="0" anchor="ctr">
+            <a:noAutofit/>
+          </a:bodyPr>
+          <a:p>
+            <a:pPr algn="ctr">
+              <a:buNone/>
+            </a:pPr>
+            <a:endParaRPr b="0" lang="pt-BR" sz="4400" spc="-1" strike="noStrike">
+              <a:latin typeface="Arial"/>
+            </a:endParaRPr>
+          </a:p>
+        </p:txBody>
+      </p:sp>
+      <p:sp>
+        <p:nvSpPr>
+          <p:cNvPr id="60" name="PlaceHolder 2"/>
+          <p:cNvSpPr>
+            <a:spLocks noGrp="1"/>
+          </p:cNvSpPr>
+          <p:nvPr>
+            <p:ph/>
+          </p:nvPr>
+        </p:nvSpPr>
+        <p:spPr>
+          <a:xfrm>
+            <a:off x="504000" y="1326600"/>
+            <a:ext cx="4426560" cy="3287880"/>
+          </a:xfrm>
+          <a:prstGeom prst="rect">
+            <a:avLst/>
+          </a:prstGeom>
+          <a:noFill/>
+          <a:ln w="0">
+            <a:noFill/>
+          </a:ln>
+        </p:spPr>
+        <p:txBody>
+          <a:bodyPr lIns="0" rIns="0" tIns="0" bIns="0" anchor="t">
+            <a:normAutofit/>
+          </a:bodyPr>
+          <a:p>
+            <a:endParaRPr b="0" lang="pt-BR" sz="3200" spc="-1" strike="noStrike">
+              <a:latin typeface="Arial"/>
+            </a:endParaRPr>
+          </a:p>
+        </p:txBody>
+      </p:sp>
+      <p:sp>
+        <p:nvSpPr>
+          <p:cNvPr id="61" name="PlaceHolder 3"/>
+          <p:cNvSpPr>
+            <a:spLocks noGrp="1"/>
+          </p:cNvSpPr>
+          <p:nvPr>
+            <p:ph/>
+          </p:nvPr>
+        </p:nvSpPr>
+        <p:spPr>
+          <a:xfrm>
+            <a:off x="5152320" y="1326600"/>
+            <a:ext cx="4426560" cy="1568160"/>
+          </a:xfrm>
+          <a:prstGeom prst="rect">
+            <a:avLst/>
+          </a:prstGeom>
+          <a:noFill/>
+          <a:ln w="0">
+            <a:noFill/>
+          </a:ln>
+        </p:spPr>
+        <p:txBody>
+          <a:bodyPr lIns="0" rIns="0" tIns="0" bIns="0" anchor="t">
+            <a:normAutofit/>
+          </a:bodyPr>
+          <a:p>
+            <a:endParaRPr b="0" lang="pt-BR" sz="3200" spc="-1" strike="noStrike">
+              <a:latin typeface="Arial"/>
+            </a:endParaRPr>
+          </a:p>
+        </p:txBody>
+      </p:sp>
+      <p:sp>
+        <p:nvSpPr>
+          <p:cNvPr id="62" name="PlaceHolder 4"/>
+          <p:cNvSpPr>
+            <a:spLocks noGrp="1"/>
+          </p:cNvSpPr>
+          <p:nvPr>
+            <p:ph/>
+          </p:nvPr>
+        </p:nvSpPr>
+        <p:spPr>
+          <a:xfrm>
+            <a:off x="5152320" y="3044160"/>
+            <a:ext cx="4426560" cy="1568160"/>
+          </a:xfrm>
+          <a:prstGeom prst="rect">
+            <a:avLst/>
+          </a:prstGeom>
+          <a:noFill/>
+          <a:ln w="0">
+            <a:noFill/>
+          </a:ln>
+        </p:spPr>
+        <p:txBody>
+          <a:bodyPr lIns="0" rIns="0" tIns="0" bIns="0" anchor="t">
+            <a:normAutofit/>
+          </a:bodyPr>
+          <a:p>
+            <a:endParaRPr b="0" lang="pt-BR" sz="3200" spc="-1" strike="noStrike">
+              <a:latin typeface="Arial"/>
+            </a:endParaRPr>
+          </a:p>
+        </p:txBody>
+      </p:sp>
+      <p:sp>
+        <p:nvSpPr>
+          <p:cNvPr id="6" name="PlaceHolder 5"/>
+          <p:cNvSpPr>
+            <a:spLocks noGrp="1"/>
+          </p:cNvSpPr>
+          <p:nvPr>
+            <p:ph type="ftr" idx="4"/>
+          </p:nvPr>
+        </p:nvSpPr>
+        <p:spPr/>
+        <p:txBody>
+          <a:bodyPr/>
+          <a:p>
+            <a:r>
+              <a:t>Footer</a:t>
+            </a:r>
+          </a:p>
+        </p:txBody>
+      </p:sp>
+      <p:sp>
+        <p:nvSpPr>
+          <p:cNvPr id="7" name="PlaceHolder 6"/>
+          <p:cNvSpPr>
+            <a:spLocks noGrp="1"/>
+          </p:cNvSpPr>
+          <p:nvPr>
+            <p:ph type="sldNum" idx="5"/>
+          </p:nvPr>
+        </p:nvSpPr>
+        <p:spPr/>
+        <p:txBody>
+          <a:bodyPr/>
+          <a:p>
+            <a:fld id="{5C8A6914-2F85-430B-8EAF-9941995AAA5F}" type="slidenum">
+              <a:t>&lt;#&gt;</a:t>
+            </a:fld>
+          </a:p>
+        </p:txBody>
+      </p:sp>
+      <p:sp>
+        <p:nvSpPr>
+          <p:cNvPr id="8" name="PlaceHolder 7"/>
+          <p:cNvSpPr>
+            <a:spLocks noGrp="1"/>
+          </p:cNvSpPr>
+          <p:nvPr>
+            <p:ph type="dt" idx="6"/>
+          </p:nvPr>
+        </p:nvSpPr>
+        <p:spPr/>
+        <p:txBody>
+          <a:bodyPr/>
+          <a:p>
+            <a:r>
+              <a:rPr lang="pt-BR"/>
+              <a:t/>
+            </a:r>
+          </a:p>
+        </p:txBody>
+      </p:sp>
+    </p:spTree>
+  </p:cSld>
+</p:sldLayout>
+</file>
+
+<file path=ppt/slideLayouts/slideLayout21.xml><?xml version="1.0" encoding="utf-8"?>
+<p:sldLayout xmlns:a="http://schemas.openxmlformats.org/drawingml/2006/main" xmlns:p="http://schemas.openxmlformats.org/presentationml/2006/main" xmlns:r="http://schemas.openxmlformats.org/officeDocument/2006/relationships" xmlns:p14="http://schemas.microsoft.com/office/powerpoint/2010/main" xmlns:p15="http://schemas.microsoft.com/office/powerpoint/2012/main" xmlns:mc="http://schemas.openxmlformats.org/markup-compatibility/2006" type="twoObjOverTx" preserve="1">
+  <p:cSld name="Title, 2 Content over Content">
+    <p:spTree>
+      <p:nvGrpSpPr>
+        <p:cNvPr id="1" name=""/>
+        <p:cNvGrpSpPr/>
+        <p:nvPr/>
+      </p:nvGrpSpPr>
+      <p:grpSpPr>
+        <a:xfrm>
+          <a:off x="0" y="0"/>
+          <a:ext cx="0" cy="0"/>
+          <a:chOff x="0" y="0"/>
+          <a:chExt cx="0" cy="0"/>
+        </a:xfrm>
+      </p:grpSpPr>
+      <p:sp>
+        <p:nvSpPr>
+          <p:cNvPr id="63" name="PlaceHolder 1"/>
+          <p:cNvSpPr>
+            <a:spLocks noGrp="1"/>
+          </p:cNvSpPr>
+          <p:nvPr>
+            <p:ph type="title"/>
+          </p:nvPr>
+        </p:nvSpPr>
+        <p:spPr>
+          <a:xfrm>
+            <a:off x="504000" y="226080"/>
+            <a:ext cx="9071280" cy="946080"/>
+          </a:xfrm>
+          <a:prstGeom prst="rect">
+            <a:avLst/>
+          </a:prstGeom>
+          <a:noFill/>
+          <a:ln w="0">
+            <a:noFill/>
+          </a:ln>
+        </p:spPr>
+        <p:txBody>
+          <a:bodyPr lIns="0" rIns="0" tIns="0" bIns="0" anchor="ctr">
+            <a:noAutofit/>
+          </a:bodyPr>
+          <a:p>
+            <a:pPr algn="ctr">
+              <a:buNone/>
+            </a:pPr>
+            <a:endParaRPr b="0" lang="pt-BR" sz="4400" spc="-1" strike="noStrike">
+              <a:latin typeface="Arial"/>
+            </a:endParaRPr>
+          </a:p>
+        </p:txBody>
+      </p:sp>
+      <p:sp>
+        <p:nvSpPr>
+          <p:cNvPr id="64" name="PlaceHolder 2"/>
+          <p:cNvSpPr>
+            <a:spLocks noGrp="1"/>
+          </p:cNvSpPr>
+          <p:nvPr>
+            <p:ph/>
+          </p:nvPr>
+        </p:nvSpPr>
+        <p:spPr>
+          <a:xfrm>
+            <a:off x="504000" y="1326600"/>
+            <a:ext cx="4426560" cy="1568160"/>
+          </a:xfrm>
+          <a:prstGeom prst="rect">
+            <a:avLst/>
+          </a:prstGeom>
+          <a:noFill/>
+          <a:ln w="0">
+            <a:noFill/>
+          </a:ln>
+        </p:spPr>
+        <p:txBody>
+          <a:bodyPr lIns="0" rIns="0" tIns="0" bIns="0" anchor="t">
+            <a:normAutofit/>
+          </a:bodyPr>
+          <a:p>
+            <a:endParaRPr b="0" lang="pt-BR" sz="3200" spc="-1" strike="noStrike">
+              <a:latin typeface="Arial"/>
+            </a:endParaRPr>
+          </a:p>
+        </p:txBody>
+      </p:sp>
+      <p:sp>
+        <p:nvSpPr>
+          <p:cNvPr id="65" name="PlaceHolder 3"/>
+          <p:cNvSpPr>
+            <a:spLocks noGrp="1"/>
+          </p:cNvSpPr>
+          <p:nvPr>
+            <p:ph/>
+          </p:nvPr>
+        </p:nvSpPr>
+        <p:spPr>
+          <a:xfrm>
+            <a:off x="5152320" y="1326600"/>
+            <a:ext cx="4426560" cy="1568160"/>
+          </a:xfrm>
+          <a:prstGeom prst="rect">
+            <a:avLst/>
+          </a:prstGeom>
+          <a:noFill/>
+          <a:ln w="0">
+            <a:noFill/>
+          </a:ln>
+        </p:spPr>
+        <p:txBody>
+          <a:bodyPr lIns="0" rIns="0" tIns="0" bIns="0" anchor="t">
+            <a:normAutofit/>
+          </a:bodyPr>
+          <a:p>
+            <a:endParaRPr b="0" lang="pt-BR" sz="3200" spc="-1" strike="noStrike">
+              <a:latin typeface="Arial"/>
+            </a:endParaRPr>
+          </a:p>
+        </p:txBody>
+      </p:sp>
+      <p:sp>
+        <p:nvSpPr>
+          <p:cNvPr id="66" name="PlaceHolder 4"/>
+          <p:cNvSpPr>
+            <a:spLocks noGrp="1"/>
+          </p:cNvSpPr>
+          <p:nvPr>
+            <p:ph/>
+          </p:nvPr>
+        </p:nvSpPr>
+        <p:spPr>
+          <a:xfrm>
+            <a:off x="504000" y="3044160"/>
+            <a:ext cx="9071280" cy="1568160"/>
+          </a:xfrm>
+          <a:prstGeom prst="rect">
+            <a:avLst/>
+          </a:prstGeom>
+          <a:noFill/>
+          <a:ln w="0">
+            <a:noFill/>
+          </a:ln>
+        </p:spPr>
+        <p:txBody>
+          <a:bodyPr lIns="0" rIns="0" tIns="0" bIns="0" anchor="t">
+            <a:normAutofit/>
+          </a:bodyPr>
+          <a:p>
+            <a:endParaRPr b="0" lang="pt-BR" sz="3200" spc="-1" strike="noStrike">
+              <a:latin typeface="Arial"/>
+            </a:endParaRPr>
+          </a:p>
+        </p:txBody>
+      </p:sp>
+      <p:sp>
+        <p:nvSpPr>
+          <p:cNvPr id="6" name="PlaceHolder 5"/>
+          <p:cNvSpPr>
+            <a:spLocks noGrp="1"/>
+          </p:cNvSpPr>
+          <p:nvPr>
+            <p:ph type="ftr" idx="4"/>
+          </p:nvPr>
+        </p:nvSpPr>
+        <p:spPr/>
+        <p:txBody>
+          <a:bodyPr/>
+          <a:p>
+            <a:r>
+              <a:t>Footer</a:t>
+            </a:r>
+          </a:p>
+        </p:txBody>
+      </p:sp>
+      <p:sp>
+        <p:nvSpPr>
+          <p:cNvPr id="7" name="PlaceHolder 6"/>
+          <p:cNvSpPr>
+            <a:spLocks noGrp="1"/>
+          </p:cNvSpPr>
+          <p:nvPr>
+            <p:ph type="sldNum" idx="5"/>
+          </p:nvPr>
+        </p:nvSpPr>
+        <p:spPr/>
+        <p:txBody>
+          <a:bodyPr/>
+          <a:p>
+            <a:fld id="{FBA61114-35BE-4939-A1BB-C18A694F8573}" type="slidenum">
+              <a:t>&lt;#&gt;</a:t>
+            </a:fld>
+          </a:p>
+        </p:txBody>
+      </p:sp>
+      <p:sp>
+        <p:nvSpPr>
+          <p:cNvPr id="8" name="PlaceHolder 7"/>
+          <p:cNvSpPr>
+            <a:spLocks noGrp="1"/>
+          </p:cNvSpPr>
+          <p:nvPr>
+            <p:ph type="dt" idx="6"/>
+          </p:nvPr>
+        </p:nvSpPr>
+        <p:spPr/>
+        <p:txBody>
+          <a:bodyPr/>
+          <a:p>
+            <a:r>
+              <a:rPr lang="pt-BR"/>
+              <a:t/>
+            </a:r>
+          </a:p>
+        </p:txBody>
+      </p:sp>
+    </p:spTree>
+  </p:cSld>
+</p:sldLayout>
+</file>
+
+<file path=ppt/slideLayouts/slideLayout22.xml><?xml version="1.0" encoding="utf-8"?>
+<p:sldLayout xmlns:a="http://schemas.openxmlformats.org/drawingml/2006/main" xmlns:p="http://schemas.openxmlformats.org/presentationml/2006/main" xmlns:r="http://schemas.openxmlformats.org/officeDocument/2006/relationships" xmlns:p14="http://schemas.microsoft.com/office/powerpoint/2010/main" xmlns:p15="http://schemas.microsoft.com/office/powerpoint/2012/main" xmlns:mc="http://schemas.openxmlformats.org/markup-compatibility/2006" type="objOverTx" preserve="1">
+  <p:cSld name="Title, Content over Content">
+    <p:spTree>
+      <p:nvGrpSpPr>
+        <p:cNvPr id="1" name=""/>
+        <p:cNvGrpSpPr/>
+        <p:nvPr/>
+      </p:nvGrpSpPr>
+      <p:grpSpPr>
+        <a:xfrm>
+          <a:off x="0" y="0"/>
+          <a:ext cx="0" cy="0"/>
+          <a:chOff x="0" y="0"/>
+          <a:chExt cx="0" cy="0"/>
+        </a:xfrm>
+      </p:grpSpPr>
+      <p:sp>
+        <p:nvSpPr>
+          <p:cNvPr id="67" name="PlaceHolder 1"/>
+          <p:cNvSpPr>
+            <a:spLocks noGrp="1"/>
+          </p:cNvSpPr>
+          <p:nvPr>
+            <p:ph type="title"/>
+          </p:nvPr>
+        </p:nvSpPr>
+        <p:spPr>
+          <a:xfrm>
+            <a:off x="504000" y="226080"/>
+            <a:ext cx="9071280" cy="946080"/>
+          </a:xfrm>
+          <a:prstGeom prst="rect">
+            <a:avLst/>
+          </a:prstGeom>
+          <a:noFill/>
+          <a:ln w="0">
+            <a:noFill/>
+          </a:ln>
+        </p:spPr>
+        <p:txBody>
+          <a:bodyPr lIns="0" rIns="0" tIns="0" bIns="0" anchor="ctr">
+            <a:noAutofit/>
+          </a:bodyPr>
+          <a:p>
+            <a:pPr algn="ctr">
+              <a:buNone/>
+            </a:pPr>
+            <a:endParaRPr b="0" lang="pt-BR" sz="4400" spc="-1" strike="noStrike">
+              <a:latin typeface="Arial"/>
+            </a:endParaRPr>
+          </a:p>
+        </p:txBody>
+      </p:sp>
+      <p:sp>
+        <p:nvSpPr>
+          <p:cNvPr id="68" name="PlaceHolder 2"/>
+          <p:cNvSpPr>
+            <a:spLocks noGrp="1"/>
+          </p:cNvSpPr>
+          <p:nvPr>
+            <p:ph/>
+          </p:nvPr>
+        </p:nvSpPr>
+        <p:spPr>
+          <a:xfrm>
+            <a:off x="504000" y="1326600"/>
+            <a:ext cx="9071280" cy="1568160"/>
+          </a:xfrm>
+          <a:prstGeom prst="rect">
+            <a:avLst/>
+          </a:prstGeom>
+          <a:noFill/>
+          <a:ln w="0">
+            <a:noFill/>
+          </a:ln>
+        </p:spPr>
+        <p:txBody>
+          <a:bodyPr lIns="0" rIns="0" tIns="0" bIns="0" anchor="t">
+            <a:normAutofit/>
+          </a:bodyPr>
+          <a:p>
+            <a:endParaRPr b="0" lang="pt-BR" sz="3200" spc="-1" strike="noStrike">
+              <a:latin typeface="Arial"/>
+            </a:endParaRPr>
+          </a:p>
+        </p:txBody>
+      </p:sp>
+      <p:sp>
+        <p:nvSpPr>
+          <p:cNvPr id="69" name="PlaceHolder 3"/>
+          <p:cNvSpPr>
+            <a:spLocks noGrp="1"/>
+          </p:cNvSpPr>
+          <p:nvPr>
+            <p:ph/>
+          </p:nvPr>
+        </p:nvSpPr>
+        <p:spPr>
+          <a:xfrm>
+            <a:off x="504000" y="3044160"/>
+            <a:ext cx="9071280" cy="1568160"/>
+          </a:xfrm>
+          <a:prstGeom prst="rect">
+            <a:avLst/>
+          </a:prstGeom>
+          <a:noFill/>
+          <a:ln w="0">
+            <a:noFill/>
+          </a:ln>
+        </p:spPr>
+        <p:txBody>
+          <a:bodyPr lIns="0" rIns="0" tIns="0" bIns="0" anchor="t">
+            <a:normAutofit/>
+          </a:bodyPr>
+          <a:p>
+            <a:endParaRPr b="0" lang="pt-BR" sz="3200" spc="-1" strike="noStrike">
+              <a:latin typeface="Arial"/>
+            </a:endParaRPr>
+          </a:p>
+        </p:txBody>
+      </p:sp>
+      <p:sp>
+        <p:nvSpPr>
+          <p:cNvPr id="5" name="PlaceHolder 4"/>
+          <p:cNvSpPr>
+            <a:spLocks noGrp="1"/>
+          </p:cNvSpPr>
+          <p:nvPr>
+            <p:ph type="ftr" idx="4"/>
+          </p:nvPr>
+        </p:nvSpPr>
+        <p:spPr/>
+        <p:txBody>
+          <a:bodyPr/>
+          <a:p>
+            <a:r>
+              <a:t>Footer</a:t>
+            </a:r>
+          </a:p>
+        </p:txBody>
+      </p:sp>
+      <p:sp>
+        <p:nvSpPr>
+          <p:cNvPr id="6" name="PlaceHolder 5"/>
+          <p:cNvSpPr>
+            <a:spLocks noGrp="1"/>
+          </p:cNvSpPr>
+          <p:nvPr>
+            <p:ph type="sldNum" idx="5"/>
+          </p:nvPr>
+        </p:nvSpPr>
+        <p:spPr/>
+        <p:txBody>
+          <a:bodyPr/>
+          <a:p>
+            <a:fld id="{C63EF79B-B055-4106-8358-695BCBD27C9C}" type="slidenum">
+              <a:t>&lt;#&gt;</a:t>
+            </a:fld>
+          </a:p>
+        </p:txBody>
+      </p:sp>
+      <p:sp>
+        <p:nvSpPr>
+          <p:cNvPr id="7" name="PlaceHolder 6"/>
+          <p:cNvSpPr>
+            <a:spLocks noGrp="1"/>
+          </p:cNvSpPr>
+          <p:nvPr>
+            <p:ph type="dt" idx="6"/>
+          </p:nvPr>
+        </p:nvSpPr>
+        <p:spPr/>
+        <p:txBody>
+          <a:bodyPr/>
+          <a:p>
+            <a:r>
+              <a:rPr lang="pt-BR"/>
+              <a:t/>
+            </a:r>
+          </a:p>
+        </p:txBody>
+      </p:sp>
+    </p:spTree>
+  </p:cSld>
+</p:sldLayout>
+</file>
+
+<file path=ppt/slideLayouts/slideLayout23.xml><?xml version="1.0" encoding="utf-8"?>
+<p:sldLayout xmlns:a="http://schemas.openxmlformats.org/drawingml/2006/main" xmlns:p="http://schemas.openxmlformats.org/presentationml/2006/main" xmlns:r="http://schemas.openxmlformats.org/officeDocument/2006/relationships" xmlns:p14="http://schemas.microsoft.com/office/powerpoint/2010/main" xmlns:p15="http://schemas.microsoft.com/office/powerpoint/2012/main" xmlns:mc="http://schemas.openxmlformats.org/markup-compatibility/2006" type="fourObj" preserve="1">
+  <p:cSld name="Title, 4 Content">
+    <p:spTree>
+      <p:nvGrpSpPr>
+        <p:cNvPr id="1" name=""/>
+        <p:cNvGrpSpPr/>
+        <p:nvPr/>
+      </p:nvGrpSpPr>
+      <p:grpSpPr>
+        <a:xfrm>
+          <a:off x="0" y="0"/>
+          <a:ext cx="0" cy="0"/>
+          <a:chOff x="0" y="0"/>
+          <a:chExt cx="0" cy="0"/>
+        </a:xfrm>
+      </p:grpSpPr>
+      <p:sp>
+        <p:nvSpPr>
+          <p:cNvPr id="70" name="PlaceHolder 1"/>
+          <p:cNvSpPr>
+            <a:spLocks noGrp="1"/>
+          </p:cNvSpPr>
+          <p:nvPr>
+            <p:ph type="title"/>
+          </p:nvPr>
+        </p:nvSpPr>
+        <p:spPr>
+          <a:xfrm>
+            <a:off x="504000" y="226080"/>
+            <a:ext cx="9071280" cy="946080"/>
+          </a:xfrm>
+          <a:prstGeom prst="rect">
+            <a:avLst/>
+          </a:prstGeom>
+          <a:noFill/>
+          <a:ln w="0">
+            <a:noFill/>
+          </a:ln>
+        </p:spPr>
+        <p:txBody>
+          <a:bodyPr lIns="0" rIns="0" tIns="0" bIns="0" anchor="ctr">
+            <a:noAutofit/>
+          </a:bodyPr>
+          <a:p>
+            <a:pPr algn="ctr">
+              <a:buNone/>
+            </a:pPr>
+            <a:endParaRPr b="0" lang="pt-BR" sz="4400" spc="-1" strike="noStrike">
+              <a:latin typeface="Arial"/>
+            </a:endParaRPr>
+          </a:p>
+        </p:txBody>
+      </p:sp>
+      <p:sp>
+        <p:nvSpPr>
+          <p:cNvPr id="71" name="PlaceHolder 2"/>
+          <p:cNvSpPr>
+            <a:spLocks noGrp="1"/>
+          </p:cNvSpPr>
+          <p:nvPr>
+            <p:ph/>
+          </p:nvPr>
+        </p:nvSpPr>
+        <p:spPr>
+          <a:xfrm>
+            <a:off x="504000" y="1326600"/>
+            <a:ext cx="4426560" cy="1568160"/>
+          </a:xfrm>
+          <a:prstGeom prst="rect">
+            <a:avLst/>
+          </a:prstGeom>
+          <a:noFill/>
+          <a:ln w="0">
+            <a:noFill/>
+          </a:ln>
+        </p:spPr>
+        <p:txBody>
+          <a:bodyPr lIns="0" rIns="0" tIns="0" bIns="0" anchor="t">
+            <a:normAutofit/>
+          </a:bodyPr>
+          <a:p>
+            <a:endParaRPr b="0" lang="pt-BR" sz="3200" spc="-1" strike="noStrike">
+              <a:latin typeface="Arial"/>
+            </a:endParaRPr>
+          </a:p>
+        </p:txBody>
+      </p:sp>
+      <p:sp>
+        <p:nvSpPr>
+          <p:cNvPr id="72" name="PlaceHolder 3"/>
+          <p:cNvSpPr>
+            <a:spLocks noGrp="1"/>
+          </p:cNvSpPr>
+          <p:nvPr>
+            <p:ph/>
+          </p:nvPr>
+        </p:nvSpPr>
+        <p:spPr>
+          <a:xfrm>
+            <a:off x="5152320" y="1326600"/>
+            <a:ext cx="4426560" cy="1568160"/>
+          </a:xfrm>
+          <a:prstGeom prst="rect">
+            <a:avLst/>
+          </a:prstGeom>
+          <a:noFill/>
+          <a:ln w="0">
+            <a:noFill/>
+          </a:ln>
+        </p:spPr>
+        <p:txBody>
+          <a:bodyPr lIns="0" rIns="0" tIns="0" bIns="0" anchor="t">
+            <a:normAutofit/>
+          </a:bodyPr>
+          <a:p>
+            <a:endParaRPr b="0" lang="pt-BR" sz="3200" spc="-1" strike="noStrike">
+              <a:latin typeface="Arial"/>
+            </a:endParaRPr>
+          </a:p>
+        </p:txBody>
+      </p:sp>
+      <p:sp>
+        <p:nvSpPr>
+          <p:cNvPr id="73" name="PlaceHolder 4"/>
+          <p:cNvSpPr>
+            <a:spLocks noGrp="1"/>
+          </p:cNvSpPr>
+          <p:nvPr>
+            <p:ph/>
+          </p:nvPr>
+        </p:nvSpPr>
+        <p:spPr>
+          <a:xfrm>
+            <a:off x="504000" y="3044160"/>
+            <a:ext cx="4426560" cy="1568160"/>
+          </a:xfrm>
+          <a:prstGeom prst="rect">
+            <a:avLst/>
+          </a:prstGeom>
+          <a:noFill/>
+          <a:ln w="0">
+            <a:noFill/>
+          </a:ln>
+        </p:spPr>
+        <p:txBody>
+          <a:bodyPr lIns="0" rIns="0" tIns="0" bIns="0" anchor="t">
+            <a:normAutofit/>
+          </a:bodyPr>
+          <a:p>
+            <a:endParaRPr b="0" lang="pt-BR" sz="3200" spc="-1" strike="noStrike">
+              <a:latin typeface="Arial"/>
+            </a:endParaRPr>
+          </a:p>
+        </p:txBody>
+      </p:sp>
+      <p:sp>
+        <p:nvSpPr>
+          <p:cNvPr id="74" name="PlaceHolder 5"/>
+          <p:cNvSpPr>
+            <a:spLocks noGrp="1"/>
+          </p:cNvSpPr>
+          <p:nvPr>
+            <p:ph/>
+          </p:nvPr>
+        </p:nvSpPr>
+        <p:spPr>
+          <a:xfrm>
+            <a:off x="5152320" y="3044160"/>
+            <a:ext cx="4426560" cy="1568160"/>
+          </a:xfrm>
+          <a:prstGeom prst="rect">
+            <a:avLst/>
+          </a:prstGeom>
+          <a:noFill/>
+          <a:ln w="0">
+            <a:noFill/>
+          </a:ln>
+        </p:spPr>
+        <p:txBody>
+          <a:bodyPr lIns="0" rIns="0" tIns="0" bIns="0" anchor="t">
+            <a:normAutofit/>
+          </a:bodyPr>
+          <a:p>
+            <a:endParaRPr b="0" lang="pt-BR" sz="3200" spc="-1" strike="noStrike">
+              <a:latin typeface="Arial"/>
+            </a:endParaRPr>
+          </a:p>
+        </p:txBody>
+      </p:sp>
+      <p:sp>
+        <p:nvSpPr>
+          <p:cNvPr id="7" name="PlaceHolder 6"/>
+          <p:cNvSpPr>
+            <a:spLocks noGrp="1"/>
+          </p:cNvSpPr>
+          <p:nvPr>
+            <p:ph type="ftr" idx="4"/>
+          </p:nvPr>
+        </p:nvSpPr>
+        <p:spPr/>
+        <p:txBody>
+          <a:bodyPr/>
+          <a:p>
+            <a:r>
+              <a:t>Footer</a:t>
+            </a:r>
+          </a:p>
+        </p:txBody>
+      </p:sp>
+      <p:sp>
+        <p:nvSpPr>
+          <p:cNvPr id="8" name="PlaceHolder 7"/>
+          <p:cNvSpPr>
+            <a:spLocks noGrp="1"/>
+          </p:cNvSpPr>
+          <p:nvPr>
+            <p:ph type="sldNum" idx="5"/>
+          </p:nvPr>
+        </p:nvSpPr>
+        <p:spPr/>
+        <p:txBody>
+          <a:bodyPr/>
+          <a:p>
+            <a:fld id="{267C555C-8422-4C78-B98E-C6EDC5D74A2E}" type="slidenum">
+              <a:t>&lt;#&gt;</a:t>
+            </a:fld>
+          </a:p>
+        </p:txBody>
+      </p:sp>
+      <p:sp>
+        <p:nvSpPr>
+          <p:cNvPr id="9" name="PlaceHolder 8"/>
+          <p:cNvSpPr>
+            <a:spLocks noGrp="1"/>
+          </p:cNvSpPr>
+          <p:nvPr>
+            <p:ph type="dt" idx="6"/>
+          </p:nvPr>
+        </p:nvSpPr>
+        <p:spPr/>
+        <p:txBody>
+          <a:bodyPr/>
+          <a:p>
+            <a:r>
+              <a:rPr lang="pt-BR"/>
+              <a:t/>
+            </a:r>
+          </a:p>
+        </p:txBody>
+      </p:sp>
+    </p:spTree>
+  </p:cSld>
+</p:sldLayout>
+</file>
+
+<file path=ppt/slideLayouts/slideLayout24.xml><?xml version="1.0" encoding="utf-8"?>
+<p:sldLayout xmlns:a="http://schemas.openxmlformats.org/drawingml/2006/main" xmlns:p="http://schemas.openxmlformats.org/presentationml/2006/main" xmlns:r="http://schemas.openxmlformats.org/officeDocument/2006/relationships" xmlns:p14="http://schemas.microsoft.com/office/powerpoint/2010/main" xmlns:p15="http://schemas.microsoft.com/office/powerpoint/2012/main" xmlns:mc="http://schemas.openxmlformats.org/markup-compatibility/2006" type="blank" preserve="1">
+  <p:cSld name="Title, 6 Content">
+    <p:spTree>
+      <p:nvGrpSpPr>
+        <p:cNvPr id="1" name=""/>
+        <p:cNvGrpSpPr/>
+        <p:nvPr/>
+      </p:nvGrpSpPr>
+      <p:grpSpPr>
+        <a:xfrm>
+          <a:off x="0" y="0"/>
+          <a:ext cx="0" cy="0"/>
+          <a:chOff x="0" y="0"/>
+          <a:chExt cx="0" cy="0"/>
+        </a:xfrm>
+      </p:grpSpPr>
+      <p:sp>
+        <p:nvSpPr>
+          <p:cNvPr id="75" name="PlaceHolder 1"/>
+          <p:cNvSpPr>
+            <a:spLocks noGrp="1"/>
+          </p:cNvSpPr>
+          <p:nvPr>
+            <p:ph type="title"/>
+          </p:nvPr>
+        </p:nvSpPr>
+        <p:spPr>
+          <a:xfrm>
+            <a:off x="504000" y="226080"/>
+            <a:ext cx="9071280" cy="946080"/>
+          </a:xfrm>
+          <a:prstGeom prst="rect">
+            <a:avLst/>
+          </a:prstGeom>
+          <a:noFill/>
+          <a:ln w="0">
+            <a:noFill/>
+          </a:ln>
+        </p:spPr>
+        <p:txBody>
+          <a:bodyPr lIns="0" rIns="0" tIns="0" bIns="0" anchor="ctr">
+            <a:noAutofit/>
+          </a:bodyPr>
+          <a:p>
+            <a:pPr algn="ctr">
+              <a:buNone/>
+            </a:pPr>
+            <a:endParaRPr b="0" lang="pt-BR" sz="4400" spc="-1" strike="noStrike">
+              <a:latin typeface="Arial"/>
+            </a:endParaRPr>
+          </a:p>
+        </p:txBody>
+      </p:sp>
+      <p:sp>
+        <p:nvSpPr>
+          <p:cNvPr id="76" name="PlaceHolder 2"/>
+          <p:cNvSpPr>
+            <a:spLocks noGrp="1"/>
+          </p:cNvSpPr>
+          <p:nvPr>
+            <p:ph/>
+          </p:nvPr>
+        </p:nvSpPr>
+        <p:spPr>
+          <a:xfrm>
+            <a:off x="504000" y="1326600"/>
+            <a:ext cx="2920680" cy="1568160"/>
+          </a:xfrm>
+          <a:prstGeom prst="rect">
+            <a:avLst/>
+          </a:prstGeom>
+          <a:noFill/>
+          <a:ln w="0">
+            <a:noFill/>
+          </a:ln>
+        </p:spPr>
+        <p:txBody>
+          <a:bodyPr lIns="0" rIns="0" tIns="0" bIns="0" anchor="t">
+            <a:normAutofit/>
+          </a:bodyPr>
+          <a:p>
+            <a:endParaRPr b="0" lang="pt-BR" sz="3200" spc="-1" strike="noStrike">
+              <a:latin typeface="Arial"/>
+            </a:endParaRPr>
+          </a:p>
+        </p:txBody>
+      </p:sp>
+      <p:sp>
+        <p:nvSpPr>
+          <p:cNvPr id="77" name="PlaceHolder 3"/>
+          <p:cNvSpPr>
+            <a:spLocks noGrp="1"/>
+          </p:cNvSpPr>
+          <p:nvPr>
+            <p:ph/>
+          </p:nvPr>
+        </p:nvSpPr>
+        <p:spPr>
+          <a:xfrm>
+            <a:off x="3571200" y="1326600"/>
+            <a:ext cx="2920680" cy="1568160"/>
+          </a:xfrm>
+          <a:prstGeom prst="rect">
+            <a:avLst/>
+          </a:prstGeom>
+          <a:noFill/>
+          <a:ln w="0">
+            <a:noFill/>
+          </a:ln>
+        </p:spPr>
+        <p:txBody>
+          <a:bodyPr lIns="0" rIns="0" tIns="0" bIns="0" anchor="t">
+            <a:normAutofit/>
+          </a:bodyPr>
+          <a:p>
+            <a:endParaRPr b="0" lang="pt-BR" sz="3200" spc="-1" strike="noStrike">
+              <a:latin typeface="Arial"/>
+            </a:endParaRPr>
+          </a:p>
+        </p:txBody>
+      </p:sp>
+      <p:sp>
+        <p:nvSpPr>
+          <p:cNvPr id="78" name="PlaceHolder 4"/>
+          <p:cNvSpPr>
+            <a:spLocks noGrp="1"/>
+          </p:cNvSpPr>
+          <p:nvPr>
+            <p:ph/>
+          </p:nvPr>
+        </p:nvSpPr>
+        <p:spPr>
+          <a:xfrm>
+            <a:off x="6638040" y="1326600"/>
+            <a:ext cx="2920680" cy="1568160"/>
+          </a:xfrm>
+          <a:prstGeom prst="rect">
+            <a:avLst/>
+          </a:prstGeom>
+          <a:noFill/>
+          <a:ln w="0">
+            <a:noFill/>
+          </a:ln>
+        </p:spPr>
+        <p:txBody>
+          <a:bodyPr lIns="0" rIns="0" tIns="0" bIns="0" anchor="t">
+            <a:normAutofit/>
+          </a:bodyPr>
+          <a:p>
+            <a:endParaRPr b="0" lang="pt-BR" sz="3200" spc="-1" strike="noStrike">
+              <a:latin typeface="Arial"/>
+            </a:endParaRPr>
+          </a:p>
+        </p:txBody>
+      </p:sp>
+      <p:sp>
+        <p:nvSpPr>
+          <p:cNvPr id="79" name="PlaceHolder 5"/>
+          <p:cNvSpPr>
+            <a:spLocks noGrp="1"/>
+          </p:cNvSpPr>
+          <p:nvPr>
+            <p:ph/>
+          </p:nvPr>
+        </p:nvSpPr>
+        <p:spPr>
+          <a:xfrm>
+            <a:off x="504000" y="3044160"/>
+            <a:ext cx="2920680" cy="1568160"/>
+          </a:xfrm>
+          <a:prstGeom prst="rect">
+            <a:avLst/>
+          </a:prstGeom>
+          <a:noFill/>
+          <a:ln w="0">
+            <a:noFill/>
+          </a:ln>
+        </p:spPr>
+        <p:txBody>
+          <a:bodyPr lIns="0" rIns="0" tIns="0" bIns="0" anchor="t">
+            <a:normAutofit/>
+          </a:bodyPr>
+          <a:p>
+            <a:endParaRPr b="0" lang="pt-BR" sz="3200" spc="-1" strike="noStrike">
+              <a:latin typeface="Arial"/>
+            </a:endParaRPr>
+          </a:p>
+        </p:txBody>
+      </p:sp>
+      <p:sp>
+        <p:nvSpPr>
+          <p:cNvPr id="80" name="PlaceHolder 6"/>
+          <p:cNvSpPr>
+            <a:spLocks noGrp="1"/>
+          </p:cNvSpPr>
+          <p:nvPr>
+            <p:ph/>
+          </p:nvPr>
+        </p:nvSpPr>
+        <p:spPr>
+          <a:xfrm>
+            <a:off x="3571200" y="3044160"/>
+            <a:ext cx="2920680" cy="1568160"/>
+          </a:xfrm>
+          <a:prstGeom prst="rect">
+            <a:avLst/>
+          </a:prstGeom>
+          <a:noFill/>
+          <a:ln w="0">
+            <a:noFill/>
+          </a:ln>
+        </p:spPr>
+        <p:txBody>
+          <a:bodyPr lIns="0" rIns="0" tIns="0" bIns="0" anchor="t">
+            <a:normAutofit/>
+          </a:bodyPr>
+          <a:p>
+            <a:endParaRPr b="0" lang="pt-BR" sz="3200" spc="-1" strike="noStrike">
+              <a:latin typeface="Arial"/>
+            </a:endParaRPr>
+          </a:p>
+        </p:txBody>
+      </p:sp>
+      <p:sp>
+        <p:nvSpPr>
+          <p:cNvPr id="81" name="PlaceHolder 7"/>
+          <p:cNvSpPr>
+            <a:spLocks noGrp="1"/>
+          </p:cNvSpPr>
+          <p:nvPr>
+            <p:ph/>
+          </p:nvPr>
+        </p:nvSpPr>
+        <p:spPr>
+          <a:xfrm>
+            <a:off x="6638040" y="3044160"/>
+            <a:ext cx="2920680" cy="1568160"/>
+          </a:xfrm>
+          <a:prstGeom prst="rect">
+            <a:avLst/>
+          </a:prstGeom>
+          <a:noFill/>
+          <a:ln w="0">
+            <a:noFill/>
+          </a:ln>
+        </p:spPr>
+        <p:txBody>
+          <a:bodyPr lIns="0" rIns="0" tIns="0" bIns="0" anchor="t">
+            <a:normAutofit/>
+          </a:bodyPr>
+          <a:p>
+            <a:endParaRPr b="0" lang="pt-BR" sz="3200" spc="-1" strike="noStrike">
+              <a:latin typeface="Arial"/>
+            </a:endParaRPr>
+          </a:p>
+        </p:txBody>
+      </p:sp>
+      <p:sp>
+        <p:nvSpPr>
+          <p:cNvPr id="9" name="PlaceHolder 8"/>
+          <p:cNvSpPr>
+            <a:spLocks noGrp="1"/>
+          </p:cNvSpPr>
+          <p:nvPr>
+            <p:ph type="ftr" idx="4"/>
+          </p:nvPr>
+        </p:nvSpPr>
+        <p:spPr/>
+        <p:txBody>
+          <a:bodyPr/>
+          <a:p>
+            <a:r>
+              <a:t>Footer</a:t>
+            </a:r>
+          </a:p>
+        </p:txBody>
+      </p:sp>
+      <p:sp>
+        <p:nvSpPr>
+          <p:cNvPr id="10" name="PlaceHolder 9"/>
+          <p:cNvSpPr>
+            <a:spLocks noGrp="1"/>
+          </p:cNvSpPr>
+          <p:nvPr>
+            <p:ph type="sldNum" idx="5"/>
+          </p:nvPr>
+        </p:nvSpPr>
+        <p:spPr/>
+        <p:txBody>
+          <a:bodyPr/>
+          <a:p>
+            <a:fld id="{8D91E58E-6E51-49CC-BE93-F37E4A94A349}" type="slidenum">
+              <a:t>&lt;#&gt;</a:t>
+            </a:fld>
+          </a:p>
+        </p:txBody>
+      </p:sp>
+      <p:sp>
+        <p:nvSpPr>
+          <p:cNvPr id="11" name="PlaceHolder 10"/>
+          <p:cNvSpPr>
+            <a:spLocks noGrp="1"/>
+          </p:cNvSpPr>
+          <p:nvPr>
+            <p:ph type="dt" idx="6"/>
           </p:nvPr>
         </p:nvSpPr>
         <p:spPr/>
@@ -1058,7 +3317,7 @@
         <p:spPr>
           <a:xfrm>
             <a:off x="504000" y="226080"/>
-            <a:ext cx="9071640" cy="946440"/>
+            <a:ext cx="9071280" cy="946080"/>
           </a:xfrm>
           <a:prstGeom prst="rect">
             <a:avLst/>
@@ -1095,7 +3354,7 @@
         <p:spPr>
           <a:xfrm>
             <a:off x="504000" y="1326600"/>
-            <a:ext cx="9071640" cy="3288240"/>
+            <a:ext cx="9071280" cy="3287880"/>
           </a:xfrm>
           <a:prstGeom prst="rect">
             <a:avLst/>
@@ -1123,7 +3382,7 @@
             <a:spLocks noGrp="1"/>
           </p:cNvSpPr>
           <p:nvPr>
-            <p:ph type="ftr" idx="2"/>
+            <p:ph type="ftr" idx="1"/>
           </p:nvPr>
         </p:nvSpPr>
         <p:spPr/>
@@ -1143,14 +3402,14 @@
             <a:spLocks noGrp="1"/>
           </p:cNvSpPr>
           <p:nvPr>
-            <p:ph type="sldNum" idx="3"/>
+            <p:ph type="sldNum" idx="2"/>
           </p:nvPr>
         </p:nvSpPr>
         <p:spPr/>
         <p:txBody>
           <a:bodyPr/>
           <a:p>
-            <a:fld id="{F9738A35-B04E-46DD-80AE-F618033F9096}" type="slidenum">
+            <a:fld id="{394D44AA-1757-4A06-9848-A4C579FE8F2F}" type="slidenum">
               <a:t>&lt;#&gt;</a:t>
             </a:fld>
           </a:p>
@@ -1163,7 +3422,7 @@
             <a:spLocks noGrp="1"/>
           </p:cNvSpPr>
           <p:nvPr>
-            <p:ph type="dt" idx="1"/>
+            <p:ph type="dt" idx="3"/>
           </p:nvPr>
         </p:nvSpPr>
         <p:spPr/>
@@ -1212,7 +3471,7 @@
         <p:spPr>
           <a:xfrm>
             <a:off x="504000" y="226080"/>
-            <a:ext cx="9071640" cy="946440"/>
+            <a:ext cx="9071280" cy="946080"/>
           </a:xfrm>
           <a:prstGeom prst="rect">
             <a:avLst/>
@@ -1249,7 +3508,7 @@
         <p:spPr>
           <a:xfrm>
             <a:off x="504000" y="1326600"/>
-            <a:ext cx="4426920" cy="3288240"/>
+            <a:ext cx="4426560" cy="3287880"/>
           </a:xfrm>
           <a:prstGeom prst="rect">
             <a:avLst/>
@@ -1282,8 +3541,8 @@
         </p:nvSpPr>
         <p:spPr>
           <a:xfrm>
-            <a:off x="5152680" y="1326600"/>
-            <a:ext cx="4426920" cy="3288240"/>
+            <a:off x="5152320" y="1326600"/>
+            <a:ext cx="4426560" cy="3287880"/>
           </a:xfrm>
           <a:prstGeom prst="rect">
             <a:avLst/>
@@ -1311,7 +3570,7 @@
             <a:spLocks noGrp="1"/>
           </p:cNvSpPr>
           <p:nvPr>
-            <p:ph type="ftr" idx="2"/>
+            <p:ph type="ftr" idx="1"/>
           </p:nvPr>
         </p:nvSpPr>
         <p:spPr/>
@@ -1331,14 +3590,14 @@
             <a:spLocks noGrp="1"/>
           </p:cNvSpPr>
           <p:nvPr>
-            <p:ph type="sldNum" idx="3"/>
+            <p:ph type="sldNum" idx="2"/>
           </p:nvPr>
         </p:nvSpPr>
         <p:spPr/>
         <p:txBody>
           <a:bodyPr/>
           <a:p>
-            <a:fld id="{3862B1C7-F9F8-43F8-B859-F1B50A4192FE}" type="slidenum">
+            <a:fld id="{6255AAF9-4DA4-4CB5-B733-9C3A42D26B67}" type="slidenum">
               <a:t>&lt;#&gt;</a:t>
             </a:fld>
           </a:p>
@@ -1351,7 +3610,7 @@
             <a:spLocks noGrp="1"/>
           </p:cNvSpPr>
           <p:nvPr>
-            <p:ph type="dt" idx="1"/>
+            <p:ph type="dt" idx="3"/>
           </p:nvPr>
         </p:nvSpPr>
         <p:spPr/>
@@ -1400,7 +3659,7 @@
         <p:spPr>
           <a:xfrm>
             <a:off x="504000" y="226080"/>
-            <a:ext cx="9071640" cy="946440"/>
+            <a:ext cx="9071280" cy="946080"/>
           </a:xfrm>
           <a:prstGeom prst="rect">
             <a:avLst/>
@@ -1431,7 +3690,7 @@
             <a:spLocks noGrp="1"/>
           </p:cNvSpPr>
           <p:nvPr>
-            <p:ph type="ftr" idx="2"/>
+            <p:ph type="ftr" idx="1"/>
           </p:nvPr>
         </p:nvSpPr>
         <p:spPr/>
@@ -1451,14 +3710,14 @@
             <a:spLocks noGrp="1"/>
           </p:cNvSpPr>
           <p:nvPr>
-            <p:ph type="sldNum" idx="3"/>
+            <p:ph type="sldNum" idx="2"/>
           </p:nvPr>
         </p:nvSpPr>
         <p:spPr/>
         <p:txBody>
           <a:bodyPr/>
           <a:p>
-            <a:fld id="{9D7D7DA9-34D0-4513-9554-298E0284464A}" type="slidenum">
+            <a:fld id="{83C95708-B2B5-4856-85DF-BBB771543750}" type="slidenum">
               <a:t>&lt;#&gt;</a:t>
             </a:fld>
           </a:p>
@@ -1471,7 +3730,7 @@
             <a:spLocks noGrp="1"/>
           </p:cNvSpPr>
           <p:nvPr>
-            <p:ph type="dt" idx="1"/>
+            <p:ph type="dt" idx="3"/>
           </p:nvPr>
         </p:nvSpPr>
         <p:spPr/>
@@ -1520,7 +3779,7 @@
         <p:spPr>
           <a:xfrm>
             <a:off x="504000" y="226080"/>
-            <a:ext cx="9071640" cy="4388400"/>
+            <a:ext cx="9071280" cy="4386600"/>
           </a:xfrm>
           <a:prstGeom prst="rect">
             <a:avLst/>
@@ -1551,7 +3810,7 @@
             <a:spLocks noGrp="1"/>
           </p:cNvSpPr>
           <p:nvPr>
-            <p:ph type="ftr" idx="2"/>
+            <p:ph type="ftr" idx="1"/>
           </p:nvPr>
         </p:nvSpPr>
         <p:spPr/>
@@ -1571,14 +3830,14 @@
             <a:spLocks noGrp="1"/>
           </p:cNvSpPr>
           <p:nvPr>
-            <p:ph type="sldNum" idx="3"/>
+            <p:ph type="sldNum" idx="2"/>
           </p:nvPr>
         </p:nvSpPr>
         <p:spPr/>
         <p:txBody>
           <a:bodyPr/>
           <a:p>
-            <a:fld id="{04718C9F-91A7-4178-A8BF-F96AA0E33EBE}" type="slidenum">
+            <a:fld id="{420C6E8B-C49F-4E5A-A69A-BB70FEBD925E}" type="slidenum">
               <a:t>&lt;#&gt;</a:t>
             </a:fld>
           </a:p>
@@ -1591,7 +3850,7 @@
             <a:spLocks noGrp="1"/>
           </p:cNvSpPr>
           <p:nvPr>
-            <p:ph type="dt" idx="1"/>
+            <p:ph type="dt" idx="3"/>
           </p:nvPr>
         </p:nvSpPr>
         <p:spPr/>
@@ -1640,7 +3899,7 @@
         <p:spPr>
           <a:xfrm>
             <a:off x="504000" y="226080"/>
-            <a:ext cx="9071640" cy="946440"/>
+            <a:ext cx="9071280" cy="946080"/>
           </a:xfrm>
           <a:prstGeom prst="rect">
             <a:avLst/>
@@ -1677,7 +3936,7 @@
         <p:spPr>
           <a:xfrm>
             <a:off x="504000" y="1326600"/>
-            <a:ext cx="4426920" cy="1568160"/>
+            <a:ext cx="4426560" cy="1568160"/>
           </a:xfrm>
           <a:prstGeom prst="rect">
             <a:avLst/>
@@ -1710,8 +3969,8 @@
         </p:nvSpPr>
         <p:spPr>
           <a:xfrm>
-            <a:off x="5152680" y="1326600"/>
-            <a:ext cx="4426920" cy="3288240"/>
+            <a:off x="5152320" y="1326600"/>
+            <a:ext cx="4426560" cy="3287880"/>
           </a:xfrm>
           <a:prstGeom prst="rect">
             <a:avLst/>
@@ -1745,7 +4004,7 @@
         <p:spPr>
           <a:xfrm>
             <a:off x="504000" y="3044160"/>
-            <a:ext cx="4426920" cy="1568160"/>
+            <a:ext cx="4426560" cy="1568160"/>
           </a:xfrm>
           <a:prstGeom prst="rect">
             <a:avLst/>
@@ -1773,7 +4032,7 @@
             <a:spLocks noGrp="1"/>
           </p:cNvSpPr>
           <p:nvPr>
-            <p:ph type="ftr" idx="2"/>
+            <p:ph type="ftr" idx="1"/>
           </p:nvPr>
         </p:nvSpPr>
         <p:spPr/>
@@ -1793,14 +4052,14 @@
             <a:spLocks noGrp="1"/>
           </p:cNvSpPr>
           <p:nvPr>
-            <p:ph type="sldNum" idx="3"/>
+            <p:ph type="sldNum" idx="2"/>
           </p:nvPr>
         </p:nvSpPr>
         <p:spPr/>
         <p:txBody>
           <a:bodyPr/>
           <a:p>
-            <a:fld id="{492D63C8-1AAB-4713-9934-689290B6674C}" type="slidenum">
+            <a:fld id="{AEB0764C-C9C9-4BB8-9C43-9C755FEFAFBF}" type="slidenum">
               <a:t>&lt;#&gt;</a:t>
             </a:fld>
           </a:p>
@@ -1813,7 +4072,7 @@
             <a:spLocks noGrp="1"/>
           </p:cNvSpPr>
           <p:nvPr>
-            <p:ph type="dt" idx="1"/>
+            <p:ph type="dt" idx="3"/>
           </p:nvPr>
         </p:nvSpPr>
         <p:spPr/>
@@ -1862,7 +4121,7 @@
         <p:spPr>
           <a:xfrm>
             <a:off x="504000" y="226080"/>
-            <a:ext cx="9071640" cy="946440"/>
+            <a:ext cx="9071280" cy="946080"/>
           </a:xfrm>
           <a:prstGeom prst="rect">
             <a:avLst/>
@@ -1899,7 +4158,7 @@
         <p:spPr>
           <a:xfrm>
             <a:off x="504000" y="1326600"/>
-            <a:ext cx="4426920" cy="3288240"/>
+            <a:ext cx="4426560" cy="3287880"/>
           </a:xfrm>
           <a:prstGeom prst="rect">
             <a:avLst/>
@@ -1932,8 +4191,8 @@
         </p:nvSpPr>
         <p:spPr>
           <a:xfrm>
-            <a:off x="5152680" y="1326600"/>
-            <a:ext cx="4426920" cy="1568160"/>
+            <a:off x="5152320" y="1326600"/>
+            <a:ext cx="4426560" cy="1568160"/>
           </a:xfrm>
           <a:prstGeom prst="rect">
             <a:avLst/>
@@ -1966,8 +4225,8 @@
         </p:nvSpPr>
         <p:spPr>
           <a:xfrm>
-            <a:off x="5152680" y="3044160"/>
-            <a:ext cx="4426920" cy="1568160"/>
+            <a:off x="5152320" y="3044160"/>
+            <a:ext cx="4426560" cy="1568160"/>
           </a:xfrm>
           <a:prstGeom prst="rect">
             <a:avLst/>
@@ -1995,7 +4254,7 @@
             <a:spLocks noGrp="1"/>
           </p:cNvSpPr>
           <p:nvPr>
-            <p:ph type="ftr" idx="2"/>
+            <p:ph type="ftr" idx="1"/>
           </p:nvPr>
         </p:nvSpPr>
         <p:spPr/>
@@ -2015,14 +4274,14 @@
             <a:spLocks noGrp="1"/>
           </p:cNvSpPr>
           <p:nvPr>
-            <p:ph type="sldNum" idx="3"/>
+            <p:ph type="sldNum" idx="2"/>
           </p:nvPr>
         </p:nvSpPr>
         <p:spPr/>
         <p:txBody>
           <a:bodyPr/>
           <a:p>
-            <a:fld id="{7330BA97-D583-4848-B6F9-9A60CE143B4F}" type="slidenum">
+            <a:fld id="{C8967683-1B85-43CB-A7DE-A84C61EF4964}" type="slidenum">
               <a:t>&lt;#&gt;</a:t>
             </a:fld>
           </a:p>
@@ -2035,7 +4294,7 @@
             <a:spLocks noGrp="1"/>
           </p:cNvSpPr>
           <p:nvPr>
-            <p:ph type="dt" idx="1"/>
+            <p:ph type="dt" idx="3"/>
           </p:nvPr>
         </p:nvSpPr>
         <p:spPr/>
@@ -2084,7 +4343,7 @@
         <p:spPr>
           <a:xfrm>
             <a:off x="504000" y="226080"/>
-            <a:ext cx="9071640" cy="946440"/>
+            <a:ext cx="9071280" cy="946080"/>
           </a:xfrm>
           <a:prstGeom prst="rect">
             <a:avLst/>
@@ -2121,7 +4380,7 @@
         <p:spPr>
           <a:xfrm>
             <a:off x="504000" y="1326600"/>
-            <a:ext cx="4426920" cy="1568160"/>
+            <a:ext cx="4426560" cy="1568160"/>
           </a:xfrm>
           <a:prstGeom prst="rect">
             <a:avLst/>
@@ -2154,8 +4413,8 @@
         </p:nvSpPr>
         <p:spPr>
           <a:xfrm>
-            <a:off x="5152680" y="1326600"/>
-            <a:ext cx="4426920" cy="1568160"/>
+            <a:off x="5152320" y="1326600"/>
+            <a:ext cx="4426560" cy="1568160"/>
           </a:xfrm>
           <a:prstGeom prst="rect">
             <a:avLst/>
@@ -2189,7 +4448,7 @@
         <p:spPr>
           <a:xfrm>
             <a:off x="504000" y="3044160"/>
-            <a:ext cx="9071640" cy="1568160"/>
+            <a:ext cx="9071280" cy="1568160"/>
           </a:xfrm>
           <a:prstGeom prst="rect">
             <a:avLst/>
@@ -2217,7 +4476,7 @@
             <a:spLocks noGrp="1"/>
           </p:cNvSpPr>
           <p:nvPr>
-            <p:ph type="ftr" idx="2"/>
+            <p:ph type="ftr" idx="1"/>
           </p:nvPr>
         </p:nvSpPr>
         <p:spPr/>
@@ -2237,14 +4496,14 @@
             <a:spLocks noGrp="1"/>
           </p:cNvSpPr>
           <p:nvPr>
-            <p:ph type="sldNum" idx="3"/>
+            <p:ph type="sldNum" idx="2"/>
           </p:nvPr>
         </p:nvSpPr>
         <p:spPr/>
         <p:txBody>
           <a:bodyPr/>
           <a:p>
-            <a:fld id="{2A8AEAF4-43FB-4986-8D49-5EC5F7107161}" type="slidenum">
+            <a:fld id="{4D46F040-560D-4656-B57B-3036951F1E60}" type="slidenum">
               <a:t>&lt;#&gt;</a:t>
             </a:fld>
           </a:p>
@@ -2257,7 +4516,7 @@
             <a:spLocks noGrp="1"/>
           </p:cNvSpPr>
           <p:nvPr>
-            <p:ph type="dt" idx="1"/>
+            <p:ph type="dt" idx="3"/>
           </p:nvPr>
         </p:nvSpPr>
         <p:spPr/>
@@ -2306,7 +4565,7 @@
         <p:spPr>
           <a:xfrm>
             <a:off x="504000" y="226080"/>
-            <a:ext cx="9071640" cy="946440"/>
+            <a:ext cx="9071280" cy="946080"/>
           </a:xfrm>
           <a:prstGeom prst="rect">
             <a:avLst/>
@@ -2321,16 +4580,13 @@
             <a:noAutofit/>
           </a:bodyPr>
           <a:p>
-            <a:pPr algn="ctr">
-              <a:buNone/>
-            </a:pPr>
-            <a:r>
-              <a:rPr b="0" lang="pt-BR" sz="4400" spc="-1" strike="noStrike">
+            <a:r>
+              <a:rPr b="0" lang="pt-BR" sz="1800" spc="-1" strike="noStrike">
                 <a:latin typeface="Arial"/>
               </a:rPr>
               <a:t>Clique para editar o formato do texto do título</a:t>
             </a:r>
-            <a:endParaRPr b="0" lang="pt-BR" sz="4400" spc="-1" strike="noStrike">
+            <a:endParaRPr b="0" lang="pt-BR" sz="1800" spc="-1" strike="noStrike">
               <a:latin typeface="Arial"/>
             </a:endParaRPr>
           </a:p>
@@ -2343,13 +4599,174 @@
             <a:spLocks noGrp="1"/>
           </p:cNvSpPr>
           <p:nvPr>
+            <p:ph type="ftr" idx="1"/>
+          </p:nvPr>
+        </p:nvSpPr>
+        <p:spPr>
+          <a:xfrm>
+            <a:off x="3447360" y="5165280"/>
+            <a:ext cx="3194640" cy="390240"/>
+          </a:xfrm>
+          <a:prstGeom prst="rect">
+            <a:avLst/>
+          </a:prstGeom>
+          <a:noFill/>
+          <a:ln w="0">
+            <a:noFill/>
+          </a:ln>
+        </p:spPr>
+        <p:txBody>
+          <a:bodyPr lIns="0" rIns="0" tIns="0" bIns="0" anchor="t">
+            <a:noAutofit/>
+          </a:bodyPr>
+          <a:lstStyle>
+            <a:lvl1pPr algn="ctr">
+              <a:lnSpc>
+                <a:spcPct val="100000"/>
+              </a:lnSpc>
+              <a:buNone/>
+              <a:defRPr b="0" lang="pt-BR" sz="1400" spc="-1" strike="noStrike">
+                <a:latin typeface="Times New Roman"/>
+              </a:defRPr>
+            </a:lvl1pPr>
+          </a:lstStyle>
+          <a:p>
+            <a:pPr algn="ctr">
+              <a:lnSpc>
+                <a:spcPct val="100000"/>
+              </a:lnSpc>
+              <a:buNone/>
+            </a:pPr>
+            <a:r>
+              <a:rPr b="0" lang="pt-BR" sz="1400" spc="-1" strike="noStrike">
+                <a:latin typeface="Times New Roman"/>
+              </a:rPr>
+              <a:t> </a:t>
+            </a:r>
+            <a:endParaRPr b="0" lang="pt-BR" sz="1400" spc="-1" strike="noStrike">
+              <a:latin typeface="Times New Roman"/>
+            </a:endParaRPr>
+          </a:p>
+        </p:txBody>
+      </p:sp>
+      <p:sp>
+        <p:nvSpPr>
+          <p:cNvPr id="2" name="PlaceHolder 3"/>
+          <p:cNvSpPr>
+            <a:spLocks noGrp="1"/>
+          </p:cNvSpPr>
+          <p:nvPr>
+            <p:ph type="sldNum" idx="2"/>
+          </p:nvPr>
+        </p:nvSpPr>
+        <p:spPr>
+          <a:xfrm>
+            <a:off x="7227360" y="5165280"/>
+            <a:ext cx="2347920" cy="390240"/>
+          </a:xfrm>
+          <a:prstGeom prst="rect">
+            <a:avLst/>
+          </a:prstGeom>
+          <a:noFill/>
+          <a:ln w="0">
+            <a:noFill/>
+          </a:ln>
+        </p:spPr>
+        <p:txBody>
+          <a:bodyPr lIns="0" rIns="0" tIns="0" bIns="0" anchor="t">
+            <a:noAutofit/>
+          </a:bodyPr>
+          <a:lstStyle>
+            <a:lvl1pPr algn="r">
+              <a:lnSpc>
+                <a:spcPct val="100000"/>
+              </a:lnSpc>
+              <a:buNone/>
+              <a:defRPr b="0" lang="pt-BR" sz="1400" spc="-1" strike="noStrike">
+                <a:latin typeface="Times New Roman"/>
+              </a:defRPr>
+            </a:lvl1pPr>
+          </a:lstStyle>
+          <a:p>
+            <a:pPr algn="r">
+              <a:lnSpc>
+                <a:spcPct val="100000"/>
+              </a:lnSpc>
+              <a:buNone/>
+            </a:pPr>
+            <a:fld id="{F590E91B-4CAC-445F-8C92-4D6FAB90F535}" type="slidenum">
+              <a:rPr b="0" lang="pt-BR" sz="1400" spc="-1" strike="noStrike">
+                <a:latin typeface="Times New Roman"/>
+              </a:rPr>
+              <a:t>10</a:t>
+            </a:fld>
+            <a:endParaRPr b="0" lang="pt-BR" sz="1400" spc="-1" strike="noStrike">
+              <a:latin typeface="Times New Roman"/>
+            </a:endParaRPr>
+          </a:p>
+        </p:txBody>
+      </p:sp>
+      <p:sp>
+        <p:nvSpPr>
+          <p:cNvPr id="3" name="PlaceHolder 4"/>
+          <p:cNvSpPr>
+            <a:spLocks noGrp="1"/>
+          </p:cNvSpPr>
+          <p:nvPr>
+            <p:ph type="dt" idx="3"/>
+          </p:nvPr>
+        </p:nvSpPr>
+        <p:spPr>
+          <a:xfrm>
+            <a:off x="504000" y="5165280"/>
+            <a:ext cx="2347920" cy="390240"/>
+          </a:xfrm>
+          <a:prstGeom prst="rect">
+            <a:avLst/>
+          </a:prstGeom>
+          <a:noFill/>
+          <a:ln w="0">
+            <a:noFill/>
+          </a:ln>
+        </p:spPr>
+        <p:txBody>
+          <a:bodyPr lIns="0" rIns="0" tIns="0" bIns="0" anchor="t">
+            <a:noAutofit/>
+          </a:bodyPr>
+          <a:lstStyle>
+            <a:lvl1pPr>
+              <a:defRPr b="0" lang="pt-BR" sz="1400" spc="-1" strike="noStrike">
+                <a:latin typeface="Times New Roman"/>
+              </a:defRPr>
+            </a:lvl1pPr>
+          </a:lstStyle>
+          <a:p>
+            <a:r>
+              <a:rPr b="0" lang="pt-BR" sz="1400" spc="-1" strike="noStrike">
+                <a:latin typeface="Times New Roman"/>
+              </a:rPr>
+              <a:t> </a:t>
+            </a:r>
+            <a:endParaRPr b="0" lang="pt-BR" sz="1400" spc="-1" strike="noStrike">
+              <a:latin typeface="Times New Roman"/>
+            </a:endParaRPr>
+          </a:p>
+        </p:txBody>
+      </p:sp>
+      <p:sp>
+        <p:nvSpPr>
+          <p:cNvPr id="4" name="PlaceHolder 5"/>
+          <p:cNvSpPr>
+            <a:spLocks noGrp="1"/>
+          </p:cNvSpPr>
+          <p:nvPr>
             <p:ph type="body"/>
           </p:nvPr>
         </p:nvSpPr>
         <p:spPr>
           <a:xfrm>
             <a:off x="504000" y="1326600"/>
-            <a:ext cx="9071640" cy="3288240"/>
+            <a:ext cx="9072000" cy="3288600"/>
           </a:xfrm>
           <a:prstGeom prst="rect">
             <a:avLst/>
@@ -2515,155 +4932,6 @@
             </a:r>
             <a:endParaRPr b="0" lang="pt-BR" sz="2000" spc="-1" strike="noStrike">
               <a:latin typeface="Arial"/>
-            </a:endParaRPr>
-          </a:p>
-        </p:txBody>
-      </p:sp>
-      <p:sp>
-        <p:nvSpPr>
-          <p:cNvPr id="2" name="PlaceHolder 3"/>
-          <p:cNvSpPr>
-            <a:spLocks noGrp="1"/>
-          </p:cNvSpPr>
-          <p:nvPr>
-            <p:ph type="dt" idx="1"/>
-          </p:nvPr>
-        </p:nvSpPr>
-        <p:spPr>
-          <a:xfrm>
-            <a:off x="504000" y="5165280"/>
-            <a:ext cx="2348280" cy="390600"/>
-          </a:xfrm>
-          <a:prstGeom prst="rect">
-            <a:avLst/>
-          </a:prstGeom>
-          <a:noFill/>
-          <a:ln w="0">
-            <a:noFill/>
-          </a:ln>
-        </p:spPr>
-        <p:txBody>
-          <a:bodyPr lIns="0" rIns="0" tIns="0" bIns="0" anchor="t">
-            <a:noAutofit/>
-          </a:bodyPr>
-          <a:lstStyle>
-            <a:lvl1pPr>
-              <a:defRPr b="0" lang="pt-BR" sz="1400" spc="-1" strike="noStrike">
-                <a:latin typeface="Times New Roman"/>
-              </a:defRPr>
-            </a:lvl1pPr>
-          </a:lstStyle>
-          <a:p>
-            <a:r>
-              <a:rPr b="0" lang="pt-BR" sz="1400" spc="-1" strike="noStrike">
-                <a:latin typeface="Times New Roman"/>
-              </a:rPr>
-              <a:t>&lt;data/hora&gt;</a:t>
-            </a:r>
-            <a:endParaRPr b="0" lang="pt-BR" sz="1400" spc="-1" strike="noStrike">
-              <a:latin typeface="Times New Roman"/>
-            </a:endParaRPr>
-          </a:p>
-        </p:txBody>
-      </p:sp>
-      <p:sp>
-        <p:nvSpPr>
-          <p:cNvPr id="3" name="PlaceHolder 4"/>
-          <p:cNvSpPr>
-            <a:spLocks noGrp="1"/>
-          </p:cNvSpPr>
-          <p:nvPr>
-            <p:ph type="ftr" idx="2"/>
-          </p:nvPr>
-        </p:nvSpPr>
-        <p:spPr>
-          <a:xfrm>
-            <a:off x="3447360" y="5165280"/>
-            <a:ext cx="3195000" cy="390600"/>
-          </a:xfrm>
-          <a:prstGeom prst="rect">
-            <a:avLst/>
-          </a:prstGeom>
-          <a:noFill/>
-          <a:ln w="0">
-            <a:noFill/>
-          </a:ln>
-        </p:spPr>
-        <p:txBody>
-          <a:bodyPr lIns="0" rIns="0" tIns="0" bIns="0" anchor="t">
-            <a:noAutofit/>
-          </a:bodyPr>
-          <a:lstStyle>
-            <a:lvl1pPr algn="ctr">
-              <a:buNone/>
-              <a:defRPr b="0" lang="pt-BR" sz="1400" spc="-1" strike="noStrike">
-                <a:latin typeface="Times New Roman"/>
-              </a:defRPr>
-            </a:lvl1pPr>
-          </a:lstStyle>
-          <a:p>
-            <a:pPr algn="ctr">
-              <a:buNone/>
-            </a:pPr>
-            <a:r>
-              <a:rPr b="0" lang="pt-BR" sz="1400" spc="-1" strike="noStrike">
-                <a:latin typeface="Times New Roman"/>
-              </a:rPr>
-              <a:t>&lt;rodapé&gt;</a:t>
-            </a:r>
-            <a:endParaRPr b="0" lang="pt-BR" sz="1400" spc="-1" strike="noStrike">
-              <a:latin typeface="Times New Roman"/>
-            </a:endParaRPr>
-          </a:p>
-        </p:txBody>
-      </p:sp>
-      <p:sp>
-        <p:nvSpPr>
-          <p:cNvPr id="4" name="PlaceHolder 5"/>
-          <p:cNvSpPr>
-            <a:spLocks noGrp="1"/>
-          </p:cNvSpPr>
-          <p:nvPr>
-            <p:ph type="sldNum" idx="3"/>
-          </p:nvPr>
-        </p:nvSpPr>
-        <p:spPr>
-          <a:xfrm>
-            <a:off x="7227360" y="5165280"/>
-            <a:ext cx="2348280" cy="390600"/>
-          </a:xfrm>
-          <a:prstGeom prst="rect">
-            <a:avLst/>
-          </a:prstGeom>
-          <a:noFill/>
-          <a:ln w="0">
-            <a:noFill/>
-          </a:ln>
-        </p:spPr>
-        <p:txBody>
-          <a:bodyPr lIns="0" rIns="0" tIns="0" bIns="0" anchor="t">
-            <a:noAutofit/>
-          </a:bodyPr>
-          <a:lstStyle>
-            <a:lvl1pPr algn="r">
-              <a:buNone/>
-              <a:defRPr b="0" lang="pt-BR" sz="1400" spc="-1" strike="noStrike">
-                <a:latin typeface="Times New Roman"/>
-              </a:defRPr>
-            </a:lvl1pPr>
-          </a:lstStyle>
-          <a:p>
-            <a:pPr algn="r">
-              <a:buNone/>
-            </a:pPr>
-            <a:fld id="{72A713D6-F6A1-401D-BEA3-6157AB1599C6}" type="slidenum">
-              <a:rPr b="0" lang="pt-BR" sz="1400" spc="-1" strike="noStrike">
-                <a:latin typeface="Times New Roman"/>
-              </a:rPr>
-              <a:t>&lt;número&gt;</a:t>
-            </a:fld>
-            <a:endParaRPr b="0" lang="pt-BR" sz="1400" spc="-1" strike="noStrike">
-              <a:latin typeface="Times New Roman"/>
             </a:endParaRPr>
           </a:p>
         </p:txBody>
@@ -2684,6 +4952,427 @@
     <p:sldLayoutId id="2147483658" r:id="rId11"/>
     <p:sldLayoutId id="2147483659" r:id="rId12"/>
     <p:sldLayoutId id="2147483660" r:id="rId13"/>
+  </p:sldLayoutIdLst>
+</p:sldMaster>
+</file>
+
+<file path=ppt/slideMasters/slideMaster2.xml><?xml version="1.0" encoding="utf-8"?>
+<p:sldMaster xmlns:a="http://schemas.openxmlformats.org/drawingml/2006/main" xmlns:p="http://schemas.openxmlformats.org/presentationml/2006/main" xmlns:r="http://schemas.openxmlformats.org/officeDocument/2006/relationships" xmlns:p14="http://schemas.microsoft.com/office/powerpoint/2010/main" xmlns:p15="http://schemas.microsoft.com/office/powerpoint/2012/main" xmlns:mc="http://schemas.openxmlformats.org/markup-compatibility/2006">
+  <p:cSld>
+    <p:spTree>
+      <p:nvGrpSpPr>
+        <p:cNvPr id="1" name=""/>
+        <p:cNvGrpSpPr/>
+        <p:nvPr/>
+      </p:nvGrpSpPr>
+      <p:grpSpPr>
+        <a:xfrm>
+          <a:off x="0" y="0"/>
+          <a:ext cx="0" cy="0"/>
+          <a:chOff x="0" y="0"/>
+          <a:chExt cx="0" cy="0"/>
+        </a:xfrm>
+      </p:grpSpPr>
+      <p:sp>
+        <p:nvSpPr>
+          <p:cNvPr id="41" name="PlaceHolder 1"/>
+          <p:cNvSpPr>
+            <a:spLocks noGrp="1"/>
+          </p:cNvSpPr>
+          <p:nvPr>
+            <p:ph type="title"/>
+          </p:nvPr>
+        </p:nvSpPr>
+        <p:spPr>
+          <a:xfrm>
+            <a:off x="504000" y="226080"/>
+            <a:ext cx="9071280" cy="946080"/>
+          </a:xfrm>
+          <a:prstGeom prst="rect">
+            <a:avLst/>
+          </a:prstGeom>
+          <a:noFill/>
+          <a:ln w="0">
+            <a:noFill/>
+          </a:ln>
+        </p:spPr>
+        <p:txBody>
+          <a:bodyPr lIns="0" rIns="0" tIns="0" bIns="0" anchor="ctr">
+            <a:noAutofit/>
+          </a:bodyPr>
+          <a:p>
+            <a:r>
+              <a:rPr b="0" lang="pt-BR" sz="1800" spc="-1" strike="noStrike">
+                <a:latin typeface="Arial"/>
+              </a:rPr>
+              <a:t>Clique para editar o formato do texto do título</a:t>
+            </a:r>
+            <a:endParaRPr b="0" lang="pt-BR" sz="1800" spc="-1" strike="noStrike">
+              <a:latin typeface="Arial"/>
+            </a:endParaRPr>
+          </a:p>
+        </p:txBody>
+      </p:sp>
+      <p:sp>
+        <p:nvSpPr>
+          <p:cNvPr id="42" name="PlaceHolder 2"/>
+          <p:cNvSpPr>
+            <a:spLocks noGrp="1"/>
+          </p:cNvSpPr>
+          <p:nvPr>
+            <p:ph type="body"/>
+          </p:nvPr>
+        </p:nvSpPr>
+        <p:spPr>
+          <a:xfrm>
+            <a:off x="504000" y="1326600"/>
+            <a:ext cx="9071280" cy="3287880"/>
+          </a:xfrm>
+          <a:prstGeom prst="rect">
+            <a:avLst/>
+          </a:prstGeom>
+          <a:noFill/>
+          <a:ln w="0">
+            <a:noFill/>
+          </a:ln>
+        </p:spPr>
+        <p:txBody>
+          <a:bodyPr lIns="0" rIns="0" tIns="0" bIns="0" anchor="t">
+            <a:normAutofit/>
+          </a:bodyPr>
+          <a:p>
+            <a:pPr marL="432000" indent="-324000">
+              <a:spcBef>
+                <a:spcPts val="1417"/>
+              </a:spcBef>
+              <a:buClr>
+                <a:srgbClr val="000000"/>
+              </a:buClr>
+              <a:buSzPct val="45000"/>
+              <a:buFont typeface="Wingdings" charset="2"/>
+              <a:buChar char=""/>
+            </a:pPr>
+            <a:r>
+              <a:rPr b="0" lang="pt-BR" sz="1800" spc="-1" strike="noStrike">
+                <a:latin typeface="Arial"/>
+              </a:rPr>
+              <a:t>Clique para editar o formato do texto da estrutura de tópicos</a:t>
+            </a:r>
+            <a:endParaRPr b="0" lang="pt-BR" sz="1800" spc="-1" strike="noStrike">
+              <a:latin typeface="Arial"/>
+            </a:endParaRPr>
+          </a:p>
+          <a:p>
+            <a:pPr lvl="1" marL="864000" indent="-324000">
+              <a:spcBef>
+                <a:spcPts val="1134"/>
+              </a:spcBef>
+              <a:buClr>
+                <a:srgbClr val="000000"/>
+              </a:buClr>
+              <a:buSzPct val="75000"/>
+              <a:buFont typeface="Symbol" charset="2"/>
+              <a:buChar char=""/>
+            </a:pPr>
+            <a:r>
+              <a:rPr b="0" lang="pt-BR" sz="1800" spc="-1" strike="noStrike">
+                <a:latin typeface="Arial"/>
+              </a:rPr>
+              <a:t>2.º nível da estrutura de tópicos</a:t>
+            </a:r>
+            <a:endParaRPr b="0" lang="pt-BR" sz="1800" spc="-1" strike="noStrike">
+              <a:latin typeface="Arial"/>
+            </a:endParaRPr>
+          </a:p>
+          <a:p>
+            <a:pPr lvl="2" marL="1296000" indent="-288000">
+              <a:spcBef>
+                <a:spcPts val="850"/>
+              </a:spcBef>
+              <a:buClr>
+                <a:srgbClr val="000000"/>
+              </a:buClr>
+              <a:buSzPct val="45000"/>
+              <a:buFont typeface="Wingdings" charset="2"/>
+              <a:buChar char=""/>
+            </a:pPr>
+            <a:r>
+              <a:rPr b="0" lang="pt-BR" sz="1800" spc="-1" strike="noStrike">
+                <a:latin typeface="Arial"/>
+              </a:rPr>
+              <a:t>3.º nível da estrutura de tópicos</a:t>
+            </a:r>
+            <a:endParaRPr b="0" lang="pt-BR" sz="1800" spc="-1" strike="noStrike">
+              <a:latin typeface="Arial"/>
+            </a:endParaRPr>
+          </a:p>
+          <a:p>
+            <a:pPr lvl="3" marL="1728000" indent="-216000">
+              <a:spcBef>
+                <a:spcPts val="567"/>
+              </a:spcBef>
+              <a:buClr>
+                <a:srgbClr val="000000"/>
+              </a:buClr>
+              <a:buSzPct val="75000"/>
+              <a:buFont typeface="Symbol" charset="2"/>
+              <a:buChar char=""/>
+            </a:pPr>
+            <a:r>
+              <a:rPr b="0" lang="pt-BR" sz="1800" spc="-1" strike="noStrike">
+                <a:latin typeface="Arial"/>
+              </a:rPr>
+              <a:t>4.º nível da estrutura de tópicos</a:t>
+            </a:r>
+            <a:endParaRPr b="0" lang="pt-BR" sz="1800" spc="-1" strike="noStrike">
+              <a:latin typeface="Arial"/>
+            </a:endParaRPr>
+          </a:p>
+          <a:p>
+            <a:pPr lvl="4" marL="2160000" indent="-216000">
+              <a:spcBef>
+                <a:spcPts val="283"/>
+              </a:spcBef>
+              <a:buClr>
+                <a:srgbClr val="000000"/>
+              </a:buClr>
+              <a:buSzPct val="45000"/>
+              <a:buFont typeface="Wingdings" charset="2"/>
+              <a:buChar char=""/>
+            </a:pPr>
+            <a:r>
+              <a:rPr b="0" lang="pt-BR" sz="1800" spc="-1" strike="noStrike">
+                <a:latin typeface="Arial"/>
+              </a:rPr>
+              <a:t>5.º nível da estrutura de tópicos</a:t>
+            </a:r>
+            <a:endParaRPr b="0" lang="pt-BR" sz="1800" spc="-1" strike="noStrike">
+              <a:latin typeface="Arial"/>
+            </a:endParaRPr>
+          </a:p>
+          <a:p>
+            <a:pPr lvl="5" marL="2592000" indent="-216000">
+              <a:spcBef>
+                <a:spcPts val="283"/>
+              </a:spcBef>
+              <a:buClr>
+                <a:srgbClr val="000000"/>
+              </a:buClr>
+              <a:buSzPct val="45000"/>
+              <a:buFont typeface="Wingdings" charset="2"/>
+              <a:buChar char=""/>
+            </a:pPr>
+            <a:r>
+              <a:rPr b="0" lang="pt-BR" sz="1800" spc="-1" strike="noStrike">
+                <a:latin typeface="Arial"/>
+              </a:rPr>
+              <a:t>6.º nível da estrutura de tópicos</a:t>
+            </a:r>
+            <a:endParaRPr b="0" lang="pt-BR" sz="1800" spc="-1" strike="noStrike">
+              <a:latin typeface="Arial"/>
+            </a:endParaRPr>
+          </a:p>
+          <a:p>
+            <a:pPr lvl="6" marL="3024000" indent="-216000">
+              <a:spcBef>
+                <a:spcPts val="283"/>
+              </a:spcBef>
+              <a:buClr>
+                <a:srgbClr val="000000"/>
+              </a:buClr>
+              <a:buSzPct val="45000"/>
+              <a:buFont typeface="Wingdings" charset="2"/>
+              <a:buChar char=""/>
+            </a:pPr>
+            <a:r>
+              <a:rPr b="0" lang="pt-BR" sz="1800" spc="-1" strike="noStrike">
+                <a:latin typeface="Arial"/>
+              </a:rPr>
+              <a:t>7.º nível da estrutura de tópicos</a:t>
+            </a:r>
+            <a:endParaRPr b="0" lang="pt-BR" sz="1800" spc="-1" strike="noStrike">
+              <a:latin typeface="Arial"/>
+            </a:endParaRPr>
+          </a:p>
+        </p:txBody>
+      </p:sp>
+      <p:sp>
+        <p:nvSpPr>
+          <p:cNvPr id="43" name="PlaceHolder 3"/>
+          <p:cNvSpPr>
+            <a:spLocks noGrp="1"/>
+          </p:cNvSpPr>
+          <p:nvPr>
+            <p:ph type="ftr" idx="4"/>
+          </p:nvPr>
+        </p:nvSpPr>
+        <p:spPr>
+          <a:xfrm>
+            <a:off x="3447360" y="5165280"/>
+            <a:ext cx="3194640" cy="390240"/>
+          </a:xfrm>
+          <a:prstGeom prst="rect">
+            <a:avLst/>
+          </a:prstGeom>
+          <a:noFill/>
+          <a:ln w="0">
+            <a:noFill/>
+          </a:ln>
+        </p:spPr>
+        <p:txBody>
+          <a:bodyPr lIns="0" rIns="0" tIns="0" bIns="0" anchor="t">
+            <a:noAutofit/>
+          </a:bodyPr>
+          <a:lstStyle>
+            <a:lvl1pPr algn="ctr">
+              <a:lnSpc>
+                <a:spcPct val="100000"/>
+              </a:lnSpc>
+              <a:buNone/>
+              <a:defRPr b="0" lang="pt-BR" sz="1400" spc="-1" strike="noStrike">
+                <a:latin typeface="Times New Roman"/>
+              </a:defRPr>
+            </a:lvl1pPr>
+          </a:lstStyle>
+          <a:p>
+            <a:pPr algn="ctr">
+              <a:lnSpc>
+                <a:spcPct val="100000"/>
+              </a:lnSpc>
+              <a:buNone/>
+            </a:pPr>
+            <a:r>
+              <a:rPr b="0" lang="pt-BR" sz="1400" spc="-1" strike="noStrike">
+                <a:latin typeface="Times New Roman"/>
+              </a:rPr>
+              <a:t>&lt;rodapé&gt;</a:t>
+            </a:r>
+            <a:endParaRPr b="0" lang="pt-BR" sz="1400" spc="-1" strike="noStrike">
+              <a:latin typeface="Times New Roman"/>
+            </a:endParaRPr>
+          </a:p>
+        </p:txBody>
+      </p:sp>
+      <p:sp>
+        <p:nvSpPr>
+          <p:cNvPr id="44" name="PlaceHolder 4"/>
+          <p:cNvSpPr>
+            <a:spLocks noGrp="1"/>
+          </p:cNvSpPr>
+          <p:nvPr>
+            <p:ph type="sldNum" idx="5"/>
+          </p:nvPr>
+        </p:nvSpPr>
+        <p:spPr>
+          <a:xfrm>
+            <a:off x="7227360" y="5165280"/>
+            <a:ext cx="2347920" cy="390240"/>
+          </a:xfrm>
+          <a:prstGeom prst="rect">
+            <a:avLst/>
+          </a:prstGeom>
+          <a:noFill/>
+          <a:ln w="0">
+            <a:noFill/>
+          </a:ln>
+        </p:spPr>
+        <p:txBody>
+          <a:bodyPr lIns="0" rIns="0" tIns="0" bIns="0" anchor="t">
+            <a:noAutofit/>
+          </a:bodyPr>
+          <a:lstStyle>
+            <a:lvl1pPr algn="r">
+              <a:lnSpc>
+                <a:spcPct val="100000"/>
+              </a:lnSpc>
+              <a:buNone/>
+              <a:defRPr b="0" lang="pt-BR" sz="1400" spc="-1" strike="noStrike">
+                <a:latin typeface="Times New Roman"/>
+              </a:defRPr>
+            </a:lvl1pPr>
+          </a:lstStyle>
+          <a:p>
+            <a:pPr algn="r">
+              <a:lnSpc>
+                <a:spcPct val="100000"/>
+              </a:lnSpc>
+              <a:buNone/>
+            </a:pPr>
+            <a:fld id="{4F97D77C-E53B-4267-8851-F2F2951D0255}" type="slidenum">
+              <a:rPr b="0" lang="pt-BR" sz="1400" spc="-1" strike="noStrike">
+                <a:latin typeface="Times New Roman"/>
+              </a:rPr>
+              <a:t>&lt;número&gt;</a:t>
+            </a:fld>
+            <a:endParaRPr b="0" lang="pt-BR" sz="1400" spc="-1" strike="noStrike">
+              <a:latin typeface="Times New Roman"/>
+            </a:endParaRPr>
+          </a:p>
+        </p:txBody>
+      </p:sp>
+      <p:sp>
+        <p:nvSpPr>
+          <p:cNvPr id="45" name="PlaceHolder 5"/>
+          <p:cNvSpPr>
+            <a:spLocks noGrp="1"/>
+          </p:cNvSpPr>
+          <p:nvPr>
+            <p:ph type="dt" idx="6"/>
+          </p:nvPr>
+        </p:nvSpPr>
+        <p:spPr>
+          <a:xfrm>
+            <a:off x="504000" y="5165280"/>
+            <a:ext cx="2347920" cy="390240"/>
+          </a:xfrm>
+          <a:prstGeom prst="rect">
+            <a:avLst/>
+          </a:prstGeom>
+          <a:noFill/>
+          <a:ln w="0">
+            <a:noFill/>
+          </a:ln>
+        </p:spPr>
+        <p:txBody>
+          <a:bodyPr lIns="0" rIns="0" tIns="0" bIns="0" anchor="t">
+            <a:noAutofit/>
+          </a:bodyPr>
+          <a:lstStyle>
+            <a:lvl1pPr>
+              <a:defRPr b="0" lang="pt-BR" sz="1400" spc="-1" strike="noStrike">
+                <a:latin typeface="Times New Roman"/>
+              </a:defRPr>
+            </a:lvl1pPr>
+          </a:lstStyle>
+          <a:p>
+            <a:r>
+              <a:rPr b="0" lang="pt-BR" sz="1400" spc="-1" strike="noStrike">
+                <a:latin typeface="Times New Roman"/>
+              </a:rPr>
+              <a:t>&lt;data/hora&gt;</a:t>
+            </a:r>
+            <a:endParaRPr b="0" lang="pt-BR" sz="1400" spc="-1" strike="noStrike">
+              <a:latin typeface="Times New Roman"/>
+            </a:endParaRPr>
+          </a:p>
+        </p:txBody>
+      </p:sp>
+    </p:spTree>
+  </p:cSld>
+  <p:clrMap bg1="lt1" bg2="lt2" tx1="dk1" tx2="dk2" accent1="accent1" accent2="accent2" accent3="accent3" accent4="accent4" accent5="accent5" accent6="accent6" hlink="hlink" folHlink="folHlink"/>
+  <p:sldLayoutIdLst>
+    <p:sldLayoutId id="2147483662" r:id="rId2"/>
+    <p:sldLayoutId id="2147483663" r:id="rId3"/>
+    <p:sldLayoutId id="2147483664" r:id="rId4"/>
+    <p:sldLayoutId id="2147483665" r:id="rId5"/>
+    <p:sldLayoutId id="2147483666" r:id="rId6"/>
+    <p:sldLayoutId id="2147483667" r:id="rId7"/>
+    <p:sldLayoutId id="2147483668" r:id="rId8"/>
+    <p:sldLayoutId id="2147483669" r:id="rId9"/>
+    <p:sldLayoutId id="2147483670" r:id="rId10"/>
+    <p:sldLayoutId id="2147483671" r:id="rId11"/>
+    <p:sldLayoutId id="2147483672" r:id="rId12"/>
+    <p:sldLayoutId id="2147483673" r:id="rId13"/>
   </p:sldLayoutIdLst>
 </p:sldMaster>
 </file>
@@ -2707,7 +5396,7 @@
       </p:grpSpPr>
       <p:sp>
         <p:nvSpPr>
-          <p:cNvPr id="41" name="PlaceHolder 1"/>
+          <p:cNvPr id="82" name="PlaceHolder 1"/>
           <p:cNvSpPr>
             <a:spLocks noGrp="1"/>
           </p:cNvSpPr>
@@ -2718,7 +5407,7 @@
         <p:spPr>
           <a:xfrm>
             <a:off x="504000" y="221400"/>
-            <a:ext cx="9071640" cy="3738600"/>
+            <a:ext cx="9071280" cy="3738240"/>
           </a:xfrm>
           <a:prstGeom prst="rect">
             <a:avLst/>
@@ -2733,6 +5422,12 @@
             <a:noAutofit/>
           </a:bodyPr>
           <a:p>
+            <a:pPr>
+              <a:lnSpc>
+                <a:spcPct val="100000"/>
+              </a:lnSpc>
+              <a:buNone/>
+            </a:pPr>
             <a:r>
               <a:rPr b="0" lang="pt-BR" sz="2400" spc="-1" strike="noStrike">
                 <a:latin typeface="Arial"/>
@@ -2849,7 +5544,7 @@
       </p:sp>
       <p:sp>
         <p:nvSpPr>
-          <p:cNvPr id="42" name="PlaceHolder 2"/>
+          <p:cNvPr id="83" name="PlaceHolder 2"/>
           <p:cNvSpPr>
             <a:spLocks noGrp="1"/>
           </p:cNvSpPr>
@@ -2860,7 +5555,7 @@
         <p:spPr>
           <a:xfrm>
             <a:off x="504000" y="4500000"/>
-            <a:ext cx="9071640" cy="540000"/>
+            <a:ext cx="9071280" cy="539640"/>
           </a:xfrm>
           <a:prstGeom prst="rect">
             <a:avLst/>
@@ -2876,6 +5571,9 @@
           </a:bodyPr>
           <a:p>
             <a:pPr algn="ctr">
+              <a:lnSpc>
+                <a:spcPct val="100000"/>
+              </a:lnSpc>
               <a:buNone/>
             </a:pPr>
             <a:r>
@@ -2903,7 +5601,7 @@
 </p:sld>
 </file>
 
-<file path=ppt/slides/slide2.xml><?xml version="1.0" encoding="utf-8"?>
+<file path=ppt/slides/slide10.xml><?xml version="1.0" encoding="utf-8"?>
 <p:sld xmlns:a="http://schemas.openxmlformats.org/drawingml/2006/main" xmlns:p="http://schemas.openxmlformats.org/presentationml/2006/main" xmlns:r="http://schemas.openxmlformats.org/officeDocument/2006/relationships" xmlns:p14="http://schemas.microsoft.com/office/powerpoint/2010/main" xmlns:p15="http://schemas.microsoft.com/office/powerpoint/2012/main" xmlns:mc="http://schemas.openxmlformats.org/markup-compatibility/2006">
   <p:cSld>
     <p:spTree>
@@ -2922,18 +5620,14 @@
       </p:grpSpPr>
       <p:sp>
         <p:nvSpPr>
-          <p:cNvPr id="43" name="PlaceHolder 1"/>
-          <p:cNvSpPr>
-            <a:spLocks noGrp="1"/>
-          </p:cNvSpPr>
-          <p:nvPr>
-            <p:ph type="title"/>
-          </p:nvPr>
-        </p:nvSpPr>
-        <p:spPr>
-          <a:xfrm>
-            <a:off x="504000" y="226080"/>
-            <a:ext cx="9071640" cy="946440"/>
+          <p:cNvPr id="119" name=""/>
+          <p:cNvSpPr txBox="1"/>
+          <p:nvPr/>
+        </p:nvSpPr>
+        <p:spPr>
+          <a:xfrm>
+            <a:off x="504000" y="180000"/>
+            <a:ext cx="9071280" cy="766080"/>
           </a:xfrm>
           <a:prstGeom prst="rect">
             <a:avLst/>
@@ -2952,914 +5646,135 @@
               <a:buNone/>
             </a:pPr>
             <a:r>
-              <a:rPr b="1" lang="pt-BR" sz="1400" spc="-1" strike="noStrike">
-                <a:latin typeface="Segoe UI"/>
-                <a:ea typeface="NSimSun"/>
+              <a:rPr b="0" lang="pt-BR" sz="2200" spc="-1" strike="noStrike">
+                <a:latin typeface="Arial"/>
               </a:rPr>
-              <a:t>O conteúdo do diagrama de dispersão</a:t>
-            </a:r>
-            <a:endParaRPr b="0" lang="pt-BR" sz="1400" spc="-1" strike="noStrike">
-              <a:latin typeface="Arial"/>
-            </a:endParaRPr>
-          </a:p>
-        </p:txBody>
-      </p:sp>
-      <p:sp>
-        <p:nvSpPr>
-          <p:cNvPr id="44" name="PlaceHolder 2"/>
-          <p:cNvSpPr>
-            <a:spLocks noGrp="1"/>
-          </p:cNvSpPr>
-          <p:nvPr>
-            <p:ph/>
-          </p:nvPr>
-        </p:nvSpPr>
-        <p:spPr>
-          <a:xfrm>
-            <a:off x="504000" y="1326600"/>
-            <a:ext cx="9071640" cy="3288240"/>
-          </a:xfrm>
-          <a:prstGeom prst="rect">
-            <a:avLst/>
-          </a:prstGeom>
-          <a:noFill/>
-          <a:ln w="0">
-            <a:noFill/>
-          </a:ln>
-        </p:spPr>
-        <p:txBody>
-          <a:bodyPr lIns="0" rIns="0" tIns="0" bIns="0" anchor="t">
-            <a:normAutofit/>
-          </a:bodyPr>
-          <a:p>
-            <a:pPr>
-              <a:lnSpc>
-                <a:spcPct val="115000"/>
-              </a:lnSpc>
-              <a:spcAft>
-                <a:spcPts val="1236"/>
-              </a:spcAft>
-              <a:buNone/>
-            </a:pPr>
-            <a:r>
-              <a:rPr b="0" lang="pt-BR" sz="1200" spc="-1" strike="noStrike">
-                <a:latin typeface="Segoe UI"/>
+              <a:t>Exemplo 02</a:t>
+            </a:r>
+            <a:endParaRPr b="0" lang="pt-BR" sz="2200" spc="-1" strike="noStrike">
+              <a:latin typeface="Arial"/>
+            </a:endParaRPr>
+          </a:p>
+        </p:txBody>
+      </p:sp>
+      <p:sp>
+        <p:nvSpPr>
+          <p:cNvPr id="120" name=""/>
+          <p:cNvSpPr txBox="1"/>
+          <p:nvPr/>
+        </p:nvSpPr>
+        <p:spPr>
+          <a:xfrm>
+            <a:off x="0" y="1017360"/>
+            <a:ext cx="10094400" cy="602640"/>
+          </a:xfrm>
+          <a:prstGeom prst="rect">
+            <a:avLst/>
+          </a:prstGeom>
+          <a:noFill/>
+          <a:ln w="0">
+            <a:noFill/>
+          </a:ln>
+        </p:spPr>
+        <p:txBody>
+          <a:bodyPr lIns="90000" rIns="90000" tIns="45000" bIns="45000" anchor="t">
+            <a:noAutofit/>
+          </a:bodyPr>
+          <a:p>
+            <a:r>
+              <a:rPr b="0" lang="pt-BR" sz="1800" spc="-1" strike="noStrike">
+                <a:latin typeface="Arial"/>
               </a:rPr>
-              <a:t>O método do diagrama de dispersão é uma representação simples que é popularmente usada em comércio e estatística para encontrar a correlação entre duas variáveis. Essas duas variáveis são plotadas ao longo dos eixos X e Y em um gráfico bidimensional e o padrão representa a associação entre essas variáveis dadas. O estudo de tal representação gráfica envolvendo duas variáveis e usando tal diagrama é conhecido como análise de diagrama de dispersão.</a:t>
-            </a:r>
-            <a:endParaRPr b="0" lang="pt-BR" sz="1200" spc="-1" strike="noStrike">
-              <a:latin typeface="Segoe UI"/>
-            </a:endParaRPr>
-          </a:p>
-          <a:p>
-            <a:pPr>
-              <a:lnSpc>
-                <a:spcPct val="115000"/>
-              </a:lnSpc>
-              <a:spcAft>
-                <a:spcPts val="1236"/>
-              </a:spcAft>
-              <a:buNone/>
-            </a:pPr>
-            <a:r>
-              <a:rPr b="0" lang="pt-BR" sz="1200" spc="-1" strike="noStrike">
-                <a:latin typeface="Segoe UI"/>
+              <a:t>Imagine que você queira investigar se há uma relação entre o número de alunos e as notas obtidas. Vamos supor que os dados abaixo são o que você coletou.</a:t>
+            </a:r>
+            <a:endParaRPr b="0" lang="pt-BR" sz="1800" spc="-1" strike="noStrike">
+              <a:latin typeface="Arial"/>
+            </a:endParaRPr>
+          </a:p>
+        </p:txBody>
+      </p:sp>
+      <p:sp>
+        <p:nvSpPr>
+          <p:cNvPr id="121" name=""/>
+          <p:cNvSpPr txBox="1"/>
+          <p:nvPr/>
+        </p:nvSpPr>
+        <p:spPr>
+          <a:xfrm>
+            <a:off x="360000" y="2160000"/>
+            <a:ext cx="1980000" cy="346320"/>
+          </a:xfrm>
+          <a:prstGeom prst="rect">
+            <a:avLst/>
+          </a:prstGeom>
+          <a:noFill/>
+          <a:ln w="0">
+            <a:noFill/>
+          </a:ln>
+        </p:spPr>
+        <p:txBody>
+          <a:bodyPr lIns="90000" rIns="90000" tIns="45000" bIns="45000" anchor="t">
+            <a:noAutofit/>
+          </a:bodyPr>
+          <a:p>
+            <a:r>
+              <a:rPr b="0" lang="pt-BR" sz="1800" spc="-1" strike="noStrike">
+                <a:latin typeface="Arial"/>
               </a:rPr>
-              <a:t>Os alunos devem ser muito particulares ao traçar esses gráficos. Diagramas de dispersão em estatística e comércio são uma ferramenta vital que requer precisão, pois sua análise depende de tais representações.</a:t>
-            </a:r>
-            <a:endParaRPr b="0" lang="pt-BR" sz="1200" spc="-1" strike="noStrike">
-              <a:latin typeface="Segoe UI"/>
-            </a:endParaRPr>
-          </a:p>
-        </p:txBody>
-      </p:sp>
-    </p:spTree>
-  </p:cSld>
-  <mc:AlternateContent>
-    <mc:Choice Requires="p14">
-      <p:transition spd="slow" p14:dur="2000"/>
-    </mc:Choice>
-    <mc:Fallback>
-      <p:transition spd="slow"/>
-    </mc:Fallback>
-  </mc:AlternateContent>
-</p:sld>
-</file>
-
-<file path=ppt/slides/slide3.xml><?xml version="1.0" encoding="utf-8"?>
-<p:sld xmlns:a="http://schemas.openxmlformats.org/drawingml/2006/main" xmlns:p="http://schemas.openxmlformats.org/presentationml/2006/main" xmlns:r="http://schemas.openxmlformats.org/officeDocument/2006/relationships" xmlns:p14="http://schemas.microsoft.com/office/powerpoint/2010/main" xmlns:p15="http://schemas.microsoft.com/office/powerpoint/2012/main" xmlns:mc="http://schemas.openxmlformats.org/markup-compatibility/2006">
-  <p:cSld>
-    <p:spTree>
-      <p:nvGrpSpPr>
-        <p:cNvPr id="1" name=""/>
-        <p:cNvGrpSpPr/>
-        <p:nvPr/>
-      </p:nvGrpSpPr>
-      <p:grpSpPr>
-        <a:xfrm>
-          <a:off x="0" y="0"/>
-          <a:ext cx="0" cy="0"/>
-          <a:chOff x="0" y="0"/>
-          <a:chExt cx="0" cy="0"/>
-        </a:xfrm>
-      </p:grpSpPr>
-      <p:sp>
-        <p:nvSpPr>
-          <p:cNvPr id="45" name="PlaceHolder 1"/>
-          <p:cNvSpPr>
-            <a:spLocks noGrp="1"/>
-          </p:cNvSpPr>
-          <p:nvPr>
-            <p:ph type="title"/>
-          </p:nvPr>
-        </p:nvSpPr>
-        <p:spPr>
-          <a:xfrm>
-            <a:off x="504000" y="226080"/>
-            <a:ext cx="9071640" cy="946440"/>
-          </a:xfrm>
-          <a:prstGeom prst="rect">
-            <a:avLst/>
-          </a:prstGeom>
-          <a:noFill/>
-          <a:ln w="0">
-            <a:noFill/>
-          </a:ln>
-        </p:spPr>
-        <p:txBody>
-          <a:bodyPr lIns="0" rIns="0" tIns="0" bIns="0" anchor="ctr">
+              <a:t>Dados coletados</a:t>
+            </a:r>
+            <a:endParaRPr b="0" lang="pt-BR" sz="1800" spc="-1" strike="noStrike">
+              <a:latin typeface="Arial"/>
+            </a:endParaRPr>
+          </a:p>
+        </p:txBody>
+      </p:sp>
+      <p:sp>
+        <p:nvSpPr>
+          <p:cNvPr id="122" name=""/>
+          <p:cNvSpPr txBox="1"/>
+          <p:nvPr/>
+        </p:nvSpPr>
+        <p:spPr>
+          <a:xfrm>
+            <a:off x="4140000" y="2160000"/>
+            <a:ext cx="1080000" cy="346320"/>
+          </a:xfrm>
+          <a:prstGeom prst="rect">
+            <a:avLst/>
+          </a:prstGeom>
+          <a:noFill/>
+          <a:ln w="0">
+            <a:noFill/>
+          </a:ln>
+        </p:spPr>
+        <p:txBody>
+          <a:bodyPr lIns="90000" rIns="90000" tIns="45000" bIns="45000" anchor="t">
             <a:noAutofit/>
           </a:bodyPr>
           <a:p>
-            <a:pPr algn="ctr">
-              <a:buNone/>
-            </a:pPr>
-            <a:r>
-              <a:rPr b="1" lang="pt-BR" sz="1400" spc="-1" strike="noStrike">
-                <a:latin typeface="Segoe UI"/>
-                <a:ea typeface="NSimSun"/>
+            <a:r>
+              <a:rPr b="0" lang="pt-BR" sz="1800" spc="-1" strike="noStrike">
+                <a:latin typeface="Arial"/>
               </a:rPr>
-              <a:t>Interpretação do Diagrama de Dispersão</a:t>
-            </a:r>
-            <a:endParaRPr b="0" lang="pt-BR" sz="1400" spc="-1" strike="noStrike">
-              <a:latin typeface="Arial"/>
-            </a:endParaRPr>
-          </a:p>
-        </p:txBody>
-      </p:sp>
-      <p:sp>
-        <p:nvSpPr>
-          <p:cNvPr id="46" name="PlaceHolder 2"/>
-          <p:cNvSpPr>
-            <a:spLocks noGrp="1"/>
-          </p:cNvSpPr>
-          <p:nvPr>
-            <p:ph/>
-          </p:nvPr>
-        </p:nvSpPr>
-        <p:spPr>
-          <a:xfrm>
-            <a:off x="504000" y="1326600"/>
-            <a:ext cx="9071640" cy="3288240"/>
-          </a:xfrm>
-          <a:prstGeom prst="rect">
-            <a:avLst/>
-          </a:prstGeom>
-          <a:noFill/>
-          <a:ln w="0">
-            <a:noFill/>
-          </a:ln>
-        </p:spPr>
-        <p:txBody>
-          <a:bodyPr lIns="0" rIns="0" tIns="0" bIns="0" anchor="t">
-            <a:normAutofit/>
-          </a:bodyPr>
-          <a:p>
-            <a:pPr>
-              <a:lnSpc>
-                <a:spcPct val="115000"/>
-              </a:lnSpc>
-              <a:spcAft>
-                <a:spcPts val="1236"/>
-              </a:spcAft>
-              <a:buNone/>
-            </a:pPr>
-            <a:r>
-              <a:rPr b="0" lang="pt-BR" sz="1200" spc="-1" strike="noStrike">
-                <a:latin typeface="Segoe UI"/>
-              </a:rPr>
-              <a:t>Duas variáveis envolvidas em um estudo são representadas nos eixos X e Y. Essas variáveis podem ser tomadas como variáveis independentes, embora isso torne a segunda variável dependente desta anterior. Correspondentemente, todos esses pontos são plotados no gráfico e sua totalidade é chamada de diagrama de dispersão.</a:t>
-            </a:r>
-            <a:endParaRPr b="0" lang="pt-BR" sz="1200" spc="-1" strike="noStrike">
-              <a:latin typeface="Segoe UI"/>
-            </a:endParaRPr>
-          </a:p>
-          <a:p>
-            <a:pPr>
-              <a:lnSpc>
-                <a:spcPct val="115000"/>
-              </a:lnSpc>
-              <a:spcAft>
-                <a:spcPts val="1236"/>
-              </a:spcAft>
-              <a:buNone/>
-            </a:pPr>
-            <a:r>
-              <a:rPr b="0" lang="pt-BR" sz="1200" spc="-1" strike="noStrike">
-                <a:latin typeface="Segoe UI"/>
-              </a:rPr>
-              <a:t>Depois de traçar todos esses pontos em um gráfico, os perfis gerados desses gráficos de dispersão são usados para desenhar uma extrapolação. Consequentemente, os alunos também podem calcular a correlação do coeficiente desses dados dados usando sua representação plotada. Notavelmente, a correlação do diagrama de dispersão é uma medida quantitativa de variáveis aleatórias e sua associação entre si.</a:t>
-            </a:r>
-            <a:endParaRPr b="0" lang="pt-BR" sz="1200" spc="-1" strike="noStrike">
-              <a:latin typeface="Segoe UI"/>
-            </a:endParaRPr>
-          </a:p>
-        </p:txBody>
-      </p:sp>
-    </p:spTree>
-  </p:cSld>
-  <mc:AlternateContent>
-    <mc:Choice Requires="p14">
-      <p:transition spd="slow" p14:dur="2000"/>
-    </mc:Choice>
-    <mc:Fallback>
-      <p:transition spd="slow"/>
-    </mc:Fallback>
-  </mc:AlternateContent>
-</p:sld>
-</file>
-
-<file path=ppt/slides/slide4.xml><?xml version="1.0" encoding="utf-8"?>
-<p:sld xmlns:a="http://schemas.openxmlformats.org/drawingml/2006/main" xmlns:p="http://schemas.openxmlformats.org/presentationml/2006/main" xmlns:r="http://schemas.openxmlformats.org/officeDocument/2006/relationships" xmlns:p14="http://schemas.microsoft.com/office/powerpoint/2010/main" xmlns:p15="http://schemas.microsoft.com/office/powerpoint/2012/main" xmlns:mc="http://schemas.openxmlformats.org/markup-compatibility/2006">
-  <p:cSld>
-    <p:spTree>
-      <p:nvGrpSpPr>
-        <p:cNvPr id="1" name=""/>
-        <p:cNvGrpSpPr/>
-        <p:nvPr/>
-      </p:nvGrpSpPr>
-      <p:grpSpPr>
-        <a:xfrm>
-          <a:off x="0" y="0"/>
-          <a:ext cx="0" cy="0"/>
-          <a:chOff x="0" y="0"/>
-          <a:chExt cx="0" cy="0"/>
-        </a:xfrm>
-      </p:grpSpPr>
-      <p:sp>
-        <p:nvSpPr>
-          <p:cNvPr id="47" name="PlaceHolder 1"/>
-          <p:cNvSpPr>
-            <a:spLocks noGrp="1"/>
-          </p:cNvSpPr>
-          <p:nvPr>
-            <p:ph type="title"/>
-          </p:nvPr>
-        </p:nvSpPr>
-        <p:spPr>
-          <a:xfrm>
-            <a:off x="504000" y="226080"/>
-            <a:ext cx="9071640" cy="946440"/>
-          </a:xfrm>
-          <a:prstGeom prst="rect">
-            <a:avLst/>
-          </a:prstGeom>
-          <a:noFill/>
-          <a:ln w="0">
-            <a:noFill/>
-          </a:ln>
-        </p:spPr>
-        <p:txBody>
-          <a:bodyPr lIns="0" rIns="0" tIns="0" bIns="0" anchor="ctr">
-            <a:noAutofit/>
-          </a:bodyPr>
-          <a:p>
-            <a:pPr algn="ctr">
-              <a:buNone/>
-            </a:pPr>
-            <a:r>
-              <a:rPr b="1" lang="pt-BR" sz="1400" spc="-1" strike="noStrike">
-                <a:latin typeface="Segoe UI"/>
-                <a:ea typeface="NSimSun"/>
-              </a:rPr>
-              <a:t>Tipos de diagramas de dispersão</a:t>
-            </a:r>
-            <a:endParaRPr b="0" lang="pt-BR" sz="1400" spc="-1" strike="noStrike">
-              <a:latin typeface="Arial"/>
-            </a:endParaRPr>
-          </a:p>
-        </p:txBody>
-      </p:sp>
-      <p:sp>
-        <p:nvSpPr>
-          <p:cNvPr id="48" name="PlaceHolder 2"/>
-          <p:cNvSpPr>
-            <a:spLocks noGrp="1"/>
-          </p:cNvSpPr>
-          <p:nvPr>
-            <p:ph/>
-          </p:nvPr>
-        </p:nvSpPr>
-        <p:spPr>
-          <a:xfrm>
-            <a:off x="504000" y="1326600"/>
-            <a:ext cx="9071640" cy="3288240"/>
-          </a:xfrm>
-          <a:prstGeom prst="rect">
-            <a:avLst/>
-          </a:prstGeom>
-          <a:noFill/>
-          <a:ln w="0">
-            <a:noFill/>
-          </a:ln>
-        </p:spPr>
-        <p:txBody>
-          <a:bodyPr lIns="0" rIns="0" tIns="0" bIns="0" anchor="t">
-            <a:normAutofit/>
-          </a:bodyPr>
-          <a:p>
-            <a:pPr>
-              <a:lnSpc>
-                <a:spcPct val="115000"/>
-              </a:lnSpc>
-              <a:spcAft>
-                <a:spcPts val="1236"/>
-              </a:spcAft>
-              <a:buNone/>
-            </a:pPr>
-            <a:r>
-              <a:rPr b="0" lang="pt-BR" sz="1200" spc="-1" strike="noStrike">
-                <a:latin typeface="Segoe UI"/>
-                <a:ea typeface="NSimSun"/>
-              </a:rPr>
-              <a:t>Ao compreender seus vários tipos, é importante descrever o diagrama de dispersão com exemplos para uma melhor compreensão dos alunos. Notavelmente, embora possa haver muitas representações, cada uma das quais sugere diferentes tipos de correlação, as mais comuns e vitais são explicadas abaixo.</a:t>
-            </a:r>
-            <a:endParaRPr b="0" lang="pt-BR" sz="1200" spc="-1" strike="noStrike">
-              <a:latin typeface="Segoe UI"/>
-            </a:endParaRPr>
-          </a:p>
-        </p:txBody>
-      </p:sp>
-    </p:spTree>
-  </p:cSld>
-  <mc:AlternateContent>
-    <mc:Choice Requires="p14">
-      <p:transition spd="slow" p14:dur="2000"/>
-    </mc:Choice>
-    <mc:Fallback>
-      <p:transition spd="slow"/>
-    </mc:Fallback>
-  </mc:AlternateContent>
-</p:sld>
-</file>
-
-<file path=ppt/slides/slide5.xml><?xml version="1.0" encoding="utf-8"?>
-<p:sld xmlns:a="http://schemas.openxmlformats.org/drawingml/2006/main" xmlns:p="http://schemas.openxmlformats.org/presentationml/2006/main" xmlns:r="http://schemas.openxmlformats.org/officeDocument/2006/relationships" xmlns:p14="http://schemas.microsoft.com/office/powerpoint/2010/main" xmlns:p15="http://schemas.microsoft.com/office/powerpoint/2012/main" xmlns:mc="http://schemas.openxmlformats.org/markup-compatibility/2006">
-  <p:cSld>
-    <p:spTree>
-      <p:nvGrpSpPr>
-        <p:cNvPr id="1" name=""/>
-        <p:cNvGrpSpPr/>
-        <p:nvPr/>
-      </p:nvGrpSpPr>
-      <p:grpSpPr>
-        <a:xfrm>
-          <a:off x="0" y="0"/>
-          <a:ext cx="0" cy="0"/>
-          <a:chOff x="0" y="0"/>
-          <a:chExt cx="0" cy="0"/>
-        </a:xfrm>
-      </p:grpSpPr>
-      <p:sp>
-        <p:nvSpPr>
-          <p:cNvPr id="49" name="PlaceHolder 1"/>
-          <p:cNvSpPr>
-            <a:spLocks noGrp="1"/>
-          </p:cNvSpPr>
-          <p:nvPr>
-            <p:ph type="title"/>
-          </p:nvPr>
-        </p:nvSpPr>
-        <p:spPr>
-          <a:xfrm>
-            <a:off x="504000" y="226080"/>
-            <a:ext cx="9071640" cy="946440"/>
-          </a:xfrm>
-          <a:prstGeom prst="rect">
-            <a:avLst/>
-          </a:prstGeom>
-          <a:noFill/>
-          <a:ln w="0">
-            <a:noFill/>
-          </a:ln>
-        </p:spPr>
-        <p:txBody>
-          <a:bodyPr lIns="0" rIns="0" tIns="0" bIns="0" anchor="ctr">
-            <a:noAutofit/>
-          </a:bodyPr>
-          <a:p>
-            <a:pPr algn="ctr">
-              <a:buNone/>
-            </a:pPr>
-            <a:r>
-              <a:rPr b="1" lang="pt-BR" sz="1400" spc="-1" strike="noStrike">
-                <a:latin typeface="Segoe UI"/>
-                <a:ea typeface="NSimSun"/>
-              </a:rPr>
-              <a:t>Temos 7 tipos de Diagramas de Dispersão (Resumo Breve)</a:t>
-            </a:r>
-            <a:endParaRPr b="0" lang="pt-BR" sz="1400" spc="-1" strike="noStrike">
-              <a:latin typeface="Arial"/>
-            </a:endParaRPr>
-          </a:p>
-        </p:txBody>
-      </p:sp>
-      <p:sp>
-        <p:nvSpPr>
-          <p:cNvPr id="50" name="PlaceHolder 2"/>
-          <p:cNvSpPr>
-            <a:spLocks noGrp="1"/>
-          </p:cNvSpPr>
-          <p:nvPr>
-            <p:ph/>
-          </p:nvPr>
-        </p:nvSpPr>
-        <p:spPr>
-          <a:xfrm>
-            <a:off x="504000" y="1326600"/>
-            <a:ext cx="9071640" cy="3288240"/>
-          </a:xfrm>
-          <a:prstGeom prst="rect">
-            <a:avLst/>
-          </a:prstGeom>
-          <a:noFill/>
-          <a:ln w="0">
-            <a:noFill/>
-          </a:ln>
-        </p:spPr>
-        <p:txBody>
-          <a:bodyPr lIns="0" rIns="0" tIns="0" bIns="0" anchor="t">
-            <a:normAutofit fontScale="80000"/>
-          </a:bodyPr>
-          <a:p>
-            <a:r>
-              <a:rPr b="0" lang="pt-BR" sz="1200" spc="-1" strike="noStrike">
-                <a:latin typeface="Segoe UI"/>
-              </a:rPr>
-              <a:t>1. Correlação Positiva Perfeita: Um diagrama de dispersão é conhecido por ter uma correlação positiva perfeita se todos os pontos plotados estiverem em uma linha reta quando representados em um gráfico.</a:t>
-            </a:r>
-            <a:endParaRPr b="0" lang="pt-BR" sz="1200" spc="-1" strike="noStrike">
-              <a:latin typeface="Segoe UI"/>
-            </a:endParaRPr>
-          </a:p>
-          <a:p>
-            <a:r>
-              <a:rPr b="0" lang="pt-BR" sz="1200" spc="-1" strike="noStrike">
-                <a:latin typeface="Segoe UI"/>
-              </a:rPr>
-              <a:t>2. Correlação Negativa Perfeita: Entre os exemplos de diagramas de dispersão, uma correlação negativa perfeita é recíproca do tipo anterior. Aqui, cada ponto traçado está em uma linha reta, sem exceção também. </a:t>
-            </a:r>
-            <a:endParaRPr b="0" lang="pt-BR" sz="1200" spc="-1" strike="noStrike">
-              <a:latin typeface="Segoe UI"/>
-            </a:endParaRPr>
-          </a:p>
-          <a:p>
-            <a:r>
-              <a:rPr b="0" lang="pt-BR" sz="1200" spc="-1" strike="noStrike">
-                <a:latin typeface="Segoe UI"/>
-              </a:rPr>
-              <a:t>3. Alto Grau de Correlação Positiva: Se um diagrama de dispersão representa um alto grau de correlação positiva, então todos os seus pontos plotados estão aproximadamente ao longo de uma linha reta, mesmo que não criem uma linha claramente.</a:t>
-            </a:r>
-            <a:endParaRPr b="0" lang="pt-BR" sz="1200" spc="-1" strike="noStrike">
-              <a:latin typeface="Segoe UI"/>
-            </a:endParaRPr>
-          </a:p>
-          <a:p>
-            <a:r>
-              <a:rPr b="0" lang="pt-BR" sz="1200" spc="-1" strike="noStrike">
-                <a:latin typeface="Segoe UI"/>
-              </a:rPr>
-              <a:t>4. Alto grau de correlação negativa: Assim como as 2 correlações perfeitas, altos graus de correlação positiva e negativa são recíprocos entre si. Representando o significado e os valores do diagrama de dispersão, no caso de um alto grau de correlação negativa, cada ponto plotado forma uma banda que cai do canto superior esquerdo ao canto inferior direito.</a:t>
-            </a:r>
-            <a:endParaRPr b="0" lang="pt-BR" sz="1200" spc="-1" strike="noStrike">
-              <a:latin typeface="Segoe UI"/>
-            </a:endParaRPr>
-          </a:p>
-          <a:p>
-            <a:r>
-              <a:rPr b="0" lang="pt-BR" sz="1200" spc="-1" strike="noStrike">
-                <a:latin typeface="Segoe UI"/>
-              </a:rPr>
-              <a:t>5. Baixo Grau de Correlação Positiva: Aqui, temo um caso de um baixo grau de correlação, seja ela positiva ou negativa, esses pontos traçados ficam dispersos. </a:t>
-            </a:r>
-            <a:endParaRPr b="0" lang="pt-BR" sz="1200" spc="-1" strike="noStrike">
-              <a:latin typeface="Segoe UI"/>
-            </a:endParaRPr>
-          </a:p>
-          <a:p>
-            <a:r>
-              <a:rPr b="0" lang="pt-BR" sz="1200" spc="-1" strike="noStrike">
-                <a:latin typeface="Segoe UI"/>
-              </a:rPr>
-              <a:t>6. Baixo Grau de Correlação Negativa: Baixos graus de correlação negativa são representados em um gráfico com pontos de dispersão. No entanto, apesar de dispersos, esses pontos têm uma tendência geral de cair do canto superior esquerdo de um gráfico para o canto inferior direito.</a:t>
-            </a:r>
-            <a:endParaRPr b="0" lang="pt-BR" sz="1200" spc="-1" strike="noStrike">
-              <a:latin typeface="Segoe UI"/>
-            </a:endParaRPr>
-          </a:p>
-          <a:p>
-            <a:r>
-              <a:rPr b="0" lang="pt-BR" sz="1200" spc="-1" strike="noStrike">
-                <a:latin typeface="Segoe UI"/>
-              </a:rPr>
-              <a:t>7. Sem Correlação: Enquanto a definição do diagrama de dispersão procura encontrar a correlação entre as variáveis, os alunos devem notar que pode haver representações incoerentes e dispersas. Esta também é uma análise válida, pois mostra que as 2 variáveis ​​dadas não estão correlacionadas. Nesses casos, esses pontos plotados são espalhados aleatoriamente em um gráfico.</a:t>
-            </a:r>
-            <a:endParaRPr b="0" lang="pt-BR" sz="1200" spc="-1" strike="noStrike">
-              <a:latin typeface="Segoe UI"/>
-            </a:endParaRPr>
-          </a:p>
-        </p:txBody>
-      </p:sp>
-    </p:spTree>
-  </p:cSld>
-  <mc:AlternateContent>
-    <mc:Choice Requires="p14">
-      <p:transition spd="slow" p14:dur="2000"/>
-    </mc:Choice>
-    <mc:Fallback>
-      <p:transition spd="slow"/>
-    </mc:Fallback>
-  </mc:AlternateContent>
-</p:sld>
-</file>
-
-<file path=ppt/slides/slide6.xml><?xml version="1.0" encoding="utf-8"?>
-<p:sld xmlns:a="http://schemas.openxmlformats.org/drawingml/2006/main" xmlns:p="http://schemas.openxmlformats.org/presentationml/2006/main" xmlns:r="http://schemas.openxmlformats.org/officeDocument/2006/relationships" xmlns:p14="http://schemas.microsoft.com/office/powerpoint/2010/main" xmlns:p15="http://schemas.microsoft.com/office/powerpoint/2012/main" xmlns:mc="http://schemas.openxmlformats.org/markup-compatibility/2006">
-  <p:cSld>
-    <p:spTree>
-      <p:nvGrpSpPr>
-        <p:cNvPr id="1" name=""/>
-        <p:cNvGrpSpPr/>
-        <p:nvPr/>
-      </p:nvGrpSpPr>
-      <p:grpSpPr>
-        <a:xfrm>
-          <a:off x="0" y="0"/>
-          <a:ext cx="0" cy="0"/>
-          <a:chOff x="0" y="0"/>
-          <a:chExt cx="0" cy="0"/>
-        </a:xfrm>
-      </p:grpSpPr>
-      <p:sp>
-        <p:nvSpPr>
-          <p:cNvPr id="51" name="PlaceHolder 1"/>
-          <p:cNvSpPr>
-            <a:spLocks noGrp="1"/>
-          </p:cNvSpPr>
-          <p:nvPr>
-            <p:ph type="title"/>
-          </p:nvPr>
-        </p:nvSpPr>
-        <p:spPr>
-          <a:xfrm>
-            <a:off x="504000" y="226080"/>
-            <a:ext cx="9071640" cy="946440"/>
-          </a:xfrm>
-          <a:prstGeom prst="rect">
-            <a:avLst/>
-          </a:prstGeom>
-          <a:noFill/>
-          <a:ln w="0">
-            <a:noFill/>
-          </a:ln>
-        </p:spPr>
-        <p:txBody>
-          <a:bodyPr lIns="0" rIns="0" tIns="0" bIns="0" anchor="ctr">
-            <a:noAutofit/>
-          </a:bodyPr>
-          <a:p>
-            <a:pPr algn="ctr">
-              <a:buNone/>
-            </a:pPr>
-            <a:r>
-              <a:rPr b="1" lang="pt-BR" sz="1400" spc="-1" strike="noStrike">
-                <a:latin typeface="Segoe UI"/>
-                <a:ea typeface="Microsoft YaHei"/>
-              </a:rPr>
-              <a:t>Quais são as aplicações do diagrama de dispersão?</a:t>
-            </a:r>
-            <a:endParaRPr b="1" lang="pt-BR" sz="1400" spc="-1" strike="noStrike">
-              <a:latin typeface="Segoe UI"/>
-            </a:endParaRPr>
-          </a:p>
-        </p:txBody>
-      </p:sp>
-      <p:sp>
-        <p:nvSpPr>
-          <p:cNvPr id="52" name="PlaceHolder 2"/>
-          <p:cNvSpPr>
-            <a:spLocks noGrp="1"/>
-          </p:cNvSpPr>
-          <p:nvPr>
-            <p:ph/>
-          </p:nvPr>
-        </p:nvSpPr>
-        <p:spPr>
-          <a:xfrm>
-            <a:off x="504000" y="1326600"/>
-            <a:ext cx="9071640" cy="3288240"/>
-          </a:xfrm>
-          <a:prstGeom prst="rect">
-            <a:avLst/>
-          </a:prstGeom>
-          <a:noFill/>
-          <a:ln w="0">
-            <a:noFill/>
-          </a:ln>
-        </p:spPr>
-        <p:txBody>
-          <a:bodyPr lIns="0" rIns="0" tIns="0" bIns="0" anchor="t">
-            <a:normAutofit fontScale="53000"/>
-          </a:bodyPr>
-          <a:p>
-            <a:r>
-              <a:rPr b="0" lang="pt-BR" sz="2200" spc="-1" strike="noStrike">
-                <a:latin typeface="Segoe UI"/>
-              </a:rPr>
-              <a:t>1° - Apresentação da relação entre quaisquer duas variáveis: </a:t>
-            </a:r>
-            <a:endParaRPr b="0" lang="pt-BR" sz="2200" spc="-1" strike="noStrike">
-              <a:latin typeface="Segoe UI"/>
-            </a:endParaRPr>
-          </a:p>
-          <a:p>
-            <a:r>
-              <a:rPr b="0" lang="pt-BR" sz="2200" spc="-1" strike="noStrike">
-                <a:latin typeface="Segoe UI"/>
-              </a:rPr>
-              <a:t>Um diagrama de dispersão representa essencialmente a relação distinta entre quaisquer duas variáveis. Essa relação pode ser linear ou não linear, positiva ou negativa, forte ou fraca. Tal representação fornece uma observação das duas variáveis que auxilia na análise dos dados através dos pontos de dados ou pontos mostrados no diagrama. </a:t>
-            </a:r>
-            <a:endParaRPr b="0" lang="pt-BR" sz="2200" spc="-1" strike="noStrike">
-              <a:latin typeface="Segoe UI"/>
-            </a:endParaRPr>
-          </a:p>
-          <a:p>
-            <a:endParaRPr b="0" lang="pt-BR" sz="2200" spc="-1" strike="noStrike">
-              <a:latin typeface="Segoe UI"/>
-            </a:endParaRPr>
-          </a:p>
-          <a:p>
-            <a:r>
-              <a:rPr b="0" lang="pt-BR" sz="2200" spc="-1" strike="noStrike">
-                <a:latin typeface="Segoe UI"/>
-              </a:rPr>
-              <a:t>2° - Reconhecendo a relação correlacional: </a:t>
-            </a:r>
-            <a:endParaRPr b="0" lang="pt-BR" sz="2200" spc="-1" strike="noStrike">
-              <a:latin typeface="Segoe UI"/>
-            </a:endParaRPr>
-          </a:p>
-          <a:p>
-            <a:r>
-              <a:rPr b="0" lang="pt-BR" sz="2200" spc="-1" strike="noStrike">
-                <a:latin typeface="Segoe UI"/>
-              </a:rPr>
-              <a:t>Existe uma correlação entre as variáveis independentes presentes no eixo horizontal e as variáveis dependentes presentes no eixo vertical. Essa correlação pode ser identificada e estudada por observadores para derivar um valor provável das variáveis dependentes no eixo vertical.</a:t>
-            </a:r>
-            <a:endParaRPr b="0" lang="pt-BR" sz="2200" spc="-1" strike="noStrike">
-              <a:latin typeface="Segoe UI"/>
-            </a:endParaRPr>
-          </a:p>
-          <a:p>
-            <a:endParaRPr b="0" lang="pt-BR" sz="2200" spc="-1" strike="noStrike">
-              <a:latin typeface="Segoe UI"/>
-            </a:endParaRPr>
-          </a:p>
-          <a:p>
-            <a:r>
-              <a:rPr b="0" lang="pt-BR" sz="2200" spc="-1" strike="noStrike">
-                <a:latin typeface="Segoe UI"/>
-              </a:rPr>
-              <a:t>3° - Observando padrões de dados: </a:t>
-            </a:r>
-            <a:endParaRPr b="0" lang="pt-BR" sz="2200" spc="-1" strike="noStrike">
-              <a:latin typeface="Segoe UI"/>
-            </a:endParaRPr>
-          </a:p>
-          <a:p>
-            <a:r>
-              <a:rPr b="0" lang="pt-BR" sz="2200" spc="-1" strike="noStrike">
-                <a:latin typeface="Segoe UI"/>
-              </a:rPr>
-              <a:t>Dados os vários pontos de dados ou pontos, no diagrama de dispersão o observador pode identificar os padrões comuns e incomuns de dados, seus respectivos valores e os pontos </a:t>
-            </a:r>
-            <a:r>
-              <a:rPr b="1" i="1" lang="pt-BR" sz="2200" spc="-1" strike="noStrike">
-                <a:latin typeface="Segoe UI"/>
-              </a:rPr>
-              <a:t>outliers</a:t>
-            </a:r>
-            <a:r>
-              <a:rPr b="0" lang="pt-BR" sz="2200" spc="-1" strike="noStrike">
-                <a:latin typeface="Segoe UI"/>
-              </a:rPr>
-              <a:t>(pontos distanciados anormais) presentes quando há lacunas de dados.</a:t>
-            </a:r>
-            <a:endParaRPr b="0" lang="pt-BR" sz="2200" spc="-1" strike="noStrike">
-              <a:latin typeface="Segoe UI"/>
-            </a:endParaRPr>
-          </a:p>
-        </p:txBody>
-      </p:sp>
-    </p:spTree>
-  </p:cSld>
-  <mc:AlternateContent>
-    <mc:Choice Requires="p14">
-      <p:transition spd="slow" p14:dur="2000"/>
-    </mc:Choice>
-    <mc:Fallback>
-      <p:transition spd="slow"/>
-    </mc:Fallback>
-  </mc:AlternateContent>
-</p:sld>
-</file>
-
-<file path=ppt/slides/slide7.xml><?xml version="1.0" encoding="utf-8"?>
-<p:sld xmlns:a="http://schemas.openxmlformats.org/drawingml/2006/main" xmlns:p="http://schemas.openxmlformats.org/presentationml/2006/main" xmlns:r="http://schemas.openxmlformats.org/officeDocument/2006/relationships" xmlns:p14="http://schemas.microsoft.com/office/powerpoint/2010/main" xmlns:p15="http://schemas.microsoft.com/office/powerpoint/2012/main" xmlns:mc="http://schemas.openxmlformats.org/markup-compatibility/2006">
-  <p:cSld>
-    <p:spTree>
-      <p:nvGrpSpPr>
-        <p:cNvPr id="1" name=""/>
-        <p:cNvGrpSpPr/>
-        <p:nvPr/>
-      </p:nvGrpSpPr>
-      <p:grpSpPr>
-        <a:xfrm>
-          <a:off x="0" y="0"/>
-          <a:ext cx="0" cy="0"/>
-          <a:chOff x="0" y="0"/>
-          <a:chExt cx="0" cy="0"/>
-        </a:xfrm>
-      </p:grpSpPr>
-      <p:sp>
-        <p:nvSpPr>
-          <p:cNvPr id="53" name="PlaceHolder 1"/>
-          <p:cNvSpPr>
-            <a:spLocks noGrp="1"/>
-          </p:cNvSpPr>
-          <p:nvPr>
-            <p:ph type="title"/>
-          </p:nvPr>
-        </p:nvSpPr>
-        <p:spPr>
-          <a:xfrm>
-            <a:off x="504000" y="0"/>
-            <a:ext cx="9071640" cy="946440"/>
-          </a:xfrm>
-          <a:prstGeom prst="rect">
-            <a:avLst/>
-          </a:prstGeom>
-          <a:noFill/>
-          <a:ln w="0">
-            <a:noFill/>
-          </a:ln>
-        </p:spPr>
-        <p:txBody>
-          <a:bodyPr lIns="0" rIns="0" tIns="0" bIns="0" anchor="ctr">
-            <a:noAutofit/>
-          </a:bodyPr>
-          <a:p>
-            <a:pPr algn="ctr">
-              <a:buNone/>
-            </a:pPr>
-            <a:r>
-              <a:rPr b="1" lang="pt-BR" sz="1400" spc="-1" strike="noStrike">
-                <a:latin typeface="Segoe UI"/>
-                <a:ea typeface="Microsoft YaHei"/>
-              </a:rPr>
-              <a:t>Usando a Linguagem R para demonstrar o Diagrama de Dispersão</a:t>
-            </a:r>
-            <a:br>
-              <a:rPr sz="1400"/>
-            </a:br>
-            <a:br>
-              <a:rPr sz="1400"/>
-            </a:br>
-            <a:r>
-              <a:rPr b="0" lang="pt-BR" sz="1200" spc="-1" strike="noStrike">
-                <a:latin typeface="Segoe UI"/>
-                <a:ea typeface="Microsoft YaHei"/>
-              </a:rPr>
-              <a:t>Aqui já será outra ideia … Salvando os trechos de códigos desenvolvidos</a:t>
-            </a:r>
-            <a:endParaRPr b="1" lang="pt-BR" sz="1200" spc="-1" strike="noStrike">
-              <a:latin typeface="Segoe UI"/>
-            </a:endParaRPr>
-          </a:p>
-        </p:txBody>
-      </p:sp>
-      <p:pic>
-        <p:nvPicPr>
-          <p:cNvPr id="54" name="" descr=""/>
-          <p:cNvPicPr/>
-          <p:nvPr/>
-        </p:nvPicPr>
-        <p:blipFill>
-          <a:blip r:embed="rId1"/>
-          <a:stretch/>
-        </p:blipFill>
-        <p:spPr>
-          <a:xfrm>
-            <a:off x="378000" y="1041840"/>
-            <a:ext cx="3942000" cy="2250000"/>
-          </a:xfrm>
-          <a:prstGeom prst="rect">
-            <a:avLst/>
-          </a:prstGeom>
-          <a:ln w="0">
-            <a:noFill/>
-          </a:ln>
-        </p:spPr>
-      </p:pic>
-      <p:pic>
-        <p:nvPicPr>
-          <p:cNvPr id="55" name="" descr=""/>
-          <p:cNvPicPr/>
-          <p:nvPr/>
-        </p:nvPicPr>
-        <p:blipFill>
-          <a:blip r:embed="rId2"/>
-          <a:stretch/>
-        </p:blipFill>
-        <p:spPr>
-          <a:xfrm>
-            <a:off x="5220000" y="976680"/>
-            <a:ext cx="3943800" cy="2263320"/>
-          </a:xfrm>
-          <a:prstGeom prst="rect">
-            <a:avLst/>
-          </a:prstGeom>
-          <a:ln w="0">
-            <a:noFill/>
-          </a:ln>
-        </p:spPr>
-      </p:pic>
-      <p:pic>
-        <p:nvPicPr>
-          <p:cNvPr id="56" name="" descr=""/>
-          <p:cNvPicPr/>
-          <p:nvPr/>
-        </p:nvPicPr>
-        <p:blipFill>
-          <a:blip r:embed="rId3"/>
-          <a:stretch/>
-        </p:blipFill>
-        <p:spPr>
-          <a:xfrm>
-            <a:off x="366480" y="3477240"/>
-            <a:ext cx="3953520" cy="2102760"/>
-          </a:xfrm>
-          <a:prstGeom prst="rect">
-            <a:avLst/>
-          </a:prstGeom>
-          <a:ln w="0">
-            <a:noFill/>
-          </a:ln>
-        </p:spPr>
-      </p:pic>
-      <p:pic>
-        <p:nvPicPr>
-          <p:cNvPr id="57" name="" descr=""/>
-          <p:cNvPicPr/>
-          <p:nvPr/>
-        </p:nvPicPr>
-        <p:blipFill>
-          <a:blip r:embed="rId4"/>
-          <a:stretch/>
-        </p:blipFill>
-        <p:spPr>
-          <a:xfrm>
-            <a:off x="5220000" y="3420000"/>
-            <a:ext cx="3960000" cy="2160000"/>
-          </a:xfrm>
-          <a:prstGeom prst="rect">
-            <a:avLst/>
-          </a:prstGeom>
-          <a:ln w="0">
-            <a:noFill/>
-          </a:ln>
-        </p:spPr>
-      </p:pic>
-      <p:sp>
-        <p:nvSpPr>
-          <p:cNvPr id="58" name=""/>
+              <a:t>Código</a:t>
+            </a:r>
+            <a:endParaRPr b="0" lang="pt-BR" sz="1800" spc="-1" strike="noStrike">
+              <a:latin typeface="Arial"/>
+            </a:endParaRPr>
+          </a:p>
+        </p:txBody>
+      </p:sp>
+      <p:sp>
+        <p:nvSpPr>
+          <p:cNvPr id="123" name=""/>
           <p:cNvSpPr/>
           <p:nvPr/>
         </p:nvSpPr>
         <p:spPr>
           <a:xfrm>
-            <a:off x="4500000" y="2160000"/>
-            <a:ext cx="540000" cy="180000"/>
+            <a:off x="6300000" y="3780000"/>
+            <a:ext cx="540000" cy="360000"/>
           </a:xfrm>
           <a:custGeom>
             <a:avLst/>
@@ -3911,14 +5826,1490 @@
       </p:sp>
       <p:sp>
         <p:nvSpPr>
-          <p:cNvPr id="59" name=""/>
+          <p:cNvPr id="124" name=""/>
+          <p:cNvSpPr txBox="1"/>
+          <p:nvPr/>
+        </p:nvSpPr>
+        <p:spPr>
+          <a:xfrm>
+            <a:off x="7560000" y="2160000"/>
+            <a:ext cx="1440000" cy="346320"/>
+          </a:xfrm>
+          <a:prstGeom prst="rect">
+            <a:avLst/>
+          </a:prstGeom>
+          <a:noFill/>
+          <a:ln w="0">
+            <a:noFill/>
+          </a:ln>
+        </p:spPr>
+        <p:txBody>
+          <a:bodyPr lIns="90000" rIns="90000" tIns="45000" bIns="45000" anchor="t">
+            <a:noAutofit/>
+          </a:bodyPr>
+          <a:p>
+            <a:r>
+              <a:rPr b="0" lang="pt-BR" sz="1800" spc="-1" strike="noStrike">
+                <a:latin typeface="Arial"/>
+              </a:rPr>
+              <a:t>Resultado</a:t>
+            </a:r>
+            <a:endParaRPr b="0" lang="pt-BR" sz="1800" spc="-1" strike="noStrike">
+              <a:latin typeface="Arial"/>
+            </a:endParaRPr>
+          </a:p>
+        </p:txBody>
+      </p:sp>
+      <p:pic>
+        <p:nvPicPr>
+          <p:cNvPr id="125" name="" descr=""/>
+          <p:cNvPicPr/>
+          <p:nvPr/>
+        </p:nvPicPr>
+        <p:blipFill>
+          <a:blip r:embed="rId1"/>
+          <a:srcRect l="23217" t="31797" r="41063" b="14233"/>
+          <a:stretch/>
+        </p:blipFill>
+        <p:spPr>
+          <a:xfrm>
+            <a:off x="180000" y="2506320"/>
+            <a:ext cx="2700000" cy="3059640"/>
+          </a:xfrm>
+          <a:prstGeom prst="rect">
+            <a:avLst/>
+          </a:prstGeom>
+          <a:ln w="0">
+            <a:noFill/>
+          </a:ln>
+        </p:spPr>
+      </p:pic>
+      <p:pic>
+        <p:nvPicPr>
+          <p:cNvPr id="126" name="" descr=""/>
+          <p:cNvPicPr/>
+          <p:nvPr/>
+        </p:nvPicPr>
+        <p:blipFill>
+          <a:blip r:embed="rId2"/>
+          <a:stretch/>
+        </p:blipFill>
+        <p:spPr>
+          <a:xfrm>
+            <a:off x="3224520" y="2520000"/>
+            <a:ext cx="2895480" cy="3010680"/>
+          </a:xfrm>
+          <a:prstGeom prst="rect">
+            <a:avLst/>
+          </a:prstGeom>
+          <a:ln w="0">
+            <a:noFill/>
+          </a:ln>
+        </p:spPr>
+      </p:pic>
+      <p:pic>
+        <p:nvPicPr>
+          <p:cNvPr id="127" name="" descr=""/>
+          <p:cNvPicPr/>
+          <p:nvPr/>
+        </p:nvPicPr>
+        <p:blipFill>
+          <a:blip r:embed="rId3"/>
+          <a:stretch/>
+        </p:blipFill>
+        <p:spPr>
+          <a:xfrm>
+            <a:off x="7020000" y="2650680"/>
+            <a:ext cx="2880000" cy="2880000"/>
+          </a:xfrm>
+          <a:prstGeom prst="rect">
+            <a:avLst/>
+          </a:prstGeom>
+          <a:ln w="0">
+            <a:noFill/>
+          </a:ln>
+        </p:spPr>
+      </p:pic>
+    </p:spTree>
+  </p:cSld>
+  <mc:AlternateContent>
+    <mc:Choice Requires="p14">
+      <p:transition spd="slow" p14:dur="2000"/>
+    </mc:Choice>
+    <mc:Fallback>
+      <p:transition spd="slow"/>
+    </mc:Fallback>
+  </mc:AlternateContent>
+</p:sld>
+</file>
+
+<file path=ppt/slides/slide11.xml><?xml version="1.0" encoding="utf-8"?>
+<p:sld xmlns:a="http://schemas.openxmlformats.org/drawingml/2006/main" xmlns:p="http://schemas.openxmlformats.org/presentationml/2006/main" xmlns:r="http://schemas.openxmlformats.org/officeDocument/2006/relationships" xmlns:p14="http://schemas.microsoft.com/office/powerpoint/2010/main" xmlns:p15="http://schemas.microsoft.com/office/powerpoint/2012/main" xmlns:mc="http://schemas.openxmlformats.org/markup-compatibility/2006">
+  <p:cSld>
+    <p:spTree>
+      <p:nvGrpSpPr>
+        <p:cNvPr id="1" name=""/>
+        <p:cNvGrpSpPr/>
+        <p:nvPr/>
+      </p:nvGrpSpPr>
+      <p:grpSpPr>
+        <a:xfrm>
+          <a:off x="0" y="0"/>
+          <a:ext cx="0" cy="0"/>
+          <a:chOff x="0" y="0"/>
+          <a:chExt cx="0" cy="0"/>
+        </a:xfrm>
+      </p:grpSpPr>
+      <p:sp>
+        <p:nvSpPr>
+          <p:cNvPr id="128" name="PlaceHolder 1"/>
+          <p:cNvSpPr>
+            <a:spLocks noGrp="1"/>
+          </p:cNvSpPr>
+          <p:nvPr>
+            <p:ph type="title"/>
+          </p:nvPr>
+        </p:nvSpPr>
+        <p:spPr>
+          <a:xfrm>
+            <a:off x="504000" y="226080"/>
+            <a:ext cx="9071280" cy="946080"/>
+          </a:xfrm>
+          <a:prstGeom prst="rect">
+            <a:avLst/>
+          </a:prstGeom>
+          <a:noFill/>
+          <a:ln w="0">
+            <a:noFill/>
+          </a:ln>
+        </p:spPr>
+        <p:txBody>
+          <a:bodyPr lIns="0" rIns="0" tIns="0" bIns="0" anchor="ctr">
+            <a:noAutofit/>
+          </a:bodyPr>
+          <a:p>
+            <a:pPr algn="ctr">
+              <a:lnSpc>
+                <a:spcPct val="100000"/>
+              </a:lnSpc>
+              <a:buNone/>
+            </a:pPr>
+            <a:r>
+              <a:rPr b="0" lang="pt-BR" sz="2200" spc="-1" strike="noStrike">
+                <a:latin typeface="Arial"/>
+              </a:rPr>
+              <a:t>Referências Bibliográficas</a:t>
+            </a:r>
+            <a:endParaRPr b="0" lang="pt-BR" sz="2200" spc="-1" strike="noStrike">
+              <a:latin typeface="Arial"/>
+            </a:endParaRPr>
+          </a:p>
+        </p:txBody>
+      </p:sp>
+      <p:sp>
+        <p:nvSpPr>
+          <p:cNvPr id="129" name="PlaceHolder 2"/>
+          <p:cNvSpPr>
+            <a:spLocks noGrp="1"/>
+          </p:cNvSpPr>
+          <p:nvPr>
+            <p:ph/>
+          </p:nvPr>
+        </p:nvSpPr>
+        <p:spPr>
+          <a:xfrm>
+            <a:off x="504000" y="1326600"/>
+            <a:ext cx="9071280" cy="3287880"/>
+          </a:xfrm>
+          <a:prstGeom prst="rect">
+            <a:avLst/>
+          </a:prstGeom>
+          <a:noFill/>
+          <a:ln w="0">
+            <a:noFill/>
+          </a:ln>
+        </p:spPr>
+        <p:txBody>
+          <a:bodyPr lIns="0" rIns="0" tIns="0" bIns="0" anchor="t">
+            <a:normAutofit/>
+          </a:bodyPr>
+          <a:p>
+            <a:pPr>
+              <a:lnSpc>
+                <a:spcPct val="100000"/>
+              </a:lnSpc>
+              <a:buNone/>
+            </a:pPr>
+            <a:r>
+              <a:rPr b="0" lang="pt-BR" sz="2200" spc="-1" strike="noStrike" u="sng">
+                <a:solidFill>
+                  <a:srgbClr val="0000ff"/>
+                </a:solidFill>
+                <a:uFillTx/>
+                <a:latin typeface="Segoe UI"/>
+                <a:hlinkClick r:id="rId1"/>
+              </a:rPr>
+              <a:t>Scatter Diagram - Introduction, Interpretation and Types (vedantu.com)</a:t>
+            </a:r>
+            <a:r>
+              <a:rPr b="0" lang="pt-BR" sz="2200" spc="-1" strike="noStrike">
+                <a:latin typeface="Segoe UI"/>
+              </a:rPr>
+              <a:t>  </a:t>
+            </a:r>
+            <a:endParaRPr b="0" lang="pt-BR" sz="2200" spc="-1" strike="noStrike">
+              <a:latin typeface="Arial"/>
+            </a:endParaRPr>
+          </a:p>
+          <a:p>
+            <a:pPr>
+              <a:lnSpc>
+                <a:spcPct val="100000"/>
+              </a:lnSpc>
+              <a:buNone/>
+            </a:pPr>
+            <a:r>
+              <a:rPr b="0" lang="pt-BR" sz="2200" spc="-1" strike="noStrike" u="sng">
+                <a:solidFill>
+                  <a:srgbClr val="0000ff"/>
+                </a:solidFill>
+                <a:uFillTx/>
+                <a:latin typeface="Segoe UI"/>
+                <a:hlinkClick r:id="rId2"/>
+              </a:rPr>
+              <a:t>SCATTER PLOT in R programming 🟢 [WITH EXAMPLES] (r-coder.com)</a:t>
+            </a:r>
+            <a:endParaRPr b="0" lang="pt-BR" sz="2200" spc="-1" strike="noStrike">
+              <a:latin typeface="Arial"/>
+            </a:endParaRPr>
+          </a:p>
+          <a:p>
+            <a:pPr>
+              <a:lnSpc>
+                <a:spcPct val="100000"/>
+              </a:lnSpc>
+              <a:buNone/>
+            </a:pPr>
+            <a:r>
+              <a:rPr b="0" lang="pt-BR" sz="2200" spc="-1" strike="noStrike" u="sng">
+                <a:solidFill>
+                  <a:srgbClr val="0000ff"/>
+                </a:solidFill>
+                <a:uFillTx/>
+                <a:latin typeface="Segoe UI"/>
+                <a:hlinkClick r:id="rId3"/>
+              </a:rPr>
+              <a:t>https://ppcexpo.com/blog/scatter-plot-examples</a:t>
+            </a:r>
+            <a:endParaRPr b="0" lang="pt-BR" sz="2200" spc="-1" strike="noStrike">
+              <a:latin typeface="Arial"/>
+            </a:endParaRPr>
+          </a:p>
+        </p:txBody>
+      </p:sp>
+    </p:spTree>
+  </p:cSld>
+  <mc:AlternateContent>
+    <mc:Choice Requires="p14">
+      <p:transition spd="slow" p14:dur="2000"/>
+    </mc:Choice>
+    <mc:Fallback>
+      <p:transition spd="slow"/>
+    </mc:Fallback>
+  </mc:AlternateContent>
+</p:sld>
+</file>
+
+<file path=ppt/slides/slide2.xml><?xml version="1.0" encoding="utf-8"?>
+<p:sld xmlns:a="http://schemas.openxmlformats.org/drawingml/2006/main" xmlns:p="http://schemas.openxmlformats.org/presentationml/2006/main" xmlns:r="http://schemas.openxmlformats.org/officeDocument/2006/relationships" xmlns:p14="http://schemas.microsoft.com/office/powerpoint/2010/main" xmlns:p15="http://schemas.microsoft.com/office/powerpoint/2012/main" xmlns:mc="http://schemas.openxmlformats.org/markup-compatibility/2006">
+  <p:cSld>
+    <p:spTree>
+      <p:nvGrpSpPr>
+        <p:cNvPr id="1" name=""/>
+        <p:cNvGrpSpPr/>
+        <p:nvPr/>
+      </p:nvGrpSpPr>
+      <p:grpSpPr>
+        <a:xfrm>
+          <a:off x="0" y="0"/>
+          <a:ext cx="0" cy="0"/>
+          <a:chOff x="0" y="0"/>
+          <a:chExt cx="0" cy="0"/>
+        </a:xfrm>
+      </p:grpSpPr>
+      <p:sp>
+        <p:nvSpPr>
+          <p:cNvPr id="84" name="PlaceHolder 1"/>
+          <p:cNvSpPr>
+            <a:spLocks noGrp="1"/>
+          </p:cNvSpPr>
+          <p:nvPr>
+            <p:ph type="title"/>
+          </p:nvPr>
+        </p:nvSpPr>
+        <p:spPr>
+          <a:xfrm>
+            <a:off x="504000" y="226080"/>
+            <a:ext cx="9071280" cy="946080"/>
+          </a:xfrm>
+          <a:prstGeom prst="rect">
+            <a:avLst/>
+          </a:prstGeom>
+          <a:noFill/>
+          <a:ln w="0">
+            <a:noFill/>
+          </a:ln>
+        </p:spPr>
+        <p:txBody>
+          <a:bodyPr lIns="0" rIns="0" tIns="0" bIns="0" anchor="ctr">
+            <a:noAutofit/>
+          </a:bodyPr>
+          <a:p>
+            <a:pPr algn="ctr">
+              <a:lnSpc>
+                <a:spcPct val="100000"/>
+              </a:lnSpc>
+              <a:buNone/>
+            </a:pPr>
+            <a:r>
+              <a:rPr b="1" lang="pt-BR" sz="1400" spc="-1" strike="noStrike">
+                <a:latin typeface="Segoe UI"/>
+                <a:ea typeface="NSimSun"/>
+              </a:rPr>
+              <a:t>O conteúdo do diagrama de dispersão</a:t>
+            </a:r>
+            <a:endParaRPr b="0" lang="pt-BR" sz="1400" spc="-1" strike="noStrike">
+              <a:latin typeface="Arial"/>
+            </a:endParaRPr>
+          </a:p>
+        </p:txBody>
+      </p:sp>
+      <p:sp>
+        <p:nvSpPr>
+          <p:cNvPr id="85" name="PlaceHolder 2"/>
+          <p:cNvSpPr>
+            <a:spLocks noGrp="1"/>
+          </p:cNvSpPr>
+          <p:nvPr>
+            <p:ph/>
+          </p:nvPr>
+        </p:nvSpPr>
+        <p:spPr>
+          <a:xfrm>
+            <a:off x="504000" y="1326600"/>
+            <a:ext cx="9071280" cy="3287880"/>
+          </a:xfrm>
+          <a:prstGeom prst="rect">
+            <a:avLst/>
+          </a:prstGeom>
+          <a:noFill/>
+          <a:ln w="0">
+            <a:noFill/>
+          </a:ln>
+        </p:spPr>
+        <p:txBody>
+          <a:bodyPr lIns="0" rIns="0" tIns="0" bIns="0" anchor="t">
+            <a:normAutofit/>
+          </a:bodyPr>
+          <a:p>
+            <a:pPr>
+              <a:lnSpc>
+                <a:spcPct val="115000"/>
+              </a:lnSpc>
+              <a:spcAft>
+                <a:spcPts val="1236"/>
+              </a:spcAft>
+              <a:buNone/>
+            </a:pPr>
+            <a:r>
+              <a:rPr b="0" lang="pt-BR" sz="1200" spc="-1" strike="noStrike">
+                <a:latin typeface="Segoe UI"/>
+              </a:rPr>
+              <a:t>O método do diagrama de dispersão é uma representação simples que é popularmente usada em comércio e estatística para encontrar a correlação entre duas variáveis. Essas duas variáveis são plotadas ao longo dos eixos X e Y em um gráfico bidimensional e o padrão representa a associação entre essas variáveis dadas. O estudo de tal representação gráfica envolvendo duas variáveis e usando tal diagrama é conhecido como análise de diagrama de dispersão.</a:t>
+            </a:r>
+            <a:endParaRPr b="0" lang="pt-BR" sz="1200" spc="-1" strike="noStrike">
+              <a:latin typeface="Arial"/>
+            </a:endParaRPr>
+          </a:p>
+          <a:p>
+            <a:pPr>
+              <a:lnSpc>
+                <a:spcPct val="115000"/>
+              </a:lnSpc>
+              <a:spcAft>
+                <a:spcPts val="1236"/>
+              </a:spcAft>
+              <a:buNone/>
+            </a:pPr>
+            <a:r>
+              <a:rPr b="0" lang="pt-BR" sz="1200" spc="-1" strike="noStrike">
+                <a:latin typeface="Segoe UI"/>
+              </a:rPr>
+              <a:t>Os alunos devem ser muito particulares ao traçar esses gráficos. Diagramas de dispersão em estatística e comércio são uma ferramenta vital que requer precisão, pois sua análise depende de tais representações.</a:t>
+            </a:r>
+            <a:endParaRPr b="0" lang="pt-BR" sz="1200" spc="-1" strike="noStrike">
+              <a:latin typeface="Arial"/>
+            </a:endParaRPr>
+          </a:p>
+        </p:txBody>
+      </p:sp>
+    </p:spTree>
+  </p:cSld>
+  <mc:AlternateContent>
+    <mc:Choice Requires="p14">
+      <p:transition spd="slow" p14:dur="2000"/>
+    </mc:Choice>
+    <mc:Fallback>
+      <p:transition spd="slow"/>
+    </mc:Fallback>
+  </mc:AlternateContent>
+</p:sld>
+</file>
+
+<file path=ppt/slides/slide3.xml><?xml version="1.0" encoding="utf-8"?>
+<p:sld xmlns:a="http://schemas.openxmlformats.org/drawingml/2006/main" xmlns:p="http://schemas.openxmlformats.org/presentationml/2006/main" xmlns:r="http://schemas.openxmlformats.org/officeDocument/2006/relationships" xmlns:p14="http://schemas.microsoft.com/office/powerpoint/2010/main" xmlns:p15="http://schemas.microsoft.com/office/powerpoint/2012/main" xmlns:mc="http://schemas.openxmlformats.org/markup-compatibility/2006">
+  <p:cSld>
+    <p:spTree>
+      <p:nvGrpSpPr>
+        <p:cNvPr id="1" name=""/>
+        <p:cNvGrpSpPr/>
+        <p:nvPr/>
+      </p:nvGrpSpPr>
+      <p:grpSpPr>
+        <a:xfrm>
+          <a:off x="0" y="0"/>
+          <a:ext cx="0" cy="0"/>
+          <a:chOff x="0" y="0"/>
+          <a:chExt cx="0" cy="0"/>
+        </a:xfrm>
+      </p:grpSpPr>
+      <p:sp>
+        <p:nvSpPr>
+          <p:cNvPr id="86" name="PlaceHolder 1"/>
+          <p:cNvSpPr>
+            <a:spLocks noGrp="1"/>
+          </p:cNvSpPr>
+          <p:nvPr>
+            <p:ph type="title"/>
+          </p:nvPr>
+        </p:nvSpPr>
+        <p:spPr>
+          <a:xfrm>
+            <a:off x="504000" y="226080"/>
+            <a:ext cx="9071280" cy="946080"/>
+          </a:xfrm>
+          <a:prstGeom prst="rect">
+            <a:avLst/>
+          </a:prstGeom>
+          <a:noFill/>
+          <a:ln w="0">
+            <a:noFill/>
+          </a:ln>
+        </p:spPr>
+        <p:txBody>
+          <a:bodyPr lIns="0" rIns="0" tIns="0" bIns="0" anchor="ctr">
+            <a:noAutofit/>
+          </a:bodyPr>
+          <a:p>
+            <a:pPr algn="ctr">
+              <a:lnSpc>
+                <a:spcPct val="100000"/>
+              </a:lnSpc>
+              <a:buNone/>
+            </a:pPr>
+            <a:r>
+              <a:rPr b="1" lang="pt-BR" sz="1400" spc="-1" strike="noStrike">
+                <a:latin typeface="Segoe UI"/>
+                <a:ea typeface="NSimSun"/>
+              </a:rPr>
+              <a:t>Interpretação do Diagrama de Dispersão</a:t>
+            </a:r>
+            <a:endParaRPr b="0" lang="pt-BR" sz="1400" spc="-1" strike="noStrike">
+              <a:latin typeface="Arial"/>
+            </a:endParaRPr>
+          </a:p>
+        </p:txBody>
+      </p:sp>
+      <p:sp>
+        <p:nvSpPr>
+          <p:cNvPr id="87" name="PlaceHolder 2"/>
+          <p:cNvSpPr>
+            <a:spLocks noGrp="1"/>
+          </p:cNvSpPr>
+          <p:nvPr>
+            <p:ph/>
+          </p:nvPr>
+        </p:nvSpPr>
+        <p:spPr>
+          <a:xfrm>
+            <a:off x="504000" y="1326600"/>
+            <a:ext cx="9071280" cy="3287880"/>
+          </a:xfrm>
+          <a:prstGeom prst="rect">
+            <a:avLst/>
+          </a:prstGeom>
+          <a:noFill/>
+          <a:ln w="0">
+            <a:noFill/>
+          </a:ln>
+        </p:spPr>
+        <p:txBody>
+          <a:bodyPr lIns="0" rIns="0" tIns="0" bIns="0" anchor="t">
+            <a:normAutofit/>
+          </a:bodyPr>
+          <a:p>
+            <a:pPr>
+              <a:lnSpc>
+                <a:spcPct val="115000"/>
+              </a:lnSpc>
+              <a:spcAft>
+                <a:spcPts val="1236"/>
+              </a:spcAft>
+              <a:buNone/>
+            </a:pPr>
+            <a:r>
+              <a:rPr b="0" lang="pt-BR" sz="1200" spc="-1" strike="noStrike">
+                <a:latin typeface="Segoe UI"/>
+              </a:rPr>
+              <a:t>Duas variáveis envolvidas em um estudo são representadas nos eixos X e Y. Essas variáveis podem ser tomadas como variáveis independentes, embora isso torne a segunda variável dependente desta anterior. Correspondentemente, todos esses pontos são plotados no gráfico e sua totalidade é chamada de diagrama de dispersão.</a:t>
+            </a:r>
+            <a:endParaRPr b="0" lang="pt-BR" sz="1200" spc="-1" strike="noStrike">
+              <a:latin typeface="Arial"/>
+            </a:endParaRPr>
+          </a:p>
+          <a:p>
+            <a:pPr>
+              <a:lnSpc>
+                <a:spcPct val="115000"/>
+              </a:lnSpc>
+              <a:spcAft>
+                <a:spcPts val="1236"/>
+              </a:spcAft>
+              <a:buNone/>
+            </a:pPr>
+            <a:r>
+              <a:rPr b="0" lang="pt-BR" sz="1200" spc="-1" strike="noStrike">
+                <a:latin typeface="Segoe UI"/>
+              </a:rPr>
+              <a:t>Depois de traçar todos esses pontos em um gráfico, os perfis gerados desses gráficos de dispersão são usados para desenhar uma extrapolação. Consequentemente, os alunos também podem calcular a correlação do coeficiente desses dados dados usando sua representação plotada. Notavelmente, a correlação do diagrama de dispersão é uma medida quantitativa de variáveis aleatórias e sua associação entre si.</a:t>
+            </a:r>
+            <a:endParaRPr b="0" lang="pt-BR" sz="1200" spc="-1" strike="noStrike">
+              <a:latin typeface="Arial"/>
+            </a:endParaRPr>
+          </a:p>
+        </p:txBody>
+      </p:sp>
+    </p:spTree>
+  </p:cSld>
+  <mc:AlternateContent>
+    <mc:Choice Requires="p14">
+      <p:transition spd="slow" p14:dur="2000"/>
+    </mc:Choice>
+    <mc:Fallback>
+      <p:transition spd="slow"/>
+    </mc:Fallback>
+  </mc:AlternateContent>
+</p:sld>
+</file>
+
+<file path=ppt/slides/slide4.xml><?xml version="1.0" encoding="utf-8"?>
+<p:sld xmlns:a="http://schemas.openxmlformats.org/drawingml/2006/main" xmlns:p="http://schemas.openxmlformats.org/presentationml/2006/main" xmlns:r="http://schemas.openxmlformats.org/officeDocument/2006/relationships" xmlns:p14="http://schemas.microsoft.com/office/powerpoint/2010/main" xmlns:p15="http://schemas.microsoft.com/office/powerpoint/2012/main" xmlns:mc="http://schemas.openxmlformats.org/markup-compatibility/2006">
+  <p:cSld>
+    <p:spTree>
+      <p:nvGrpSpPr>
+        <p:cNvPr id="1" name=""/>
+        <p:cNvGrpSpPr/>
+        <p:nvPr/>
+      </p:nvGrpSpPr>
+      <p:grpSpPr>
+        <a:xfrm>
+          <a:off x="0" y="0"/>
+          <a:ext cx="0" cy="0"/>
+          <a:chOff x="0" y="0"/>
+          <a:chExt cx="0" cy="0"/>
+        </a:xfrm>
+      </p:grpSpPr>
+      <p:sp>
+        <p:nvSpPr>
+          <p:cNvPr id="88" name="PlaceHolder 1"/>
+          <p:cNvSpPr>
+            <a:spLocks noGrp="1"/>
+          </p:cNvSpPr>
+          <p:nvPr>
+            <p:ph type="title"/>
+          </p:nvPr>
+        </p:nvSpPr>
+        <p:spPr>
+          <a:xfrm>
+            <a:off x="504000" y="226080"/>
+            <a:ext cx="9071280" cy="946080"/>
+          </a:xfrm>
+          <a:prstGeom prst="rect">
+            <a:avLst/>
+          </a:prstGeom>
+          <a:noFill/>
+          <a:ln w="0">
+            <a:noFill/>
+          </a:ln>
+        </p:spPr>
+        <p:txBody>
+          <a:bodyPr lIns="0" rIns="0" tIns="0" bIns="0" anchor="ctr">
+            <a:noAutofit/>
+          </a:bodyPr>
+          <a:p>
+            <a:pPr algn="ctr">
+              <a:lnSpc>
+                <a:spcPct val="100000"/>
+              </a:lnSpc>
+              <a:buNone/>
+            </a:pPr>
+            <a:r>
+              <a:rPr b="1" lang="pt-BR" sz="1400" spc="-1" strike="noStrike">
+                <a:latin typeface="Segoe UI"/>
+                <a:ea typeface="NSimSun"/>
+              </a:rPr>
+              <a:t>Tipos de diagramas de dispersão</a:t>
+            </a:r>
+            <a:endParaRPr b="0" lang="pt-BR" sz="1400" spc="-1" strike="noStrike">
+              <a:latin typeface="Arial"/>
+            </a:endParaRPr>
+          </a:p>
+        </p:txBody>
+      </p:sp>
+      <p:sp>
+        <p:nvSpPr>
+          <p:cNvPr id="89" name="PlaceHolder 2"/>
+          <p:cNvSpPr>
+            <a:spLocks noGrp="1"/>
+          </p:cNvSpPr>
+          <p:nvPr>
+            <p:ph/>
+          </p:nvPr>
+        </p:nvSpPr>
+        <p:spPr>
+          <a:xfrm>
+            <a:off x="504000" y="1326600"/>
+            <a:ext cx="9071280" cy="3287880"/>
+          </a:xfrm>
+          <a:prstGeom prst="rect">
+            <a:avLst/>
+          </a:prstGeom>
+          <a:noFill/>
+          <a:ln w="0">
+            <a:noFill/>
+          </a:ln>
+        </p:spPr>
+        <p:txBody>
+          <a:bodyPr lIns="0" rIns="0" tIns="0" bIns="0" anchor="t">
+            <a:normAutofit/>
+          </a:bodyPr>
+          <a:p>
+            <a:pPr>
+              <a:lnSpc>
+                <a:spcPct val="115000"/>
+              </a:lnSpc>
+              <a:spcAft>
+                <a:spcPts val="1236"/>
+              </a:spcAft>
+              <a:buNone/>
+            </a:pPr>
+            <a:r>
+              <a:rPr b="0" lang="pt-BR" sz="1200" spc="-1" strike="noStrike">
+                <a:latin typeface="Segoe UI"/>
+                <a:ea typeface="NSimSun"/>
+              </a:rPr>
+              <a:t>Ao compreender seus vários tipos, é importante descrever o diagrama de dispersão com exemplos para uma melhor compreensão dos alunos. Notavelmente, embora possa haver muitas representações, cada uma das quais sugere diferentes tipos de correlação, as mais comuns e vitais são explicadas abaixo.</a:t>
+            </a:r>
+            <a:endParaRPr b="0" lang="pt-BR" sz="1200" spc="-1" strike="noStrike">
+              <a:latin typeface="Arial"/>
+            </a:endParaRPr>
+          </a:p>
+        </p:txBody>
+      </p:sp>
+    </p:spTree>
+  </p:cSld>
+  <mc:AlternateContent>
+    <mc:Choice Requires="p14">
+      <p:transition spd="slow" p14:dur="2000"/>
+    </mc:Choice>
+    <mc:Fallback>
+      <p:transition spd="slow"/>
+    </mc:Fallback>
+  </mc:AlternateContent>
+</p:sld>
+</file>
+
+<file path=ppt/slides/slide5.xml><?xml version="1.0" encoding="utf-8"?>
+<p:sld xmlns:a="http://schemas.openxmlformats.org/drawingml/2006/main" xmlns:p="http://schemas.openxmlformats.org/presentationml/2006/main" xmlns:r="http://schemas.openxmlformats.org/officeDocument/2006/relationships" xmlns:p14="http://schemas.microsoft.com/office/powerpoint/2010/main" xmlns:p15="http://schemas.microsoft.com/office/powerpoint/2012/main" xmlns:mc="http://schemas.openxmlformats.org/markup-compatibility/2006">
+  <p:cSld>
+    <p:spTree>
+      <p:nvGrpSpPr>
+        <p:cNvPr id="1" name=""/>
+        <p:cNvGrpSpPr/>
+        <p:nvPr/>
+      </p:nvGrpSpPr>
+      <p:grpSpPr>
+        <a:xfrm>
+          <a:off x="0" y="0"/>
+          <a:ext cx="0" cy="0"/>
+          <a:chOff x="0" y="0"/>
+          <a:chExt cx="0" cy="0"/>
+        </a:xfrm>
+      </p:grpSpPr>
+      <p:sp>
+        <p:nvSpPr>
+          <p:cNvPr id="90" name="PlaceHolder 1"/>
+          <p:cNvSpPr>
+            <a:spLocks noGrp="1"/>
+          </p:cNvSpPr>
+          <p:nvPr>
+            <p:ph type="title"/>
+          </p:nvPr>
+        </p:nvSpPr>
+        <p:spPr>
+          <a:xfrm>
+            <a:off x="504000" y="226080"/>
+            <a:ext cx="9071280" cy="946080"/>
+          </a:xfrm>
+          <a:prstGeom prst="rect">
+            <a:avLst/>
+          </a:prstGeom>
+          <a:noFill/>
+          <a:ln w="0">
+            <a:noFill/>
+          </a:ln>
+        </p:spPr>
+        <p:txBody>
+          <a:bodyPr lIns="0" rIns="0" tIns="0" bIns="0" anchor="ctr">
+            <a:noAutofit/>
+          </a:bodyPr>
+          <a:p>
+            <a:pPr algn="ctr">
+              <a:lnSpc>
+                <a:spcPct val="100000"/>
+              </a:lnSpc>
+              <a:buNone/>
+            </a:pPr>
+            <a:r>
+              <a:rPr b="1" lang="pt-BR" sz="1400" spc="-1" strike="noStrike">
+                <a:latin typeface="Segoe UI"/>
+                <a:ea typeface="NSimSun"/>
+              </a:rPr>
+              <a:t>Temos 7 tipos de Diagramas de Dispersão (Resumo Breve)</a:t>
+            </a:r>
+            <a:endParaRPr b="0" lang="pt-BR" sz="1400" spc="-1" strike="noStrike">
+              <a:latin typeface="Arial"/>
+            </a:endParaRPr>
+          </a:p>
+        </p:txBody>
+      </p:sp>
+      <p:sp>
+        <p:nvSpPr>
+          <p:cNvPr id="91" name="PlaceHolder 2"/>
+          <p:cNvSpPr>
+            <a:spLocks noGrp="1"/>
+          </p:cNvSpPr>
+          <p:nvPr>
+            <p:ph/>
+          </p:nvPr>
+        </p:nvSpPr>
+        <p:spPr>
+          <a:xfrm>
+            <a:off x="504000" y="1326600"/>
+            <a:ext cx="9071280" cy="3287880"/>
+          </a:xfrm>
+          <a:prstGeom prst="rect">
+            <a:avLst/>
+          </a:prstGeom>
+          <a:noFill/>
+          <a:ln w="0">
+            <a:noFill/>
+          </a:ln>
+        </p:spPr>
+        <p:txBody>
+          <a:bodyPr lIns="0" rIns="0" tIns="0" bIns="0" anchor="t">
+            <a:normAutofit fontScale="84000"/>
+          </a:bodyPr>
+          <a:p>
+            <a:pPr>
+              <a:lnSpc>
+                <a:spcPct val="100000"/>
+              </a:lnSpc>
+              <a:buNone/>
+            </a:pPr>
+            <a:r>
+              <a:rPr b="0" lang="pt-BR" sz="1200" spc="-1" strike="noStrike">
+                <a:latin typeface="Segoe UI"/>
+              </a:rPr>
+              <a:t>1. Correlação Positiva Perfeita: Um diagrama de dispersão é conhecido por ter uma correlação positiva perfeita se todos os pontos plotados estiverem em uma linha reta quando representados em um gráfico.</a:t>
+            </a:r>
+            <a:endParaRPr b="0" lang="pt-BR" sz="1200" spc="-1" strike="noStrike">
+              <a:latin typeface="Arial"/>
+            </a:endParaRPr>
+          </a:p>
+          <a:p>
+            <a:pPr>
+              <a:lnSpc>
+                <a:spcPct val="100000"/>
+              </a:lnSpc>
+              <a:buNone/>
+            </a:pPr>
+            <a:endParaRPr b="0" lang="pt-BR" sz="1200" spc="-1" strike="noStrike">
+              <a:latin typeface="Arial"/>
+            </a:endParaRPr>
+          </a:p>
+          <a:p>
+            <a:pPr>
+              <a:lnSpc>
+                <a:spcPct val="100000"/>
+              </a:lnSpc>
+              <a:buNone/>
+            </a:pPr>
+            <a:r>
+              <a:rPr b="0" lang="pt-BR" sz="1200" spc="-1" strike="noStrike">
+                <a:latin typeface="Segoe UI"/>
+              </a:rPr>
+              <a:t>2. Correlação Negativa Perfeita: Entre os exemplos de diagramas de dispersão, uma correlação negativa perfeita é recíproca do tipo anterior. Aqui, cada ponto traçado está em uma linha reta, sem exceção também. </a:t>
+            </a:r>
+            <a:endParaRPr b="0" lang="pt-BR" sz="1200" spc="-1" strike="noStrike">
+              <a:latin typeface="Arial"/>
+            </a:endParaRPr>
+          </a:p>
+          <a:p>
+            <a:pPr>
+              <a:lnSpc>
+                <a:spcPct val="100000"/>
+              </a:lnSpc>
+              <a:buNone/>
+            </a:pPr>
+            <a:endParaRPr b="0" lang="pt-BR" sz="1200" spc="-1" strike="noStrike">
+              <a:latin typeface="Arial"/>
+            </a:endParaRPr>
+          </a:p>
+          <a:p>
+            <a:pPr>
+              <a:lnSpc>
+                <a:spcPct val="100000"/>
+              </a:lnSpc>
+              <a:buNone/>
+            </a:pPr>
+            <a:r>
+              <a:rPr b="0" lang="pt-BR" sz="1200" spc="-1" strike="noStrike">
+                <a:latin typeface="Segoe UI"/>
+              </a:rPr>
+              <a:t>3. Alto Grau de Correlação Positiva: Se um diagrama de dispersão representa um alto grau de correlação positiva, então todos os seus pontos plotados estão aproximadamente ao longo de uma linha reta, mesmo que não criem uma linha claramente.</a:t>
+            </a:r>
+            <a:endParaRPr b="0" lang="pt-BR" sz="1200" spc="-1" strike="noStrike">
+              <a:latin typeface="Arial"/>
+            </a:endParaRPr>
+          </a:p>
+          <a:p>
+            <a:pPr>
+              <a:lnSpc>
+                <a:spcPct val="100000"/>
+              </a:lnSpc>
+              <a:buNone/>
+            </a:pPr>
+            <a:endParaRPr b="0" lang="pt-BR" sz="1200" spc="-1" strike="noStrike">
+              <a:latin typeface="Arial"/>
+            </a:endParaRPr>
+          </a:p>
+          <a:p>
+            <a:pPr>
+              <a:lnSpc>
+                <a:spcPct val="100000"/>
+              </a:lnSpc>
+              <a:buNone/>
+            </a:pPr>
+            <a:r>
+              <a:rPr b="0" lang="pt-BR" sz="1200" spc="-1" strike="noStrike">
+                <a:latin typeface="Segoe UI"/>
+              </a:rPr>
+              <a:t>4. Alto grau de correlação negativa: Assim como as 2 correlações perfeitas, altos graus de correlação positiva e negativa são recíprocos entre si. Representando o significado e os valores do diagrama de dispersão, no caso de um alto grau de correlação negativa, cada ponto plotado forma uma banda que cai do canto superior esquerdo ao canto inferior direito.</a:t>
+            </a:r>
+            <a:endParaRPr b="0" lang="pt-BR" sz="1200" spc="-1" strike="noStrike">
+              <a:latin typeface="Arial"/>
+            </a:endParaRPr>
+          </a:p>
+          <a:p>
+            <a:pPr>
+              <a:lnSpc>
+                <a:spcPct val="100000"/>
+              </a:lnSpc>
+              <a:buNone/>
+            </a:pPr>
+            <a:endParaRPr b="0" lang="pt-BR" sz="1200" spc="-1" strike="noStrike">
+              <a:latin typeface="Arial"/>
+            </a:endParaRPr>
+          </a:p>
+          <a:p>
+            <a:pPr>
+              <a:lnSpc>
+                <a:spcPct val="100000"/>
+              </a:lnSpc>
+              <a:buNone/>
+            </a:pPr>
+            <a:r>
+              <a:rPr b="0" lang="pt-BR" sz="1200" spc="-1" strike="noStrike">
+                <a:latin typeface="Segoe UI"/>
+              </a:rPr>
+              <a:t>5. Baixo Grau de Correlação Positiva: Aqui, temo um caso de um baixo grau de correlação, seja ela positiva ou negativa, esses pontos traçados ficam dispersos. </a:t>
+            </a:r>
+            <a:endParaRPr b="0" lang="pt-BR" sz="1200" spc="-1" strike="noStrike">
+              <a:latin typeface="Arial"/>
+            </a:endParaRPr>
+          </a:p>
+          <a:p>
+            <a:pPr>
+              <a:lnSpc>
+                <a:spcPct val="100000"/>
+              </a:lnSpc>
+              <a:buNone/>
+            </a:pPr>
+            <a:endParaRPr b="0" lang="pt-BR" sz="1200" spc="-1" strike="noStrike">
+              <a:latin typeface="Arial"/>
+            </a:endParaRPr>
+          </a:p>
+          <a:p>
+            <a:pPr>
+              <a:lnSpc>
+                <a:spcPct val="100000"/>
+              </a:lnSpc>
+              <a:buNone/>
+            </a:pPr>
+            <a:r>
+              <a:rPr b="0" lang="pt-BR" sz="1200" spc="-1" strike="noStrike">
+                <a:latin typeface="Segoe UI"/>
+              </a:rPr>
+              <a:t>6. Baixo Grau de Correlação Negativa: Baixos graus de correlação negativa são representados em um gráfico com pontos de dispersão. No entanto, apesar de dispersos, esses pontos têm uma tendência geral de cair do canto superior esquerdo de um gráfico para o canto inferior direito.</a:t>
+            </a:r>
+            <a:endParaRPr b="0" lang="pt-BR" sz="1200" spc="-1" strike="noStrike">
+              <a:latin typeface="Arial"/>
+            </a:endParaRPr>
+          </a:p>
+          <a:p>
+            <a:pPr>
+              <a:lnSpc>
+                <a:spcPct val="100000"/>
+              </a:lnSpc>
+              <a:buNone/>
+            </a:pPr>
+            <a:endParaRPr b="0" lang="pt-BR" sz="1200" spc="-1" strike="noStrike">
+              <a:latin typeface="Arial"/>
+            </a:endParaRPr>
+          </a:p>
+          <a:p>
+            <a:pPr>
+              <a:lnSpc>
+                <a:spcPct val="100000"/>
+              </a:lnSpc>
+              <a:buNone/>
+            </a:pPr>
+            <a:r>
+              <a:rPr b="0" lang="pt-BR" sz="1200" spc="-1" strike="noStrike">
+                <a:latin typeface="Segoe UI"/>
+              </a:rPr>
+              <a:t>7. Sem Correlação: Enquanto a definição do diagrama de dispersão procura encontrar a correlação entre as variáveis, os alunos devem notar que pode haver representações incoerentes e dispersas. Esta também é uma análise válida, pois mostra que as 2 variáveis ​​dadas não estão correlacionadas. Nesses casos, esses pontos plotados são espalhados aleatoriamente em um gráfico.</a:t>
+            </a:r>
+            <a:endParaRPr b="0" lang="pt-BR" sz="1200" spc="-1" strike="noStrike">
+              <a:latin typeface="Arial"/>
+            </a:endParaRPr>
+          </a:p>
+        </p:txBody>
+      </p:sp>
+    </p:spTree>
+  </p:cSld>
+  <mc:AlternateContent>
+    <mc:Choice Requires="p14">
+      <p:transition spd="slow" p14:dur="2000"/>
+    </mc:Choice>
+    <mc:Fallback>
+      <p:transition spd="slow"/>
+    </mc:Fallback>
+  </mc:AlternateContent>
+</p:sld>
+</file>
+
+<file path=ppt/slides/slide6.xml><?xml version="1.0" encoding="utf-8"?>
+<p:sld xmlns:a="http://schemas.openxmlformats.org/drawingml/2006/main" xmlns:p="http://schemas.openxmlformats.org/presentationml/2006/main" xmlns:r="http://schemas.openxmlformats.org/officeDocument/2006/relationships" xmlns:p14="http://schemas.microsoft.com/office/powerpoint/2010/main" xmlns:p15="http://schemas.microsoft.com/office/powerpoint/2012/main" xmlns:mc="http://schemas.openxmlformats.org/markup-compatibility/2006">
+  <p:cSld>
+    <p:spTree>
+      <p:nvGrpSpPr>
+        <p:cNvPr id="1" name=""/>
+        <p:cNvGrpSpPr/>
+        <p:nvPr/>
+      </p:nvGrpSpPr>
+      <p:grpSpPr>
+        <a:xfrm>
+          <a:off x="0" y="0"/>
+          <a:ext cx="0" cy="0"/>
+          <a:chOff x="0" y="0"/>
+          <a:chExt cx="0" cy="0"/>
+        </a:xfrm>
+      </p:grpSpPr>
+      <p:sp>
+        <p:nvSpPr>
+          <p:cNvPr id="92" name="PlaceHolder 1"/>
+          <p:cNvSpPr>
+            <a:spLocks noGrp="1"/>
+          </p:cNvSpPr>
+          <p:nvPr>
+            <p:ph type="title"/>
+          </p:nvPr>
+        </p:nvSpPr>
+        <p:spPr>
+          <a:xfrm>
+            <a:off x="504000" y="226080"/>
+            <a:ext cx="9071280" cy="946080"/>
+          </a:xfrm>
+          <a:prstGeom prst="rect">
+            <a:avLst/>
+          </a:prstGeom>
+          <a:noFill/>
+          <a:ln w="0">
+            <a:noFill/>
+          </a:ln>
+        </p:spPr>
+        <p:txBody>
+          <a:bodyPr lIns="0" rIns="0" tIns="0" bIns="0" anchor="ctr">
+            <a:noAutofit/>
+          </a:bodyPr>
+          <a:p>
+            <a:pPr algn="ctr">
+              <a:lnSpc>
+                <a:spcPct val="100000"/>
+              </a:lnSpc>
+              <a:buNone/>
+            </a:pPr>
+            <a:r>
+              <a:rPr b="1" lang="pt-BR" sz="1400" spc="-1" strike="noStrike">
+                <a:latin typeface="Segoe UI"/>
+                <a:ea typeface="Microsoft YaHei"/>
+              </a:rPr>
+              <a:t>Quais são as aplicações do diagrama de dispersão?</a:t>
+            </a:r>
+            <a:endParaRPr b="0" lang="pt-BR" sz="1400" spc="-1" strike="noStrike">
+              <a:latin typeface="Arial"/>
+            </a:endParaRPr>
+          </a:p>
+        </p:txBody>
+      </p:sp>
+      <p:sp>
+        <p:nvSpPr>
+          <p:cNvPr id="93" name="PlaceHolder 2"/>
+          <p:cNvSpPr>
+            <a:spLocks noGrp="1"/>
+          </p:cNvSpPr>
+          <p:nvPr>
+            <p:ph/>
+          </p:nvPr>
+        </p:nvSpPr>
+        <p:spPr>
+          <a:xfrm>
+            <a:off x="504000" y="1326600"/>
+            <a:ext cx="9071280" cy="3287880"/>
+          </a:xfrm>
+          <a:prstGeom prst="rect">
+            <a:avLst/>
+          </a:prstGeom>
+          <a:noFill/>
+          <a:ln w="0">
+            <a:noFill/>
+          </a:ln>
+        </p:spPr>
+        <p:txBody>
+          <a:bodyPr lIns="0" rIns="0" tIns="0" bIns="0" anchor="t">
+            <a:normAutofit fontScale="65000"/>
+          </a:bodyPr>
+          <a:p>
+            <a:pPr>
+              <a:lnSpc>
+                <a:spcPct val="100000"/>
+              </a:lnSpc>
+              <a:buNone/>
+            </a:pPr>
+            <a:r>
+              <a:rPr b="0" lang="pt-BR" sz="2200" spc="-1" strike="noStrike">
+                <a:latin typeface="Segoe UI"/>
+              </a:rPr>
+              <a:t>1° - Apresentação da relação entre quaisquer duas variáveis: </a:t>
+            </a:r>
+            <a:endParaRPr b="0" lang="pt-BR" sz="2200" spc="-1" strike="noStrike">
+              <a:latin typeface="Arial"/>
+            </a:endParaRPr>
+          </a:p>
+          <a:p>
+            <a:pPr>
+              <a:lnSpc>
+                <a:spcPct val="100000"/>
+              </a:lnSpc>
+              <a:buNone/>
+            </a:pPr>
+            <a:r>
+              <a:rPr b="0" lang="pt-BR" sz="2200" spc="-1" strike="noStrike">
+                <a:latin typeface="Segoe UI"/>
+              </a:rPr>
+              <a:t>Um diagrama de dispersão representa essencialmente a relação distinta entre quaisquer duas variáveis. Essa relação pode ser linear ou não linear, positiva ou negativa, forte ou fraca. Tal representação fornece uma observação das duas variáveis que auxilia na análise dos dados através dos pontos de dados ou pontos mostrados no diagrama. </a:t>
+            </a:r>
+            <a:endParaRPr b="0" lang="pt-BR" sz="2200" spc="-1" strike="noStrike">
+              <a:latin typeface="Arial"/>
+            </a:endParaRPr>
+          </a:p>
+          <a:p>
+            <a:pPr>
+              <a:lnSpc>
+                <a:spcPct val="100000"/>
+              </a:lnSpc>
+              <a:buNone/>
+            </a:pPr>
+            <a:endParaRPr b="0" lang="pt-BR" sz="2200" spc="-1" strike="noStrike">
+              <a:latin typeface="Arial"/>
+            </a:endParaRPr>
+          </a:p>
+          <a:p>
+            <a:pPr>
+              <a:lnSpc>
+                <a:spcPct val="100000"/>
+              </a:lnSpc>
+              <a:buNone/>
+            </a:pPr>
+            <a:r>
+              <a:rPr b="0" lang="pt-BR" sz="2200" spc="-1" strike="noStrike">
+                <a:latin typeface="Segoe UI"/>
+              </a:rPr>
+              <a:t>2° - Reconhecendo a relação correlacional: </a:t>
+            </a:r>
+            <a:endParaRPr b="0" lang="pt-BR" sz="2200" spc="-1" strike="noStrike">
+              <a:latin typeface="Arial"/>
+            </a:endParaRPr>
+          </a:p>
+          <a:p>
+            <a:pPr>
+              <a:lnSpc>
+                <a:spcPct val="100000"/>
+              </a:lnSpc>
+              <a:buNone/>
+            </a:pPr>
+            <a:r>
+              <a:rPr b="0" lang="pt-BR" sz="2200" spc="-1" strike="noStrike">
+                <a:latin typeface="Segoe UI"/>
+              </a:rPr>
+              <a:t>Existe uma correlação entre as variáveis independentes presentes no eixo horizontal e as variáveis dependentes presentes no eixo vertical. Essa correlação pode ser identificada e estudada por observadores para derivar um valor provável das variáveis dependentes no eixo vertical.</a:t>
+            </a:r>
+            <a:endParaRPr b="0" lang="pt-BR" sz="2200" spc="-1" strike="noStrike">
+              <a:latin typeface="Arial"/>
+            </a:endParaRPr>
+          </a:p>
+          <a:p>
+            <a:pPr>
+              <a:lnSpc>
+                <a:spcPct val="100000"/>
+              </a:lnSpc>
+              <a:buNone/>
+            </a:pPr>
+            <a:endParaRPr b="0" lang="pt-BR" sz="2200" spc="-1" strike="noStrike">
+              <a:latin typeface="Arial"/>
+            </a:endParaRPr>
+          </a:p>
+          <a:p>
+            <a:pPr>
+              <a:lnSpc>
+                <a:spcPct val="100000"/>
+              </a:lnSpc>
+              <a:buNone/>
+            </a:pPr>
+            <a:r>
+              <a:rPr b="0" lang="pt-BR" sz="2200" spc="-1" strike="noStrike">
+                <a:latin typeface="Segoe UI"/>
+              </a:rPr>
+              <a:t>3° - Observando padrões de dados: </a:t>
+            </a:r>
+            <a:endParaRPr b="0" lang="pt-BR" sz="2200" spc="-1" strike="noStrike">
+              <a:latin typeface="Arial"/>
+            </a:endParaRPr>
+          </a:p>
+          <a:p>
+            <a:pPr>
+              <a:lnSpc>
+                <a:spcPct val="100000"/>
+              </a:lnSpc>
+              <a:buNone/>
+            </a:pPr>
+            <a:r>
+              <a:rPr b="0" lang="pt-BR" sz="2200" spc="-1" strike="noStrike">
+                <a:latin typeface="Segoe UI"/>
+              </a:rPr>
+              <a:t>Dados os vários pontos de dados ou pontos, no diagrama de dispersão o observador pode identificar os padrões comuns e incomuns de dados, seus respectivos valores e os pontos </a:t>
+            </a:r>
+            <a:r>
+              <a:rPr b="1" i="1" lang="pt-BR" sz="2200" spc="-1" strike="noStrike">
+                <a:latin typeface="Segoe UI"/>
+              </a:rPr>
+              <a:t>outliers</a:t>
+            </a:r>
+            <a:r>
+              <a:rPr b="0" lang="pt-BR" sz="2200" spc="-1" strike="noStrike">
+                <a:latin typeface="Segoe UI"/>
+              </a:rPr>
+              <a:t>(pontos distanciados anormais) presentes quando há lacunas de dados.</a:t>
+            </a:r>
+            <a:endParaRPr b="0" lang="pt-BR" sz="2200" spc="-1" strike="noStrike">
+              <a:latin typeface="Arial"/>
+            </a:endParaRPr>
+          </a:p>
+        </p:txBody>
+      </p:sp>
+    </p:spTree>
+  </p:cSld>
+  <mc:AlternateContent>
+    <mc:Choice Requires="p14">
+      <p:transition spd="slow" p14:dur="2000"/>
+    </mc:Choice>
+    <mc:Fallback>
+      <p:transition spd="slow"/>
+    </mc:Fallback>
+  </mc:AlternateContent>
+</p:sld>
+</file>
+
+<file path=ppt/slides/slide7.xml><?xml version="1.0" encoding="utf-8"?>
+<p:sld xmlns:a="http://schemas.openxmlformats.org/drawingml/2006/main" xmlns:p="http://schemas.openxmlformats.org/presentationml/2006/main" xmlns:r="http://schemas.openxmlformats.org/officeDocument/2006/relationships" xmlns:p14="http://schemas.microsoft.com/office/powerpoint/2010/main" xmlns:p15="http://schemas.microsoft.com/office/powerpoint/2012/main" xmlns:mc="http://schemas.openxmlformats.org/markup-compatibility/2006">
+  <p:cSld>
+    <p:spTree>
+      <p:nvGrpSpPr>
+        <p:cNvPr id="1" name=""/>
+        <p:cNvGrpSpPr/>
+        <p:nvPr/>
+      </p:nvGrpSpPr>
+      <p:grpSpPr>
+        <a:xfrm>
+          <a:off x="0" y="0"/>
+          <a:ext cx="0" cy="0"/>
+          <a:chOff x="0" y="0"/>
+          <a:chExt cx="0" cy="0"/>
+        </a:xfrm>
+      </p:grpSpPr>
+      <p:sp>
+        <p:nvSpPr>
+          <p:cNvPr id="94" name="PlaceHolder 1"/>
+          <p:cNvSpPr>
+            <a:spLocks noGrp="1"/>
+          </p:cNvSpPr>
+          <p:nvPr>
+            <p:ph type="title"/>
+          </p:nvPr>
+        </p:nvSpPr>
+        <p:spPr>
+          <a:xfrm>
+            <a:off x="504000" y="0"/>
+            <a:ext cx="9071280" cy="946080"/>
+          </a:xfrm>
+          <a:prstGeom prst="rect">
+            <a:avLst/>
+          </a:prstGeom>
+          <a:noFill/>
+          <a:ln w="0">
+            <a:noFill/>
+          </a:ln>
+        </p:spPr>
+        <p:txBody>
+          <a:bodyPr lIns="0" rIns="0" tIns="0" bIns="0" anchor="ctr">
+            <a:noAutofit/>
+          </a:bodyPr>
+          <a:p>
+            <a:pPr algn="ctr">
+              <a:lnSpc>
+                <a:spcPct val="100000"/>
+              </a:lnSpc>
+              <a:buNone/>
+            </a:pPr>
+            <a:r>
+              <a:rPr b="1" lang="pt-BR" sz="1400" spc="-1" strike="noStrike">
+                <a:latin typeface="Segoe UI"/>
+                <a:ea typeface="Microsoft YaHei"/>
+              </a:rPr>
+              <a:t>Usando a Linguagem R para demonstrar o Diagrama de Dispersão</a:t>
+            </a:r>
+            <a:br>
+              <a:rPr sz="1400"/>
+            </a:br>
+            <a:br>
+              <a:rPr sz="1400"/>
+            </a:br>
+            <a:r>
+              <a:rPr b="0" lang="pt-BR" sz="1200" spc="-1" strike="noStrike">
+                <a:latin typeface="Segoe UI"/>
+                <a:ea typeface="Microsoft YaHei"/>
+              </a:rPr>
+              <a:t>Aqui já será outra ideia … Salvando os trechos de códigos desenvolvidos</a:t>
+            </a:r>
+            <a:endParaRPr b="0" lang="pt-BR" sz="1200" spc="-1" strike="noStrike">
+              <a:latin typeface="Arial"/>
+            </a:endParaRPr>
+          </a:p>
+        </p:txBody>
+      </p:sp>
+      <p:pic>
+        <p:nvPicPr>
+          <p:cNvPr id="95" name="" descr=""/>
+          <p:cNvPicPr/>
+          <p:nvPr/>
+        </p:nvPicPr>
+        <p:blipFill>
+          <a:blip r:embed="rId1"/>
+          <a:stretch/>
+        </p:blipFill>
+        <p:spPr>
+          <a:xfrm>
+            <a:off x="378000" y="1041840"/>
+            <a:ext cx="3941640" cy="2249640"/>
+          </a:xfrm>
+          <a:prstGeom prst="rect">
+            <a:avLst/>
+          </a:prstGeom>
+          <a:ln w="0">
+            <a:noFill/>
+          </a:ln>
+        </p:spPr>
+      </p:pic>
+      <p:pic>
+        <p:nvPicPr>
+          <p:cNvPr id="96" name="" descr=""/>
+          <p:cNvPicPr/>
+          <p:nvPr/>
+        </p:nvPicPr>
+        <p:blipFill>
+          <a:blip r:embed="rId2"/>
+          <a:stretch/>
+        </p:blipFill>
+        <p:spPr>
+          <a:xfrm>
+            <a:off x="5220000" y="976680"/>
+            <a:ext cx="3943440" cy="2262960"/>
+          </a:xfrm>
+          <a:prstGeom prst="rect">
+            <a:avLst/>
+          </a:prstGeom>
+          <a:ln w="0">
+            <a:noFill/>
+          </a:ln>
+        </p:spPr>
+      </p:pic>
+      <p:pic>
+        <p:nvPicPr>
+          <p:cNvPr id="97" name="" descr=""/>
+          <p:cNvPicPr/>
+          <p:nvPr/>
+        </p:nvPicPr>
+        <p:blipFill>
+          <a:blip r:embed="rId3"/>
+          <a:stretch/>
+        </p:blipFill>
+        <p:spPr>
+          <a:xfrm>
+            <a:off x="366480" y="3477240"/>
+            <a:ext cx="3953160" cy="2102400"/>
+          </a:xfrm>
+          <a:prstGeom prst="rect">
+            <a:avLst/>
+          </a:prstGeom>
+          <a:ln w="0">
+            <a:noFill/>
+          </a:ln>
+        </p:spPr>
+      </p:pic>
+      <p:pic>
+        <p:nvPicPr>
+          <p:cNvPr id="98" name="" descr=""/>
+          <p:cNvPicPr/>
+          <p:nvPr/>
+        </p:nvPicPr>
+        <p:blipFill>
+          <a:blip r:embed="rId4"/>
+          <a:stretch/>
+        </p:blipFill>
+        <p:spPr>
+          <a:xfrm>
+            <a:off x="5220000" y="3420000"/>
+            <a:ext cx="3959640" cy="2159640"/>
+          </a:xfrm>
+          <a:prstGeom prst="rect">
+            <a:avLst/>
+          </a:prstGeom>
+          <a:ln w="0">
+            <a:noFill/>
+          </a:ln>
+        </p:spPr>
+      </p:pic>
+      <p:sp>
+        <p:nvSpPr>
+          <p:cNvPr id="99" name=""/>
           <p:cNvSpPr/>
           <p:nvPr/>
         </p:nvSpPr>
         <p:spPr>
+          <a:xfrm>
+            <a:off x="4500000" y="2160000"/>
+            <a:ext cx="539640" cy="179640"/>
+          </a:xfrm>
+          <a:custGeom>
+            <a:avLst/>
+            <a:gdLst/>
+            <a:ahLst/>
+            <a:rect l="l" t="t" r="r" b="b"/>
+            <a:pathLst>
+              <a:path w="21600" h="21600">
+                <a:moveTo>
+                  <a:pt x="0" y="5400"/>
+                </a:moveTo>
+                <a:lnTo>
+                  <a:pt x="16200" y="5400"/>
+                </a:lnTo>
+                <a:lnTo>
+                  <a:pt x="16200" y="0"/>
+                </a:lnTo>
+                <a:lnTo>
+                  <a:pt x="21600" y="10800"/>
+                </a:lnTo>
+                <a:lnTo>
+                  <a:pt x="16200" y="21600"/>
+                </a:lnTo>
+                <a:lnTo>
+                  <a:pt x="16200" y="16200"/>
+                </a:lnTo>
+                <a:lnTo>
+                  <a:pt x="0" y="16200"/>
+                </a:lnTo>
+                <a:close/>
+              </a:path>
+            </a:pathLst>
+          </a:custGeom>
+          <a:solidFill>
+            <a:srgbClr val="729fcf"/>
+          </a:solidFill>
+          <a:ln w="0">
+            <a:solidFill>
+              <a:srgbClr val="3465a4"/>
+            </a:solidFill>
+          </a:ln>
+        </p:spPr>
+        <p:style>
+          <a:lnRef idx="0"/>
+          <a:fillRef idx="0"/>
+          <a:effectRef idx="0"/>
+          <a:fontRef idx="minor"/>
+        </p:style>
+      </p:sp>
+      <p:sp>
+        <p:nvSpPr>
+          <p:cNvPr id="100" name=""/>
+          <p:cNvSpPr/>
+          <p:nvPr/>
+        </p:nvSpPr>
+        <p:spPr>
           <a:xfrm rot="2707200">
-            <a:off x="4758840" y="3228840"/>
-            <a:ext cx="180000" cy="360000"/>
+            <a:off x="4758840" y="3228480"/>
+            <a:ext cx="179640" cy="359640"/>
           </a:xfrm>
           <a:custGeom>
             <a:avLst/>
@@ -3970,14 +7361,14 @@
       </p:sp>
       <p:sp>
         <p:nvSpPr>
-          <p:cNvPr id="60" name=""/>
+          <p:cNvPr id="101" name=""/>
           <p:cNvSpPr/>
           <p:nvPr/>
         </p:nvSpPr>
         <p:spPr>
           <a:xfrm>
             <a:off x="4500000" y="4320000"/>
-            <a:ext cx="540000" cy="180000"/>
+            <a:ext cx="539640" cy="179640"/>
           </a:xfrm>
           <a:custGeom>
             <a:avLst/>
@@ -4059,7 +7450,7 @@
       </p:grpSpPr>
       <p:sp>
         <p:nvSpPr>
-          <p:cNvPr id="61" name="PlaceHolder 1"/>
+          <p:cNvPr id="102" name="PlaceHolder 1"/>
           <p:cNvSpPr>
             <a:spLocks noGrp="1"/>
           </p:cNvSpPr>
@@ -4070,7 +7461,7 @@
         <p:spPr>
           <a:xfrm>
             <a:off x="504000" y="0"/>
-            <a:ext cx="9071640" cy="720000"/>
+            <a:ext cx="9071280" cy="719640"/>
           </a:xfrm>
           <a:prstGeom prst="rect">
             <a:avLst/>
@@ -4086,6 +7477,9 @@
           </a:bodyPr>
           <a:p>
             <a:pPr algn="ctr">
+              <a:lnSpc>
+                <a:spcPct val="100000"/>
+              </a:lnSpc>
               <a:buNone/>
             </a:pPr>
             <a:r>
@@ -4102,7 +7496,7 @@
       </p:sp>
       <p:pic>
         <p:nvPicPr>
-          <p:cNvPr id="62" name="" descr=""/>
+          <p:cNvPr id="103" name="" descr=""/>
           <p:cNvPicPr/>
           <p:nvPr/>
         </p:nvPicPr>
@@ -4113,7 +7507,7 @@
         <p:spPr>
           <a:xfrm>
             <a:off x="864000" y="1080000"/>
-            <a:ext cx="2736000" cy="2016000"/>
+            <a:ext cx="2735640" cy="2015640"/>
           </a:xfrm>
           <a:prstGeom prst="rect">
             <a:avLst/>
@@ -4125,7 +7519,7 @@
       </p:pic>
       <p:pic>
         <p:nvPicPr>
-          <p:cNvPr id="63" name="" descr=""/>
+          <p:cNvPr id="104" name="" descr=""/>
           <p:cNvPicPr/>
           <p:nvPr/>
         </p:nvPicPr>
@@ -4136,7 +7530,7 @@
         <p:spPr>
           <a:xfrm>
             <a:off x="6120000" y="1008360"/>
-            <a:ext cx="2591640" cy="2231640"/>
+            <a:ext cx="2591280" cy="2231280"/>
           </a:xfrm>
           <a:prstGeom prst="rect">
             <a:avLst/>
@@ -4148,7 +7542,7 @@
       </p:pic>
       <p:pic>
         <p:nvPicPr>
-          <p:cNvPr id="64" name="" descr=""/>
+          <p:cNvPr id="105" name="" descr=""/>
           <p:cNvPicPr/>
           <p:nvPr/>
         </p:nvPicPr>
@@ -4159,7 +7553,7 @@
         <p:spPr>
           <a:xfrm>
             <a:off x="864000" y="3218400"/>
-            <a:ext cx="2736000" cy="2361600"/>
+            <a:ext cx="2735640" cy="2361240"/>
           </a:xfrm>
           <a:prstGeom prst="rect">
             <a:avLst/>
@@ -4171,7 +7565,7 @@
       </p:pic>
       <p:pic>
         <p:nvPicPr>
-          <p:cNvPr id="65" name="" descr=""/>
+          <p:cNvPr id="106" name="" descr=""/>
           <p:cNvPicPr/>
           <p:nvPr/>
         </p:nvPicPr>
@@ -4182,7 +7576,7 @@
         <p:spPr>
           <a:xfrm>
             <a:off x="6120000" y="3420000"/>
-            <a:ext cx="2609280" cy="1980000"/>
+            <a:ext cx="2608920" cy="1979640"/>
           </a:xfrm>
           <a:prstGeom prst="rect">
             <a:avLst/>
@@ -4194,14 +7588,14 @@
       </p:pic>
       <p:sp>
         <p:nvSpPr>
-          <p:cNvPr id="66" name=""/>
+          <p:cNvPr id="107" name=""/>
           <p:cNvSpPr/>
           <p:nvPr/>
         </p:nvSpPr>
         <p:spPr>
           <a:xfrm>
             <a:off x="4680000" y="1800000"/>
-            <a:ext cx="540000" cy="180000"/>
+            <a:ext cx="539640" cy="179640"/>
           </a:xfrm>
           <a:custGeom>
             <a:avLst/>
@@ -4253,14 +7647,14 @@
       </p:sp>
       <p:sp>
         <p:nvSpPr>
-          <p:cNvPr id="67" name=""/>
+          <p:cNvPr id="108" name=""/>
           <p:cNvSpPr/>
           <p:nvPr/>
         </p:nvSpPr>
         <p:spPr>
           <a:xfrm>
             <a:off x="4680000" y="4140000"/>
-            <a:ext cx="540000" cy="180000"/>
+            <a:ext cx="539640" cy="179640"/>
           </a:xfrm>
           <a:custGeom>
             <a:avLst/>
@@ -4312,14 +7706,14 @@
       </p:sp>
       <p:sp>
         <p:nvSpPr>
-          <p:cNvPr id="68" name=""/>
+          <p:cNvPr id="109" name=""/>
           <p:cNvSpPr/>
           <p:nvPr/>
         </p:nvSpPr>
         <p:spPr>
           <a:xfrm rot="19675800">
-            <a:off x="4680000" y="3110040"/>
-            <a:ext cx="540000" cy="180000"/>
+            <a:off x="4680000" y="3109680"/>
+            <a:ext cx="539640" cy="179640"/>
           </a:xfrm>
           <a:custGeom>
             <a:avLst/>
@@ -4401,7 +7795,7 @@
       </p:grpSpPr>
       <p:sp>
         <p:nvSpPr>
-          <p:cNvPr id="69" name="PlaceHolder 1"/>
+          <p:cNvPr id="110" name="PlaceHolder 1"/>
           <p:cNvSpPr>
             <a:spLocks noGrp="1"/>
           </p:cNvSpPr>
@@ -4411,8 +7805,8 @@
         </p:nvSpPr>
         <p:spPr>
           <a:xfrm>
-            <a:off x="504000" y="226080"/>
-            <a:ext cx="9071640" cy="946440"/>
+            <a:off x="504000" y="180000"/>
+            <a:ext cx="9071280" cy="766080"/>
           </a:xfrm>
           <a:prstGeom prst="rect">
             <a:avLst/>
@@ -4434,7 +7828,7 @@
               <a:rPr b="0" lang="pt-BR" sz="2200" spc="-1" strike="noStrike">
                 <a:latin typeface="Arial"/>
               </a:rPr>
-              <a:t>Referências Bibliográficas</a:t>
+              <a:t>Exemplo 01</a:t>
             </a:r>
             <a:endParaRPr b="0" lang="pt-BR" sz="2200" spc="-1" strike="noStrike">
               <a:latin typeface="Arial"/>
@@ -4444,58 +7838,272 @@
       </p:sp>
       <p:sp>
         <p:nvSpPr>
-          <p:cNvPr id="70" name="PlaceHolder 2"/>
-          <p:cNvSpPr>
-            <a:spLocks noGrp="1"/>
-          </p:cNvSpPr>
-          <p:nvPr>
-            <p:ph/>
-          </p:nvPr>
-        </p:nvSpPr>
-        <p:spPr>
-          <a:xfrm>
-            <a:off x="504000" y="1326600"/>
-            <a:ext cx="9071640" cy="3288240"/>
-          </a:xfrm>
-          <a:prstGeom prst="rect">
-            <a:avLst/>
-          </a:prstGeom>
-          <a:noFill/>
-          <a:ln w="0">
-            <a:noFill/>
-          </a:ln>
-        </p:spPr>
-        <p:txBody>
-          <a:bodyPr lIns="0" rIns="0" tIns="0" bIns="0" anchor="t">
-            <a:normAutofit/>
-          </a:bodyPr>
-          <a:p>
-            <a:r>
-              <a:rPr b="0" lang="pt-BR" sz="2200" spc="-1" strike="noStrike">
-                <a:latin typeface="Segoe UI"/>
-                <a:hlinkClick r:id="rId1"/>
+          <p:cNvPr id="111" name=""/>
+          <p:cNvSpPr txBox="1"/>
+          <p:nvPr/>
+        </p:nvSpPr>
+        <p:spPr>
+          <a:xfrm>
+            <a:off x="0" y="1017360"/>
+            <a:ext cx="10094400" cy="858240"/>
+          </a:xfrm>
+          <a:prstGeom prst="rect">
+            <a:avLst/>
+          </a:prstGeom>
+          <a:noFill/>
+          <a:ln w="0">
+            <a:noFill/>
+          </a:ln>
+        </p:spPr>
+        <p:txBody>
+          <a:bodyPr lIns="90000" rIns="90000" tIns="45000" bIns="45000" anchor="t">
+            <a:noAutofit/>
+          </a:bodyPr>
+          <a:p>
+            <a:r>
+              <a:rPr b="0" lang="pt-BR" sz="1800" spc="-1" strike="noStrike">
+                <a:latin typeface="Arial"/>
               </a:rPr>
-              <a:t>Scatter Diagram - Introduction, Interpretation and Types (vedantu.com)</a:t>
-            </a:r>
-            <a:r>
-              <a:rPr b="0" lang="pt-BR" sz="2200" spc="-1" strike="noStrike">
-                <a:latin typeface="Segoe UI"/>
+              <a:t>Imagine que você queira analisar a altura, o peso e a idade das crianças que frequentam a escola em sua vizinhança. Vamos supor que os dados abaixo são o que você coletou. Uma possibilidade de pesquisa é a correlação entre ‘altura’ e ‘idade’.</a:t>
+            </a:r>
+            <a:endParaRPr b="0" lang="pt-BR" sz="1800" spc="-1" strike="noStrike">
+              <a:latin typeface="Arial"/>
+            </a:endParaRPr>
+          </a:p>
+        </p:txBody>
+      </p:sp>
+      <p:pic>
+        <p:nvPicPr>
+          <p:cNvPr id="112" name="" descr=""/>
+          <p:cNvPicPr/>
+          <p:nvPr/>
+        </p:nvPicPr>
+        <p:blipFill>
+          <a:blip r:embed="rId1"/>
+          <a:srcRect l="23130" t="34761" r="54417" b="20791"/>
+          <a:stretch/>
+        </p:blipFill>
+        <p:spPr>
+          <a:xfrm>
+            <a:off x="180000" y="2520000"/>
+            <a:ext cx="2159640" cy="2519640"/>
+          </a:xfrm>
+          <a:prstGeom prst="rect">
+            <a:avLst/>
+          </a:prstGeom>
+          <a:ln w="0">
+            <a:noFill/>
+          </a:ln>
+        </p:spPr>
+      </p:pic>
+      <p:sp>
+        <p:nvSpPr>
+          <p:cNvPr id="113" name=""/>
+          <p:cNvSpPr txBox="1"/>
+          <p:nvPr/>
+        </p:nvSpPr>
+        <p:spPr>
+          <a:xfrm>
+            <a:off x="360000" y="2160000"/>
+            <a:ext cx="1980000" cy="346320"/>
+          </a:xfrm>
+          <a:prstGeom prst="rect">
+            <a:avLst/>
+          </a:prstGeom>
+          <a:noFill/>
+          <a:ln w="0">
+            <a:noFill/>
+          </a:ln>
+        </p:spPr>
+        <p:txBody>
+          <a:bodyPr lIns="90000" rIns="90000" tIns="45000" bIns="45000" anchor="t">
+            <a:noAutofit/>
+          </a:bodyPr>
+          <a:p>
+            <a:r>
+              <a:rPr b="0" lang="pt-BR" sz="1800" spc="-1" strike="noStrike">
+                <a:latin typeface="Arial"/>
               </a:rPr>
-              <a:t>  </a:t>
-            </a:r>
-            <a:endParaRPr b="0" lang="pt-BR" sz="2200" spc="-1" strike="noStrike">
-              <a:latin typeface="Arial"/>
-            </a:endParaRPr>
-          </a:p>
-          <a:p>
-            <a:r>
-              <a:rPr b="0" lang="pt-BR" sz="2200" spc="-1" strike="noStrike">
-                <a:latin typeface="Segoe UI"/>
-                <a:hlinkClick r:id="rId2"/>
+              <a:t>Dados coletados</a:t>
+            </a:r>
+            <a:endParaRPr b="0" lang="pt-BR" sz="1800" spc="-1" strike="noStrike">
+              <a:latin typeface="Arial"/>
+            </a:endParaRPr>
+          </a:p>
+        </p:txBody>
+      </p:sp>
+      <p:pic>
+        <p:nvPicPr>
+          <p:cNvPr id="114" name="" descr=""/>
+          <p:cNvPicPr/>
+          <p:nvPr/>
+        </p:nvPicPr>
+        <p:blipFill>
+          <a:blip r:embed="rId2"/>
+          <a:stretch/>
+        </p:blipFill>
+        <p:spPr>
+          <a:xfrm>
+            <a:off x="3420000" y="2506320"/>
+            <a:ext cx="2520000" cy="3062160"/>
+          </a:xfrm>
+          <a:prstGeom prst="rect">
+            <a:avLst/>
+          </a:prstGeom>
+          <a:ln w="0">
+            <a:noFill/>
+          </a:ln>
+        </p:spPr>
+      </p:pic>
+      <p:sp>
+        <p:nvSpPr>
+          <p:cNvPr id="115" name=""/>
+          <p:cNvSpPr txBox="1"/>
+          <p:nvPr/>
+        </p:nvSpPr>
+        <p:spPr>
+          <a:xfrm>
+            <a:off x="4140000" y="2160000"/>
+            <a:ext cx="1080000" cy="346320"/>
+          </a:xfrm>
+          <a:prstGeom prst="rect">
+            <a:avLst/>
+          </a:prstGeom>
+          <a:noFill/>
+          <a:ln w="0">
+            <a:noFill/>
+          </a:ln>
+        </p:spPr>
+        <p:txBody>
+          <a:bodyPr lIns="90000" rIns="90000" tIns="45000" bIns="45000" anchor="t">
+            <a:noAutofit/>
+          </a:bodyPr>
+          <a:p>
+            <a:r>
+              <a:rPr b="0" lang="pt-BR" sz="1800" spc="-1" strike="noStrike">
+                <a:latin typeface="Arial"/>
               </a:rPr>
-              <a:t>SCATTER PLOT in R programming 🟢 [WITH EXAMPLES] (r-coder.com)</a:t>
-            </a:r>
-            <a:endParaRPr b="0" lang="pt-BR" sz="2200" spc="-1" strike="noStrike">
+              <a:t>Código</a:t>
+            </a:r>
+            <a:endParaRPr b="0" lang="pt-BR" sz="1800" spc="-1" strike="noStrike">
+              <a:latin typeface="Arial"/>
+            </a:endParaRPr>
+          </a:p>
+        </p:txBody>
+      </p:sp>
+      <p:pic>
+        <p:nvPicPr>
+          <p:cNvPr id="116" name="" descr=""/>
+          <p:cNvPicPr/>
+          <p:nvPr/>
+        </p:nvPicPr>
+        <p:blipFill>
+          <a:blip r:embed="rId3"/>
+          <a:stretch/>
+        </p:blipFill>
+        <p:spPr>
+          <a:xfrm>
+            <a:off x="6840000" y="2520000"/>
+            <a:ext cx="2644920" cy="2644920"/>
+          </a:xfrm>
+          <a:prstGeom prst="rect">
+            <a:avLst/>
+          </a:prstGeom>
+          <a:ln w="0">
+            <a:noFill/>
+          </a:ln>
+        </p:spPr>
+      </p:pic>
+      <p:sp>
+        <p:nvSpPr>
+          <p:cNvPr id="117" name=""/>
+          <p:cNvSpPr/>
+          <p:nvPr/>
+        </p:nvSpPr>
+        <p:spPr>
+          <a:xfrm>
+            <a:off x="6120000" y="3780000"/>
+            <a:ext cx="540000" cy="360000"/>
+          </a:xfrm>
+          <a:custGeom>
+            <a:avLst/>
+            <a:gdLst/>
+            <a:ahLst/>
+            <a:rect l="l" t="t" r="r" b="b"/>
+            <a:pathLst>
+              <a:path w="21600" h="21600">
+                <a:moveTo>
+                  <a:pt x="0" y="5400"/>
+                </a:moveTo>
+                <a:lnTo>
+                  <a:pt x="16200" y="5400"/>
+                </a:lnTo>
+                <a:lnTo>
+                  <a:pt x="16200" y="0"/>
+                </a:lnTo>
+                <a:lnTo>
+                  <a:pt x="21600" y="10800"/>
+                </a:lnTo>
+                <a:lnTo>
+                  <a:pt x="16200" y="21600"/>
+                </a:lnTo>
+                <a:lnTo>
+                  <a:pt x="16200" y="16200"/>
+                </a:lnTo>
+                <a:lnTo>
+                  <a:pt x="0" y="16200"/>
+                </a:lnTo>
+                <a:close/>
+              </a:path>
+            </a:pathLst>
+          </a:custGeom>
+          <a:solidFill>
+            <a:srgbClr val="729fcf"/>
+          </a:solidFill>
+          <a:ln w="0">
+            <a:solidFill>
+              <a:srgbClr val="3465a4"/>
+            </a:solidFill>
+          </a:ln>
+        </p:spPr>
+        <p:style>
+          <a:lnRef idx="0"/>
+          <a:fillRef idx="0"/>
+          <a:effectRef idx="0"/>
+          <a:fontRef idx="minor"/>
+        </p:style>
+      </p:sp>
+      <p:sp>
+        <p:nvSpPr>
+          <p:cNvPr id="118" name=""/>
+          <p:cNvSpPr txBox="1"/>
+          <p:nvPr/>
+        </p:nvSpPr>
+        <p:spPr>
+          <a:xfrm>
+            <a:off x="7560000" y="2160000"/>
+            <a:ext cx="1440000" cy="346320"/>
+          </a:xfrm>
+          <a:prstGeom prst="rect">
+            <a:avLst/>
+          </a:prstGeom>
+          <a:noFill/>
+          <a:ln w="0">
+            <a:noFill/>
+          </a:ln>
+        </p:spPr>
+        <p:txBody>
+          <a:bodyPr lIns="90000" rIns="90000" tIns="45000" bIns="45000" anchor="t">
+            <a:noAutofit/>
+          </a:bodyPr>
+          <a:p>
+            <a:r>
+              <a:rPr b="0" lang="pt-BR" sz="1800" spc="-1" strike="noStrike">
+                <a:latin typeface="Arial"/>
+              </a:rPr>
+              <a:t>Resultado</a:t>
+            </a:r>
+            <a:endParaRPr b="0" lang="pt-BR" sz="1800" spc="-1" strike="noStrike">
               <a:latin typeface="Arial"/>
             </a:endParaRPr>
           </a:p>
@@ -4738,4 +8346,230 @@
     </a:fmtScheme>
   </a:themeElements>
 </a:theme>
+</file>
+
+<file path=ppt/theme/theme2.xml><?xml version="1.0" encoding="utf-8"?>
+<a:theme xmlns:a="http://schemas.openxmlformats.org/drawingml/2006/main" name="Office Theme">
+  <a:themeElements>
+    <a:clrScheme name="Office">
+      <a:dk1>
+        <a:sysClr val="windowText" lastClr="000000"/>
+      </a:dk1>
+      <a:lt1>
+        <a:sysClr val="window" lastClr="FFFFFF"/>
+      </a:lt1>
+      <a:dk2>
+        <a:srgbClr val="1f497d"/>
+      </a:dk2>
+      <a:lt2>
+        <a:srgbClr val="eeece1"/>
+      </a:lt2>
+      <a:accent1>
+        <a:srgbClr val="4f81bd"/>
+      </a:accent1>
+      <a:accent2>
+        <a:srgbClr val="c0504d"/>
+      </a:accent2>
+      <a:accent3>
+        <a:srgbClr val="9bbb59"/>
+      </a:accent3>
+      <a:accent4>
+        <a:srgbClr val="8064a2"/>
+      </a:accent4>
+      <a:accent5>
+        <a:srgbClr val="4bacc6"/>
+      </a:accent5>
+      <a:accent6>
+        <a:srgbClr val="f79646"/>
+      </a:accent6>
+      <a:hlink>
+        <a:srgbClr val="0000ff"/>
+      </a:hlink>
+      <a:folHlink>
+        <a:srgbClr val="800080"/>
+      </a:folHlink>
+    </a:clrScheme>
+    <a:fontScheme name="Office">
+      <a:majorFont>
+        <a:latin typeface="Arial"/>
+        <a:ea typeface="DejaVu Sans"/>
+        <a:cs typeface="DejaVu Sans"/>
+      </a:majorFont>
+      <a:minorFont>
+        <a:latin typeface="Arial"/>
+        <a:ea typeface="DejaVu Sans"/>
+        <a:cs typeface="DejaVu Sans"/>
+      </a:minorFont>
+    </a:fontScheme>
+    <a:fmtScheme name="Office">
+      <a:fillStyleLst>
+        <a:solidFill>
+          <a:schemeClr val="phClr"/>
+        </a:solidFill>
+        <a:gradFill rotWithShape="1">
+          <a:gsLst>
+            <a:gs pos="0">
+              <a:schemeClr val="phClr">
+                <a:tint val="50000"/>
+                <a:satMod val="300000"/>
+              </a:schemeClr>
+            </a:gs>
+            <a:gs pos="35000">
+              <a:schemeClr val="phClr">
+                <a:tint val="37000"/>
+                <a:satMod val="300000"/>
+              </a:schemeClr>
+            </a:gs>
+            <a:gs pos="100000">
+              <a:schemeClr val="phClr">
+                <a:tint val="15000"/>
+                <a:satMod val="350000"/>
+              </a:schemeClr>
+            </a:gs>
+          </a:gsLst>
+          <a:lin ang="16200000" scaled="1"/>
+        </a:gradFill>
+        <a:gradFill rotWithShape="1">
+          <a:gsLst>
+            <a:gs pos="0">
+              <a:schemeClr val="phClr">
+                <a:shade val="51000"/>
+                <a:satMod val="130000"/>
+              </a:schemeClr>
+            </a:gs>
+            <a:gs pos="80000">
+              <a:schemeClr val="phClr">
+                <a:shade val="93000"/>
+                <a:satMod val="130000"/>
+              </a:schemeClr>
+            </a:gs>
+            <a:gs pos="100000">
+              <a:schemeClr val="phClr">
+                <a:shade val="94000"/>
+                <a:satMod val="135000"/>
+              </a:schemeClr>
+            </a:gs>
+          </a:gsLst>
+          <a:lin ang="16200000" scaled="0"/>
+        </a:gradFill>
+      </a:fillStyleLst>
+      <a:lnStyleLst>
+        <a:ln w="9525" cap="flat" cmpd="sng" algn="ctr">
+          <a:solidFill>
+            <a:schemeClr val="phClr">
+              <a:shade val="95000"/>
+              <a:satMod val="105000"/>
+            </a:schemeClr>
+          </a:solidFill>
+          <a:prstDash val="solid"/>
+          <a:miter/>
+        </a:ln>
+        <a:ln w="25400" cap="flat" cmpd="sng" algn="ctr">
+          <a:solidFill>
+            <a:schemeClr val="phClr"/>
+          </a:solidFill>
+          <a:prstDash val="solid"/>
+          <a:miter/>
+        </a:ln>
+        <a:ln w="38100" cap="flat" cmpd="sng" algn="ctr">
+          <a:solidFill>
+            <a:schemeClr val="phClr"/>
+          </a:solidFill>
+          <a:prstDash val="solid"/>
+          <a:miter/>
+        </a:ln>
+      </a:lnStyleLst>
+      <a:effectStyleLst>
+        <a:effectStyle>
+          <a:effectLst>
+            <a:outerShdw blurRad="40000" dist="20000" dir="5400000" rotWithShape="0">
+              <a:srgbClr val="000000">
+                <a:alpha val="38000"/>
+              </a:srgbClr>
+            </a:outerShdw>
+          </a:effectLst>
+        </a:effectStyle>
+        <a:effectStyle>
+          <a:effectLst>
+            <a:outerShdw blurRad="40000" dist="23000" dir="5400000" rotWithShape="0">
+              <a:srgbClr val="000000">
+                <a:alpha val="35000"/>
+              </a:srgbClr>
+            </a:outerShdw>
+          </a:effectLst>
+        </a:effectStyle>
+        <a:effectStyle>
+          <a:effectLst>
+            <a:outerShdw blurRad="40000" dist="23000" dir="5400000" rotWithShape="0">
+              <a:srgbClr val="000000">
+                <a:alpha val="35000"/>
+              </a:srgbClr>
+            </a:outerShdw>
+          </a:effectLst>
+          <a:scene3d>
+            <a:camera prst="orthographicFront">
+              <a:rot lat="0" lon="0" rev="0"/>
+            </a:camera>
+            <a:lightRig rig="threePt" dir="t">
+              <a:rot lat="0" lon="0" rev="1200000"/>
+            </a:lightRig>
+          </a:scene3d>
+          <a:sp3d>
+            <a:bevelT w="63500" h="25400"/>
+          </a:sp3d>
+        </a:effectStyle>
+      </a:effectStyleLst>
+      <a:bgFillStyleLst>
+        <a:solidFill>
+          <a:schemeClr val="phClr"/>
+        </a:solidFill>
+        <a:gradFill rotWithShape="1">
+          <a:gsLst>
+            <a:gs pos="0">
+              <a:schemeClr val="phClr">
+                <a:tint val="40000"/>
+                <a:satMod val="350000"/>
+              </a:schemeClr>
+            </a:gs>
+            <a:gs pos="40000">
+              <a:schemeClr val="phClr">
+                <a:tint val="45000"/>
+                <a:shade val="99000"/>
+                <a:satMod val="350000"/>
+              </a:schemeClr>
+            </a:gs>
+            <a:gs pos="100000">
+              <a:schemeClr val="phClr">
+                <a:shade val="20000"/>
+                <a:satMod val="255000"/>
+              </a:schemeClr>
+            </a:gs>
+          </a:gsLst>
+          <a:path path="circle">
+            <a:fillToRect l="50000" t="-80000" r="50000" b="180000"/>
+          </a:path>
+        </a:gradFill>
+        <a:gradFill rotWithShape="1">
+          <a:gsLst>
+            <a:gs pos="0">
+              <a:schemeClr val="phClr">
+                <a:tint val="80000"/>
+                <a:satMod val="300000"/>
+              </a:schemeClr>
+            </a:gs>
+            <a:gs pos="100000">
+              <a:schemeClr val="phClr">
+                <a:shade val="30000"/>
+                <a:satMod val="200000"/>
+              </a:schemeClr>
+            </a:gs>
+          </a:gsLst>
+          <a:path path="circle">
+            <a:fillToRect l="50000" t="50000" r="50000" b="50000"/>
+          </a:path>
+        </a:gradFill>
+      </a:bgFillStyleLst>
+    </a:fmtScheme>
+  </a:themeElements>
+</a:theme>
 </file>